--- a/Presentation Slides/0730_Package draft.pptx
+++ b/Presentation Slides/0730_Package draft.pptx
@@ -5,7 +5,7 @@
     <p:sldMasterId id="2147483648" r:id="rId1"/>
   </p:sldMasterIdLst>
   <p:notesMasterIdLst>
-    <p:notesMasterId r:id="rId14"/>
+    <p:notesMasterId r:id="rId20"/>
   </p:notesMasterIdLst>
   <p:sldIdLst>
     <p:sldId id="370" r:id="rId2"/>
@@ -20,6 +20,12 @@
     <p:sldId id="379" r:id="rId11"/>
     <p:sldId id="380" r:id="rId12"/>
     <p:sldId id="381" r:id="rId13"/>
+    <p:sldId id="382" r:id="rId14"/>
+    <p:sldId id="385" r:id="rId15"/>
+    <p:sldId id="387" r:id="rId16"/>
+    <p:sldId id="386" r:id="rId17"/>
+    <p:sldId id="383" r:id="rId18"/>
+    <p:sldId id="384" r:id="rId19"/>
   </p:sldIdLst>
   <p:sldSz cx="12192000" cy="6858000"/>
   <p:notesSz cx="6858000" cy="9144000"/>
@@ -118,6 +124,11 @@
       </a:defRPr>
     </a:lvl9pPr>
   </p:defaultTextStyle>
+  <p:extLst>
+    <p:ext uri="{EFAFB233-063F-42B5-8137-9DF3F51BA10A}">
+      <p15:sldGuideLst xmlns:p15="http://schemas.microsoft.com/office/powerpoint/2012/main"/>
+    </p:ext>
+  </p:extLst>
 </p:presentation>
 </file>
 
@@ -203,7 +214,7 @@
           <a:p>
             <a:fld id="{FB957D31-5E66-4B7F-9BC0-F3E9B57C7C0C}" type="datetimeFigureOut">
               <a:rPr lang="ko-KR" altLang="en-US" smtClean="0"/>
-              <a:t>2021-07-30</a:t>
+              <a:t>2021-08-13</a:t>
             </a:fld>
             <a:endParaRPr lang="ko-KR" altLang="en-US"/>
           </a:p>
@@ -670,6 +681,606 @@
 </p:notes>
 </file>
 
+<file path=ppt/notesSlides/notesSlide11.xml><?xml version="1.0" encoding="utf-8"?>
+<p:notes xmlns:a="http://schemas.openxmlformats.org/drawingml/2006/main" xmlns:r="http://schemas.openxmlformats.org/officeDocument/2006/relationships" xmlns:p="http://schemas.openxmlformats.org/presentationml/2006/main">
+  <p:cSld>
+    <p:spTree>
+      <p:nvGrpSpPr>
+        <p:cNvPr id="1" name=""/>
+        <p:cNvGrpSpPr/>
+        <p:nvPr/>
+      </p:nvGrpSpPr>
+      <p:grpSpPr>
+        <a:xfrm>
+          <a:off x="0" y="0"/>
+          <a:ext cx="0" cy="0"/>
+          <a:chOff x="0" y="0"/>
+          <a:chExt cx="0" cy="0"/>
+        </a:xfrm>
+      </p:grpSpPr>
+      <p:sp>
+        <p:nvSpPr>
+          <p:cNvPr id="2" name="슬라이드 이미지 개체 틀 1"/>
+          <p:cNvSpPr>
+            <a:spLocks noGrp="1" noRot="1" noChangeAspect="1"/>
+          </p:cNvSpPr>
+          <p:nvPr>
+            <p:ph type="sldImg"/>
+          </p:nvPr>
+        </p:nvSpPr>
+        <p:spPr/>
+      </p:sp>
+      <p:sp>
+        <p:nvSpPr>
+          <p:cNvPr id="3" name="슬라이드 노트 개체 틀 2"/>
+          <p:cNvSpPr>
+            <a:spLocks noGrp="1"/>
+          </p:cNvSpPr>
+          <p:nvPr>
+            <p:ph type="body" idx="1"/>
+          </p:nvPr>
+        </p:nvSpPr>
+        <p:spPr/>
+        <p:txBody>
+          <a:bodyPr/>
+          <a:lstStyle/>
+          <a:p>
+            <a:r>
+              <a:rPr lang="ko-KR" altLang="en-US" dirty="0"/>
+              <a:t>심리학에서 나온 자극</a:t>
+            </a:r>
+            <a:r>
+              <a:rPr lang="en-US" altLang="ko-KR" dirty="0"/>
+              <a:t>-</a:t>
+            </a:r>
+            <a:r>
+              <a:rPr lang="ko-KR" altLang="en-US" baseline="0" dirty="0"/>
+              <a:t>반응의 이론을 토대로</a:t>
+            </a:r>
+            <a:r>
+              <a:rPr lang="en-US" altLang="ko-KR" baseline="0" dirty="0"/>
+              <a:t>,</a:t>
+            </a:r>
+            <a:endParaRPr lang="ko-KR" altLang="en-US" dirty="0"/>
+          </a:p>
+        </p:txBody>
+      </p:sp>
+      <p:sp>
+        <p:nvSpPr>
+          <p:cNvPr id="4" name="슬라이드 번호 개체 틀 3"/>
+          <p:cNvSpPr>
+            <a:spLocks noGrp="1"/>
+          </p:cNvSpPr>
+          <p:nvPr>
+            <p:ph type="sldNum" sz="quarter" idx="10"/>
+          </p:nvPr>
+        </p:nvSpPr>
+        <p:spPr/>
+        <p:txBody>
+          <a:bodyPr/>
+          <a:lstStyle/>
+          <a:p>
+            <a:fld id="{771E0FB0-3C61-402D-BAEE-59161479CB3E}" type="slidenum">
+              <a:rPr lang="ko-KR" altLang="en-US" smtClean="0"/>
+              <a:t>13</a:t>
+            </a:fld>
+            <a:endParaRPr lang="ko-KR" altLang="en-US"/>
+          </a:p>
+        </p:txBody>
+      </p:sp>
+    </p:spTree>
+    <p:extLst>
+      <p:ext uri="{BB962C8B-B14F-4D97-AF65-F5344CB8AC3E}">
+        <p14:creationId xmlns:p14="http://schemas.microsoft.com/office/powerpoint/2010/main" val="312341300"/>
+      </p:ext>
+    </p:extLst>
+  </p:cSld>
+  <p:clrMapOvr>
+    <a:masterClrMapping/>
+  </p:clrMapOvr>
+</p:notes>
+</file>
+
+<file path=ppt/notesSlides/notesSlide12.xml><?xml version="1.0" encoding="utf-8"?>
+<p:notes xmlns:a="http://schemas.openxmlformats.org/drawingml/2006/main" xmlns:r="http://schemas.openxmlformats.org/officeDocument/2006/relationships" xmlns:p="http://schemas.openxmlformats.org/presentationml/2006/main">
+  <p:cSld>
+    <p:spTree>
+      <p:nvGrpSpPr>
+        <p:cNvPr id="1" name=""/>
+        <p:cNvGrpSpPr/>
+        <p:nvPr/>
+      </p:nvGrpSpPr>
+      <p:grpSpPr>
+        <a:xfrm>
+          <a:off x="0" y="0"/>
+          <a:ext cx="0" cy="0"/>
+          <a:chOff x="0" y="0"/>
+          <a:chExt cx="0" cy="0"/>
+        </a:xfrm>
+      </p:grpSpPr>
+      <p:sp>
+        <p:nvSpPr>
+          <p:cNvPr id="2" name="슬라이드 이미지 개체 틀 1"/>
+          <p:cNvSpPr>
+            <a:spLocks noGrp="1" noRot="1" noChangeAspect="1"/>
+          </p:cNvSpPr>
+          <p:nvPr>
+            <p:ph type="sldImg"/>
+          </p:nvPr>
+        </p:nvSpPr>
+        <p:spPr/>
+      </p:sp>
+      <p:sp>
+        <p:nvSpPr>
+          <p:cNvPr id="3" name="슬라이드 노트 개체 틀 2"/>
+          <p:cNvSpPr>
+            <a:spLocks noGrp="1"/>
+          </p:cNvSpPr>
+          <p:nvPr>
+            <p:ph type="body" idx="1"/>
+          </p:nvPr>
+        </p:nvSpPr>
+        <p:spPr/>
+        <p:txBody>
+          <a:bodyPr/>
+          <a:lstStyle/>
+          <a:p>
+            <a:r>
+              <a:rPr lang="ko-KR" altLang="en-US" dirty="0"/>
+              <a:t>심리학에서 나온 자극</a:t>
+            </a:r>
+            <a:r>
+              <a:rPr lang="en-US" altLang="ko-KR" dirty="0"/>
+              <a:t>-</a:t>
+            </a:r>
+            <a:r>
+              <a:rPr lang="ko-KR" altLang="en-US" baseline="0" dirty="0"/>
+              <a:t>반응의 이론을 토대로</a:t>
+            </a:r>
+            <a:r>
+              <a:rPr lang="en-US" altLang="ko-KR" baseline="0" dirty="0"/>
+              <a:t>,</a:t>
+            </a:r>
+            <a:endParaRPr lang="ko-KR" altLang="en-US" dirty="0"/>
+          </a:p>
+        </p:txBody>
+      </p:sp>
+      <p:sp>
+        <p:nvSpPr>
+          <p:cNvPr id="4" name="슬라이드 번호 개체 틀 3"/>
+          <p:cNvSpPr>
+            <a:spLocks noGrp="1"/>
+          </p:cNvSpPr>
+          <p:nvPr>
+            <p:ph type="sldNum" sz="quarter" idx="10"/>
+          </p:nvPr>
+        </p:nvSpPr>
+        <p:spPr/>
+        <p:txBody>
+          <a:bodyPr/>
+          <a:lstStyle/>
+          <a:p>
+            <a:fld id="{771E0FB0-3C61-402D-BAEE-59161479CB3E}" type="slidenum">
+              <a:rPr lang="ko-KR" altLang="en-US" smtClean="0"/>
+              <a:t>14</a:t>
+            </a:fld>
+            <a:endParaRPr lang="ko-KR" altLang="en-US"/>
+          </a:p>
+        </p:txBody>
+      </p:sp>
+    </p:spTree>
+    <p:extLst>
+      <p:ext uri="{BB962C8B-B14F-4D97-AF65-F5344CB8AC3E}">
+        <p14:creationId xmlns:p14="http://schemas.microsoft.com/office/powerpoint/2010/main" val="1612513225"/>
+      </p:ext>
+    </p:extLst>
+  </p:cSld>
+  <p:clrMapOvr>
+    <a:masterClrMapping/>
+  </p:clrMapOvr>
+</p:notes>
+</file>
+
+<file path=ppt/notesSlides/notesSlide13.xml><?xml version="1.0" encoding="utf-8"?>
+<p:notes xmlns:a="http://schemas.openxmlformats.org/drawingml/2006/main" xmlns:r="http://schemas.openxmlformats.org/officeDocument/2006/relationships" xmlns:p="http://schemas.openxmlformats.org/presentationml/2006/main">
+  <p:cSld>
+    <p:spTree>
+      <p:nvGrpSpPr>
+        <p:cNvPr id="1" name=""/>
+        <p:cNvGrpSpPr/>
+        <p:nvPr/>
+      </p:nvGrpSpPr>
+      <p:grpSpPr>
+        <a:xfrm>
+          <a:off x="0" y="0"/>
+          <a:ext cx="0" cy="0"/>
+          <a:chOff x="0" y="0"/>
+          <a:chExt cx="0" cy="0"/>
+        </a:xfrm>
+      </p:grpSpPr>
+      <p:sp>
+        <p:nvSpPr>
+          <p:cNvPr id="2" name="슬라이드 이미지 개체 틀 1"/>
+          <p:cNvSpPr>
+            <a:spLocks noGrp="1" noRot="1" noChangeAspect="1"/>
+          </p:cNvSpPr>
+          <p:nvPr>
+            <p:ph type="sldImg"/>
+          </p:nvPr>
+        </p:nvSpPr>
+        <p:spPr/>
+      </p:sp>
+      <p:sp>
+        <p:nvSpPr>
+          <p:cNvPr id="3" name="슬라이드 노트 개체 틀 2"/>
+          <p:cNvSpPr>
+            <a:spLocks noGrp="1"/>
+          </p:cNvSpPr>
+          <p:nvPr>
+            <p:ph type="body" idx="1"/>
+          </p:nvPr>
+        </p:nvSpPr>
+        <p:spPr/>
+        <p:txBody>
+          <a:bodyPr/>
+          <a:lstStyle/>
+          <a:p>
+            <a:r>
+              <a:rPr lang="ko-KR" altLang="en-US" dirty="0"/>
+              <a:t>심리학에서 나온 자극</a:t>
+            </a:r>
+            <a:r>
+              <a:rPr lang="en-US" altLang="ko-KR" dirty="0"/>
+              <a:t>-</a:t>
+            </a:r>
+            <a:r>
+              <a:rPr lang="ko-KR" altLang="en-US" baseline="0" dirty="0"/>
+              <a:t>반응의 이론을 토대로</a:t>
+            </a:r>
+            <a:r>
+              <a:rPr lang="en-US" altLang="ko-KR" baseline="0" dirty="0"/>
+              <a:t>,</a:t>
+            </a:r>
+            <a:endParaRPr lang="ko-KR" altLang="en-US" dirty="0"/>
+          </a:p>
+        </p:txBody>
+      </p:sp>
+      <p:sp>
+        <p:nvSpPr>
+          <p:cNvPr id="4" name="슬라이드 번호 개체 틀 3"/>
+          <p:cNvSpPr>
+            <a:spLocks noGrp="1"/>
+          </p:cNvSpPr>
+          <p:nvPr>
+            <p:ph type="sldNum" sz="quarter" idx="10"/>
+          </p:nvPr>
+        </p:nvSpPr>
+        <p:spPr/>
+        <p:txBody>
+          <a:bodyPr/>
+          <a:lstStyle/>
+          <a:p>
+            <a:fld id="{771E0FB0-3C61-402D-BAEE-59161479CB3E}" type="slidenum">
+              <a:rPr lang="ko-KR" altLang="en-US" smtClean="0"/>
+              <a:t>15</a:t>
+            </a:fld>
+            <a:endParaRPr lang="ko-KR" altLang="en-US"/>
+          </a:p>
+        </p:txBody>
+      </p:sp>
+    </p:spTree>
+    <p:extLst>
+      <p:ext uri="{BB962C8B-B14F-4D97-AF65-F5344CB8AC3E}">
+        <p14:creationId xmlns:p14="http://schemas.microsoft.com/office/powerpoint/2010/main" val="1886605686"/>
+      </p:ext>
+    </p:extLst>
+  </p:cSld>
+  <p:clrMapOvr>
+    <a:masterClrMapping/>
+  </p:clrMapOvr>
+</p:notes>
+</file>
+
+<file path=ppt/notesSlides/notesSlide14.xml><?xml version="1.0" encoding="utf-8"?>
+<p:notes xmlns:a="http://schemas.openxmlformats.org/drawingml/2006/main" xmlns:r="http://schemas.openxmlformats.org/officeDocument/2006/relationships" xmlns:p="http://schemas.openxmlformats.org/presentationml/2006/main">
+  <p:cSld>
+    <p:spTree>
+      <p:nvGrpSpPr>
+        <p:cNvPr id="1" name=""/>
+        <p:cNvGrpSpPr/>
+        <p:nvPr/>
+      </p:nvGrpSpPr>
+      <p:grpSpPr>
+        <a:xfrm>
+          <a:off x="0" y="0"/>
+          <a:ext cx="0" cy="0"/>
+          <a:chOff x="0" y="0"/>
+          <a:chExt cx="0" cy="0"/>
+        </a:xfrm>
+      </p:grpSpPr>
+      <p:sp>
+        <p:nvSpPr>
+          <p:cNvPr id="2" name="슬라이드 이미지 개체 틀 1"/>
+          <p:cNvSpPr>
+            <a:spLocks noGrp="1" noRot="1" noChangeAspect="1"/>
+          </p:cNvSpPr>
+          <p:nvPr>
+            <p:ph type="sldImg"/>
+          </p:nvPr>
+        </p:nvSpPr>
+        <p:spPr/>
+      </p:sp>
+      <p:sp>
+        <p:nvSpPr>
+          <p:cNvPr id="3" name="슬라이드 노트 개체 틀 2"/>
+          <p:cNvSpPr>
+            <a:spLocks noGrp="1"/>
+          </p:cNvSpPr>
+          <p:nvPr>
+            <p:ph type="body" idx="1"/>
+          </p:nvPr>
+        </p:nvSpPr>
+        <p:spPr/>
+        <p:txBody>
+          <a:bodyPr/>
+          <a:lstStyle/>
+          <a:p>
+            <a:r>
+              <a:rPr lang="ko-KR" altLang="en-US" dirty="0"/>
+              <a:t>심리학에서 나온 자극</a:t>
+            </a:r>
+            <a:r>
+              <a:rPr lang="en-US" altLang="ko-KR" dirty="0"/>
+              <a:t>-</a:t>
+            </a:r>
+            <a:r>
+              <a:rPr lang="ko-KR" altLang="en-US" baseline="0" dirty="0"/>
+              <a:t>반응의 이론을 토대로</a:t>
+            </a:r>
+            <a:r>
+              <a:rPr lang="en-US" altLang="ko-KR" baseline="0" dirty="0"/>
+              <a:t>,</a:t>
+            </a:r>
+            <a:endParaRPr lang="ko-KR" altLang="en-US" dirty="0"/>
+          </a:p>
+        </p:txBody>
+      </p:sp>
+      <p:sp>
+        <p:nvSpPr>
+          <p:cNvPr id="4" name="슬라이드 번호 개체 틀 3"/>
+          <p:cNvSpPr>
+            <a:spLocks noGrp="1"/>
+          </p:cNvSpPr>
+          <p:nvPr>
+            <p:ph type="sldNum" sz="quarter" idx="10"/>
+          </p:nvPr>
+        </p:nvSpPr>
+        <p:spPr/>
+        <p:txBody>
+          <a:bodyPr/>
+          <a:lstStyle/>
+          <a:p>
+            <a:fld id="{771E0FB0-3C61-402D-BAEE-59161479CB3E}" type="slidenum">
+              <a:rPr lang="ko-KR" altLang="en-US" smtClean="0"/>
+              <a:t>16</a:t>
+            </a:fld>
+            <a:endParaRPr lang="ko-KR" altLang="en-US"/>
+          </a:p>
+        </p:txBody>
+      </p:sp>
+    </p:spTree>
+    <p:extLst>
+      <p:ext uri="{BB962C8B-B14F-4D97-AF65-F5344CB8AC3E}">
+        <p14:creationId xmlns:p14="http://schemas.microsoft.com/office/powerpoint/2010/main" val="1169387801"/>
+      </p:ext>
+    </p:extLst>
+  </p:cSld>
+  <p:clrMapOvr>
+    <a:masterClrMapping/>
+  </p:clrMapOvr>
+</p:notes>
+</file>
+
+<file path=ppt/notesSlides/notesSlide15.xml><?xml version="1.0" encoding="utf-8"?>
+<p:notes xmlns:a="http://schemas.openxmlformats.org/drawingml/2006/main" xmlns:r="http://schemas.openxmlformats.org/officeDocument/2006/relationships" xmlns:p="http://schemas.openxmlformats.org/presentationml/2006/main">
+  <p:cSld>
+    <p:spTree>
+      <p:nvGrpSpPr>
+        <p:cNvPr id="1" name=""/>
+        <p:cNvGrpSpPr/>
+        <p:nvPr/>
+      </p:nvGrpSpPr>
+      <p:grpSpPr>
+        <a:xfrm>
+          <a:off x="0" y="0"/>
+          <a:ext cx="0" cy="0"/>
+          <a:chOff x="0" y="0"/>
+          <a:chExt cx="0" cy="0"/>
+        </a:xfrm>
+      </p:grpSpPr>
+      <p:sp>
+        <p:nvSpPr>
+          <p:cNvPr id="2" name="슬라이드 이미지 개체 틀 1"/>
+          <p:cNvSpPr>
+            <a:spLocks noGrp="1" noRot="1" noChangeAspect="1"/>
+          </p:cNvSpPr>
+          <p:nvPr>
+            <p:ph type="sldImg"/>
+          </p:nvPr>
+        </p:nvSpPr>
+        <p:spPr/>
+      </p:sp>
+      <p:sp>
+        <p:nvSpPr>
+          <p:cNvPr id="3" name="슬라이드 노트 개체 틀 2"/>
+          <p:cNvSpPr>
+            <a:spLocks noGrp="1"/>
+          </p:cNvSpPr>
+          <p:nvPr>
+            <p:ph type="body" idx="1"/>
+          </p:nvPr>
+        </p:nvSpPr>
+        <p:spPr/>
+        <p:txBody>
+          <a:bodyPr/>
+          <a:lstStyle/>
+          <a:p>
+            <a:r>
+              <a:rPr lang="ko-KR" altLang="en-US" dirty="0"/>
+              <a:t>심리학에서 나온 자극</a:t>
+            </a:r>
+            <a:r>
+              <a:rPr lang="en-US" altLang="ko-KR" dirty="0"/>
+              <a:t>-</a:t>
+            </a:r>
+            <a:r>
+              <a:rPr lang="ko-KR" altLang="en-US" baseline="0" dirty="0"/>
+              <a:t>반응의 이론을 토대로</a:t>
+            </a:r>
+            <a:r>
+              <a:rPr lang="en-US" altLang="ko-KR" baseline="0" dirty="0"/>
+              <a:t>,</a:t>
+            </a:r>
+            <a:endParaRPr lang="ko-KR" altLang="en-US" dirty="0"/>
+          </a:p>
+        </p:txBody>
+      </p:sp>
+      <p:sp>
+        <p:nvSpPr>
+          <p:cNvPr id="4" name="슬라이드 번호 개체 틀 3"/>
+          <p:cNvSpPr>
+            <a:spLocks noGrp="1"/>
+          </p:cNvSpPr>
+          <p:nvPr>
+            <p:ph type="sldNum" sz="quarter" idx="10"/>
+          </p:nvPr>
+        </p:nvSpPr>
+        <p:spPr/>
+        <p:txBody>
+          <a:bodyPr/>
+          <a:lstStyle/>
+          <a:p>
+            <a:fld id="{771E0FB0-3C61-402D-BAEE-59161479CB3E}" type="slidenum">
+              <a:rPr lang="ko-KR" altLang="en-US" smtClean="0"/>
+              <a:t>17</a:t>
+            </a:fld>
+            <a:endParaRPr lang="ko-KR" altLang="en-US"/>
+          </a:p>
+        </p:txBody>
+      </p:sp>
+    </p:spTree>
+    <p:extLst>
+      <p:ext uri="{BB962C8B-B14F-4D97-AF65-F5344CB8AC3E}">
+        <p14:creationId xmlns:p14="http://schemas.microsoft.com/office/powerpoint/2010/main" val="953019601"/>
+      </p:ext>
+    </p:extLst>
+  </p:cSld>
+  <p:clrMapOvr>
+    <a:masterClrMapping/>
+  </p:clrMapOvr>
+</p:notes>
+</file>
+
+<file path=ppt/notesSlides/notesSlide16.xml><?xml version="1.0" encoding="utf-8"?>
+<p:notes xmlns:a="http://schemas.openxmlformats.org/drawingml/2006/main" xmlns:r="http://schemas.openxmlformats.org/officeDocument/2006/relationships" xmlns:p="http://schemas.openxmlformats.org/presentationml/2006/main">
+  <p:cSld>
+    <p:spTree>
+      <p:nvGrpSpPr>
+        <p:cNvPr id="1" name=""/>
+        <p:cNvGrpSpPr/>
+        <p:nvPr/>
+      </p:nvGrpSpPr>
+      <p:grpSpPr>
+        <a:xfrm>
+          <a:off x="0" y="0"/>
+          <a:ext cx="0" cy="0"/>
+          <a:chOff x="0" y="0"/>
+          <a:chExt cx="0" cy="0"/>
+        </a:xfrm>
+      </p:grpSpPr>
+      <p:sp>
+        <p:nvSpPr>
+          <p:cNvPr id="2" name="슬라이드 이미지 개체 틀 1"/>
+          <p:cNvSpPr>
+            <a:spLocks noGrp="1" noRot="1" noChangeAspect="1"/>
+          </p:cNvSpPr>
+          <p:nvPr>
+            <p:ph type="sldImg"/>
+          </p:nvPr>
+        </p:nvSpPr>
+        <p:spPr/>
+      </p:sp>
+      <p:sp>
+        <p:nvSpPr>
+          <p:cNvPr id="3" name="슬라이드 노트 개체 틀 2"/>
+          <p:cNvSpPr>
+            <a:spLocks noGrp="1"/>
+          </p:cNvSpPr>
+          <p:nvPr>
+            <p:ph type="body" idx="1"/>
+          </p:nvPr>
+        </p:nvSpPr>
+        <p:spPr/>
+        <p:txBody>
+          <a:bodyPr/>
+          <a:lstStyle/>
+          <a:p>
+            <a:r>
+              <a:rPr lang="ko-KR" altLang="en-US" dirty="0"/>
+              <a:t>심리학에서 나온 자극</a:t>
+            </a:r>
+            <a:r>
+              <a:rPr lang="en-US" altLang="ko-KR" dirty="0"/>
+              <a:t>-</a:t>
+            </a:r>
+            <a:r>
+              <a:rPr lang="ko-KR" altLang="en-US" baseline="0" dirty="0"/>
+              <a:t>반응의 이론을 토대로</a:t>
+            </a:r>
+            <a:r>
+              <a:rPr lang="en-US" altLang="ko-KR" baseline="0" dirty="0"/>
+              <a:t>,</a:t>
+            </a:r>
+            <a:endParaRPr lang="ko-KR" altLang="en-US" dirty="0"/>
+          </a:p>
+        </p:txBody>
+      </p:sp>
+      <p:sp>
+        <p:nvSpPr>
+          <p:cNvPr id="4" name="슬라이드 번호 개체 틀 3"/>
+          <p:cNvSpPr>
+            <a:spLocks noGrp="1"/>
+          </p:cNvSpPr>
+          <p:nvPr>
+            <p:ph type="sldNum" sz="quarter" idx="10"/>
+          </p:nvPr>
+        </p:nvSpPr>
+        <p:spPr/>
+        <p:txBody>
+          <a:bodyPr/>
+          <a:lstStyle/>
+          <a:p>
+            <a:fld id="{771E0FB0-3C61-402D-BAEE-59161479CB3E}" type="slidenum">
+              <a:rPr lang="ko-KR" altLang="en-US" smtClean="0"/>
+              <a:t>18</a:t>
+            </a:fld>
+            <a:endParaRPr lang="ko-KR" altLang="en-US"/>
+          </a:p>
+        </p:txBody>
+      </p:sp>
+    </p:spTree>
+    <p:extLst>
+      <p:ext uri="{BB962C8B-B14F-4D97-AF65-F5344CB8AC3E}">
+        <p14:creationId xmlns:p14="http://schemas.microsoft.com/office/powerpoint/2010/main" val="1946213248"/>
+      </p:ext>
+    </p:extLst>
+  </p:cSld>
+  <p:clrMapOvr>
+    <a:masterClrMapping/>
+  </p:clrMapOvr>
+</p:notes>
+</file>
+
 <file path=ppt/notesSlides/notesSlide2.xml><?xml version="1.0" encoding="utf-8"?>
 <p:notes xmlns:a="http://schemas.openxmlformats.org/drawingml/2006/main" xmlns:r="http://schemas.openxmlformats.org/officeDocument/2006/relationships" xmlns:p="http://schemas.openxmlformats.org/presentationml/2006/main">
   <p:cSld>
@@ -1617,7 +2228,7 @@
           <a:p>
             <a:fld id="{F0EAF588-F991-4507-8752-DD4CDE7F2E64}" type="datetimeFigureOut">
               <a:rPr lang="ko-KR" altLang="en-US" smtClean="0"/>
-              <a:t>2021-07-30</a:t>
+              <a:t>2021-08-13</a:t>
             </a:fld>
             <a:endParaRPr lang="ko-KR" altLang="en-US"/>
           </a:p>
@@ -1815,7 +2426,7 @@
           <a:p>
             <a:fld id="{F0EAF588-F991-4507-8752-DD4CDE7F2E64}" type="datetimeFigureOut">
               <a:rPr lang="ko-KR" altLang="en-US" smtClean="0"/>
-              <a:t>2021-07-30</a:t>
+              <a:t>2021-08-13</a:t>
             </a:fld>
             <a:endParaRPr lang="ko-KR" altLang="en-US"/>
           </a:p>
@@ -2023,7 +2634,7 @@
           <a:p>
             <a:fld id="{F0EAF588-F991-4507-8752-DD4CDE7F2E64}" type="datetimeFigureOut">
               <a:rPr lang="ko-KR" altLang="en-US" smtClean="0"/>
-              <a:t>2021-07-30</a:t>
+              <a:t>2021-08-13</a:t>
             </a:fld>
             <a:endParaRPr lang="ko-KR" altLang="en-US"/>
           </a:p>
@@ -2221,7 +2832,7 @@
           <a:p>
             <a:fld id="{F0EAF588-F991-4507-8752-DD4CDE7F2E64}" type="datetimeFigureOut">
               <a:rPr lang="ko-KR" altLang="en-US" smtClean="0"/>
-              <a:t>2021-07-30</a:t>
+              <a:t>2021-08-13</a:t>
             </a:fld>
             <a:endParaRPr lang="ko-KR" altLang="en-US"/>
           </a:p>
@@ -2496,7 +3107,7 @@
           <a:p>
             <a:fld id="{F0EAF588-F991-4507-8752-DD4CDE7F2E64}" type="datetimeFigureOut">
               <a:rPr lang="ko-KR" altLang="en-US" smtClean="0"/>
-              <a:t>2021-07-30</a:t>
+              <a:t>2021-08-13</a:t>
             </a:fld>
             <a:endParaRPr lang="ko-KR" altLang="en-US"/>
           </a:p>
@@ -2761,7 +3372,7 @@
           <a:p>
             <a:fld id="{F0EAF588-F991-4507-8752-DD4CDE7F2E64}" type="datetimeFigureOut">
               <a:rPr lang="ko-KR" altLang="en-US" smtClean="0"/>
-              <a:t>2021-07-30</a:t>
+              <a:t>2021-08-13</a:t>
             </a:fld>
             <a:endParaRPr lang="ko-KR" altLang="en-US"/>
           </a:p>
@@ -3173,7 +3784,7 @@
           <a:p>
             <a:fld id="{F0EAF588-F991-4507-8752-DD4CDE7F2E64}" type="datetimeFigureOut">
               <a:rPr lang="ko-KR" altLang="en-US" smtClean="0"/>
-              <a:t>2021-07-30</a:t>
+              <a:t>2021-08-13</a:t>
             </a:fld>
             <a:endParaRPr lang="ko-KR" altLang="en-US"/>
           </a:p>
@@ -3314,7 +3925,7 @@
           <a:p>
             <a:fld id="{F0EAF588-F991-4507-8752-DD4CDE7F2E64}" type="datetimeFigureOut">
               <a:rPr lang="ko-KR" altLang="en-US" smtClean="0"/>
-              <a:t>2021-07-30</a:t>
+              <a:t>2021-08-13</a:t>
             </a:fld>
             <a:endParaRPr lang="ko-KR" altLang="en-US"/>
           </a:p>
@@ -3427,7 +4038,7 @@
           <a:p>
             <a:fld id="{F0EAF588-F991-4507-8752-DD4CDE7F2E64}" type="datetimeFigureOut">
               <a:rPr lang="ko-KR" altLang="en-US" smtClean="0"/>
-              <a:t>2021-07-30</a:t>
+              <a:t>2021-08-13</a:t>
             </a:fld>
             <a:endParaRPr lang="ko-KR" altLang="en-US"/>
           </a:p>
@@ -3738,7 +4349,7 @@
           <a:p>
             <a:fld id="{F0EAF588-F991-4507-8752-DD4CDE7F2E64}" type="datetimeFigureOut">
               <a:rPr lang="ko-KR" altLang="en-US" smtClean="0"/>
-              <a:t>2021-07-30</a:t>
+              <a:t>2021-08-13</a:t>
             </a:fld>
             <a:endParaRPr lang="ko-KR" altLang="en-US"/>
           </a:p>
@@ -4026,7 +4637,7 @@
           <a:p>
             <a:fld id="{F0EAF588-F991-4507-8752-DD4CDE7F2E64}" type="datetimeFigureOut">
               <a:rPr lang="ko-KR" altLang="en-US" smtClean="0"/>
-              <a:t>2021-07-30</a:t>
+              <a:t>2021-08-13</a:t>
             </a:fld>
             <a:endParaRPr lang="ko-KR" altLang="en-US"/>
           </a:p>
@@ -4267,7 +4878,7 @@
           <a:p>
             <a:fld id="{F0EAF588-F991-4507-8752-DD4CDE7F2E64}" type="datetimeFigureOut">
               <a:rPr lang="ko-KR" altLang="en-US" smtClean="0"/>
-              <a:t>2021-07-30</a:t>
+              <a:t>2021-08-13</a:t>
             </a:fld>
             <a:endParaRPr lang="ko-KR" altLang="en-US"/>
           </a:p>
@@ -5584,7 +6195,159 @@
       </p:sp>
       <p:sp>
         <p:nvSpPr>
-          <p:cNvPr id="11" name="TextBox 10"/>
+          <p:cNvPr id="14" name="TextBox 13">
+            <a:extLst>
+              <a:ext uri="{FF2B5EF4-FFF2-40B4-BE49-F238E27FC236}">
+                <a16:creationId xmlns:a16="http://schemas.microsoft.com/office/drawing/2014/main" id="{876DB399-8879-4421-8CA8-FD74AEBD157F}"/>
+              </a:ext>
+            </a:extLst>
+          </p:cNvPr>
+          <p:cNvSpPr txBox="1"/>
+          <p:nvPr/>
+        </p:nvSpPr>
+        <p:spPr>
+          <a:xfrm>
+            <a:off x="992976" y="800657"/>
+            <a:ext cx="10191580" cy="1521955"/>
+          </a:xfrm>
+          <a:prstGeom prst="rect">
+            <a:avLst/>
+          </a:prstGeom>
+          <a:noFill/>
+        </p:spPr>
+        <p:txBody>
+          <a:bodyPr wrap="square">
+            <a:spAutoFit/>
+          </a:bodyPr>
+          <a:lstStyle/>
+          <a:p>
+            <a:pPr>
+              <a:lnSpc>
+                <a:spcPct val="150000"/>
+              </a:lnSpc>
+            </a:pPr>
+            <a:r>
+              <a:rPr lang="en-US" altLang="ko-KR" sz="2400" b="1" dirty="0">
+                <a:ln>
+                  <a:solidFill>
+                    <a:schemeClr val="tx1">
+                      <a:lumMod val="85000"/>
+                      <a:lumOff val="15000"/>
+                      <a:alpha val="0"/>
+                    </a:schemeClr>
+                  </a:solidFill>
+                </a:ln>
+                <a:solidFill>
+                  <a:schemeClr val="tx1">
+                    <a:lumMod val="85000"/>
+                    <a:lumOff val="15000"/>
+                  </a:schemeClr>
+                </a:solidFill>
+                <a:latin typeface="12롯데마트드림Medium"/>
+                <a:ea typeface="-윤고딕340" panose="02030504000101010101" pitchFamily="18" charset="-127"/>
+              </a:rPr>
+              <a:t>02 Univariate Gamma</a:t>
+            </a:r>
+          </a:p>
+          <a:p>
+            <a:pPr>
+              <a:lnSpc>
+                <a:spcPct val="150000"/>
+              </a:lnSpc>
+            </a:pPr>
+            <a:r>
+              <a:rPr lang="en-US" altLang="ko-KR" sz="2000" dirty="0">
+                <a:ln>
+                  <a:solidFill>
+                    <a:schemeClr val="tx1">
+                      <a:lumMod val="85000"/>
+                      <a:lumOff val="15000"/>
+                      <a:alpha val="0"/>
+                    </a:schemeClr>
+                  </a:solidFill>
+                </a:ln>
+                <a:solidFill>
+                  <a:schemeClr val="tx1">
+                    <a:lumMod val="85000"/>
+                    <a:lumOff val="15000"/>
+                  </a:schemeClr>
+                </a:solidFill>
+                <a:latin typeface="12롯데마트드림Medium"/>
+                <a:ea typeface="-윤고딕340" panose="02030504000101010101" pitchFamily="18" charset="-127"/>
+              </a:rPr>
+              <a:t>    : p0=0.95</a:t>
+            </a:r>
+          </a:p>
+          <a:p>
+            <a:pPr>
+              <a:lnSpc>
+                <a:spcPct val="150000"/>
+              </a:lnSpc>
+            </a:pPr>
+            <a:r>
+              <a:rPr lang="en-US" altLang="ko-KR" sz="2000" dirty="0">
+                <a:ln>
+                  <a:solidFill>
+                    <a:schemeClr val="tx1">
+                      <a:lumMod val="85000"/>
+                      <a:lumOff val="15000"/>
+                      <a:alpha val="0"/>
+                    </a:schemeClr>
+                  </a:solidFill>
+                </a:ln>
+                <a:solidFill>
+                  <a:schemeClr val="tx1">
+                    <a:lumMod val="85000"/>
+                    <a:lumOff val="15000"/>
+                  </a:schemeClr>
+                </a:solidFill>
+                <a:latin typeface="12롯데마트드림Medium"/>
+                <a:ea typeface="-윤고딕340" panose="02030504000101010101" pitchFamily="18" charset="-127"/>
+              </a:rPr>
+              <a:t>     </a:t>
+            </a:r>
+          </a:p>
+        </p:txBody>
+      </p:sp>
+      <p:pic>
+        <p:nvPicPr>
+          <p:cNvPr id="13" name="그림 12">
+            <a:extLst>
+              <a:ext uri="{FF2B5EF4-FFF2-40B4-BE49-F238E27FC236}">
+                <a16:creationId xmlns:a16="http://schemas.microsoft.com/office/drawing/2014/main" id="{7AC0B6CB-9866-4F35-9DBE-1D90970F1E19}"/>
+              </a:ext>
+            </a:extLst>
+          </p:cNvPr>
+          <p:cNvPicPr>
+            <a:picLocks noChangeAspect="1"/>
+          </p:cNvPicPr>
+          <p:nvPr/>
+        </p:nvPicPr>
+        <p:blipFill>
+          <a:blip r:embed="rId3"/>
+          <a:stretch>
+            <a:fillRect/>
+          </a:stretch>
+        </p:blipFill>
+        <p:spPr>
+          <a:xfrm>
+            <a:off x="2296122" y="1691686"/>
+            <a:ext cx="7599756" cy="4893828"/>
+          </a:xfrm>
+          <a:prstGeom prst="rect">
+            <a:avLst/>
+          </a:prstGeom>
+        </p:spPr>
+      </p:pic>
+      <p:sp>
+        <p:nvSpPr>
+          <p:cNvPr id="15" name="TextBox 14">
+            <a:extLst>
+              <a:ext uri="{FF2B5EF4-FFF2-40B4-BE49-F238E27FC236}">
+                <a16:creationId xmlns:a16="http://schemas.microsoft.com/office/drawing/2014/main" id="{D19B3B59-1C2C-400F-9672-A61E056B5621}"/>
+              </a:ext>
+            </a:extLst>
+          </p:cNvPr>
           <p:cNvSpPr txBox="1"/>
           <p:nvPr/>
         </p:nvSpPr>
@@ -5624,7 +6387,7 @@
                 <a:latin typeface="-윤고딕340" pitchFamily="18" charset="-127"/>
                 <a:ea typeface="-윤고딕340" pitchFamily="18" charset="-127"/>
               </a:rPr>
-              <a:t>01. </a:t>
+              <a:t>02. </a:t>
             </a:r>
             <a:r>
               <a:rPr lang="en-US" altLang="ko-KR" sz="1400" dirty="0">
@@ -5670,152 +6433,6 @@
           </a:p>
         </p:txBody>
       </p:sp>
-      <p:sp>
-        <p:nvSpPr>
-          <p:cNvPr id="14" name="TextBox 13">
-            <a:extLst>
-              <a:ext uri="{FF2B5EF4-FFF2-40B4-BE49-F238E27FC236}">
-                <a16:creationId xmlns:a16="http://schemas.microsoft.com/office/drawing/2014/main" id="{876DB399-8879-4421-8CA8-FD74AEBD157F}"/>
-              </a:ext>
-            </a:extLst>
-          </p:cNvPr>
-          <p:cNvSpPr txBox="1"/>
-          <p:nvPr/>
-        </p:nvSpPr>
-        <p:spPr>
-          <a:xfrm>
-            <a:off x="992976" y="800657"/>
-            <a:ext cx="10191580" cy="1521955"/>
-          </a:xfrm>
-          <a:prstGeom prst="rect">
-            <a:avLst/>
-          </a:prstGeom>
-          <a:noFill/>
-        </p:spPr>
-        <p:txBody>
-          <a:bodyPr wrap="square">
-            <a:spAutoFit/>
-          </a:bodyPr>
-          <a:lstStyle/>
-          <a:p>
-            <a:pPr>
-              <a:lnSpc>
-                <a:spcPct val="150000"/>
-              </a:lnSpc>
-            </a:pPr>
-            <a:r>
-              <a:rPr lang="en-US" altLang="ko-KR" sz="2400" b="1" dirty="0">
-                <a:ln>
-                  <a:solidFill>
-                    <a:schemeClr val="tx1">
-                      <a:lumMod val="85000"/>
-                      <a:lumOff val="15000"/>
-                      <a:alpha val="0"/>
-                    </a:schemeClr>
-                  </a:solidFill>
-                </a:ln>
-                <a:solidFill>
-                  <a:schemeClr val="tx1">
-                    <a:lumMod val="85000"/>
-                    <a:lumOff val="15000"/>
-                  </a:schemeClr>
-                </a:solidFill>
-                <a:latin typeface="12롯데마트드림Medium"/>
-                <a:ea typeface="-윤고딕340" panose="02030504000101010101" pitchFamily="18" charset="-127"/>
-              </a:rPr>
-              <a:t>02 Univariate Gamma</a:t>
-            </a:r>
-          </a:p>
-          <a:p>
-            <a:pPr>
-              <a:lnSpc>
-                <a:spcPct val="150000"/>
-              </a:lnSpc>
-            </a:pPr>
-            <a:r>
-              <a:rPr lang="en-US" altLang="ko-KR" sz="2000" dirty="0">
-                <a:ln>
-                  <a:solidFill>
-                    <a:schemeClr val="tx1">
-                      <a:lumMod val="85000"/>
-                      <a:lumOff val="15000"/>
-                      <a:alpha val="0"/>
-                    </a:schemeClr>
-                  </a:solidFill>
-                </a:ln>
-                <a:solidFill>
-                  <a:schemeClr val="tx1">
-                    <a:lumMod val="85000"/>
-                    <a:lumOff val="15000"/>
-                  </a:schemeClr>
-                </a:solidFill>
-                <a:latin typeface="12롯데마트드림Medium"/>
-                <a:ea typeface="-윤고딕340" panose="02030504000101010101" pitchFamily="18" charset="-127"/>
-              </a:rPr>
-              <a:t>    : p0=0.95</a:t>
-            </a:r>
-          </a:p>
-          <a:p>
-            <a:pPr>
-              <a:lnSpc>
-                <a:spcPct val="150000"/>
-              </a:lnSpc>
-            </a:pPr>
-            <a:r>
-              <a:rPr lang="en-US" altLang="ko-KR" sz="2000" dirty="0">
-                <a:ln>
-                  <a:solidFill>
-                    <a:schemeClr val="tx1">
-                      <a:lumMod val="85000"/>
-                      <a:lumOff val="15000"/>
-                      <a:alpha val="0"/>
-                    </a:schemeClr>
-                  </a:solidFill>
-                </a:ln>
-                <a:solidFill>
-                  <a:schemeClr val="tx1">
-                    <a:lumMod val="85000"/>
-                    <a:lumOff val="15000"/>
-                  </a:schemeClr>
-                </a:solidFill>
-                <a:latin typeface="12롯데마트드림Medium"/>
-                <a:ea typeface="-윤고딕340" panose="02030504000101010101" pitchFamily="18" charset="-127"/>
-              </a:rPr>
-              <a:t>     </a:t>
-            </a:r>
-          </a:p>
-        </p:txBody>
-      </p:sp>
-      <p:pic>
-        <p:nvPicPr>
-          <p:cNvPr id="13" name="그림 12">
-            <a:extLst>
-              <a:ext uri="{FF2B5EF4-FFF2-40B4-BE49-F238E27FC236}">
-                <a16:creationId xmlns:a16="http://schemas.microsoft.com/office/drawing/2014/main" id="{7AC0B6CB-9866-4F35-9DBE-1D90970F1E19}"/>
-              </a:ext>
-            </a:extLst>
-          </p:cNvPr>
-          <p:cNvPicPr>
-            <a:picLocks noChangeAspect="1"/>
-          </p:cNvPicPr>
-          <p:nvPr/>
-        </p:nvPicPr>
-        <p:blipFill>
-          <a:blip r:embed="rId3"/>
-          <a:stretch>
-            <a:fillRect/>
-          </a:stretch>
-        </p:blipFill>
-        <p:spPr>
-          <a:xfrm>
-            <a:off x="2296122" y="1691686"/>
-            <a:ext cx="7599756" cy="4893828"/>
-          </a:xfrm>
-          <a:prstGeom prst="rect">
-            <a:avLst/>
-          </a:prstGeom>
-        </p:spPr>
-      </p:pic>
     </p:spTree>
     <p:extLst>
       <p:ext uri="{BB962C8B-B14F-4D97-AF65-F5344CB8AC3E}">
@@ -5826,13 +6443,13 @@
   <p:clrMapOvr>
     <a:masterClrMapping/>
   </p:clrMapOvr>
-  <mc:AlternateContent xmlns:mc="http://schemas.openxmlformats.org/markup-compatibility/2006">
-    <mc:Choice xmlns:p14="http://schemas.microsoft.com/office/powerpoint/2010/main" Requires="p14">
+  <mc:AlternateContent xmlns:mc="http://schemas.openxmlformats.org/markup-compatibility/2006" xmlns:p14="http://schemas.microsoft.com/office/powerpoint/2010/main">
+    <mc:Choice Requires="p14">
       <p:transition spd="med" p14:dur="700">
         <p:fade/>
       </p:transition>
     </mc:Choice>
-    <mc:Fallback>
+    <mc:Fallback xmlns="">
       <p:transition spd="med">
         <p:fade/>
       </p:transition>
@@ -6210,7 +6827,159 @@
       </p:sp>
       <p:sp>
         <p:nvSpPr>
-          <p:cNvPr id="11" name="TextBox 10"/>
+          <p:cNvPr id="14" name="TextBox 13">
+            <a:extLst>
+              <a:ext uri="{FF2B5EF4-FFF2-40B4-BE49-F238E27FC236}">
+                <a16:creationId xmlns:a16="http://schemas.microsoft.com/office/drawing/2014/main" id="{876DB399-8879-4421-8CA8-FD74AEBD157F}"/>
+              </a:ext>
+            </a:extLst>
+          </p:cNvPr>
+          <p:cNvSpPr txBox="1"/>
+          <p:nvPr/>
+        </p:nvSpPr>
+        <p:spPr>
+          <a:xfrm>
+            <a:off x="992976" y="800657"/>
+            <a:ext cx="10191580" cy="1521955"/>
+          </a:xfrm>
+          <a:prstGeom prst="rect">
+            <a:avLst/>
+          </a:prstGeom>
+          <a:noFill/>
+        </p:spPr>
+        <p:txBody>
+          <a:bodyPr wrap="square">
+            <a:spAutoFit/>
+          </a:bodyPr>
+          <a:lstStyle/>
+          <a:p>
+            <a:pPr>
+              <a:lnSpc>
+                <a:spcPct val="150000"/>
+              </a:lnSpc>
+            </a:pPr>
+            <a:r>
+              <a:rPr lang="en-US" altLang="ko-KR" sz="2400" b="1" dirty="0">
+                <a:ln>
+                  <a:solidFill>
+                    <a:schemeClr val="tx1">
+                      <a:lumMod val="85000"/>
+                      <a:lumOff val="15000"/>
+                      <a:alpha val="0"/>
+                    </a:schemeClr>
+                  </a:solidFill>
+                </a:ln>
+                <a:solidFill>
+                  <a:schemeClr val="tx1">
+                    <a:lumMod val="85000"/>
+                    <a:lumOff val="15000"/>
+                  </a:schemeClr>
+                </a:solidFill>
+                <a:latin typeface="12롯데마트드림Medium"/>
+                <a:ea typeface="-윤고딕340" panose="02030504000101010101" pitchFamily="18" charset="-127"/>
+              </a:rPr>
+              <a:t>02 Univariate Gamma</a:t>
+            </a:r>
+          </a:p>
+          <a:p>
+            <a:pPr>
+              <a:lnSpc>
+                <a:spcPct val="150000"/>
+              </a:lnSpc>
+            </a:pPr>
+            <a:r>
+              <a:rPr lang="en-US" altLang="ko-KR" sz="2000" dirty="0">
+                <a:ln>
+                  <a:solidFill>
+                    <a:schemeClr val="tx1">
+                      <a:lumMod val="85000"/>
+                      <a:lumOff val="15000"/>
+                      <a:alpha val="0"/>
+                    </a:schemeClr>
+                  </a:solidFill>
+                </a:ln>
+                <a:solidFill>
+                  <a:schemeClr val="tx1">
+                    <a:lumMod val="85000"/>
+                    <a:lumOff val="15000"/>
+                  </a:schemeClr>
+                </a:solidFill>
+                <a:latin typeface="12롯데마트드림Medium"/>
+                <a:ea typeface="-윤고딕340" panose="02030504000101010101" pitchFamily="18" charset="-127"/>
+              </a:rPr>
+              <a:t>    : p0=0.9</a:t>
+            </a:r>
+          </a:p>
+          <a:p>
+            <a:pPr>
+              <a:lnSpc>
+                <a:spcPct val="150000"/>
+              </a:lnSpc>
+            </a:pPr>
+            <a:r>
+              <a:rPr lang="en-US" altLang="ko-KR" sz="2000" dirty="0">
+                <a:ln>
+                  <a:solidFill>
+                    <a:schemeClr val="tx1">
+                      <a:lumMod val="85000"/>
+                      <a:lumOff val="15000"/>
+                      <a:alpha val="0"/>
+                    </a:schemeClr>
+                  </a:solidFill>
+                </a:ln>
+                <a:solidFill>
+                  <a:schemeClr val="tx1">
+                    <a:lumMod val="85000"/>
+                    <a:lumOff val="15000"/>
+                  </a:schemeClr>
+                </a:solidFill>
+                <a:latin typeface="12롯데마트드림Medium"/>
+                <a:ea typeface="-윤고딕340" panose="02030504000101010101" pitchFamily="18" charset="-127"/>
+              </a:rPr>
+              <a:t>     </a:t>
+            </a:r>
+          </a:p>
+        </p:txBody>
+      </p:sp>
+      <p:pic>
+        <p:nvPicPr>
+          <p:cNvPr id="13" name="그림 12">
+            <a:extLst>
+              <a:ext uri="{FF2B5EF4-FFF2-40B4-BE49-F238E27FC236}">
+                <a16:creationId xmlns:a16="http://schemas.microsoft.com/office/drawing/2014/main" id="{5A7391C7-FA84-401A-988B-E76E71162903}"/>
+              </a:ext>
+            </a:extLst>
+          </p:cNvPr>
+          <p:cNvPicPr>
+            <a:picLocks noChangeAspect="1"/>
+          </p:cNvPicPr>
+          <p:nvPr/>
+        </p:nvPicPr>
+        <p:blipFill>
+          <a:blip r:embed="rId3"/>
+          <a:stretch>
+            <a:fillRect/>
+          </a:stretch>
+        </p:blipFill>
+        <p:spPr>
+          <a:xfrm>
+            <a:off x="2148675" y="1664115"/>
+            <a:ext cx="7870974" cy="5067701"/>
+          </a:xfrm>
+          <a:prstGeom prst="rect">
+            <a:avLst/>
+          </a:prstGeom>
+        </p:spPr>
+      </p:pic>
+      <p:sp>
+        <p:nvSpPr>
+          <p:cNvPr id="15" name="TextBox 14">
+            <a:extLst>
+              <a:ext uri="{FF2B5EF4-FFF2-40B4-BE49-F238E27FC236}">
+                <a16:creationId xmlns:a16="http://schemas.microsoft.com/office/drawing/2014/main" id="{BBFDC099-2F1B-4C0B-915D-F73D184DD8BE}"/>
+              </a:ext>
+            </a:extLst>
+          </p:cNvPr>
           <p:cNvSpPr txBox="1"/>
           <p:nvPr/>
         </p:nvSpPr>
@@ -6250,7 +7019,7 @@
                 <a:latin typeface="-윤고딕340" pitchFamily="18" charset="-127"/>
                 <a:ea typeface="-윤고딕340" pitchFamily="18" charset="-127"/>
               </a:rPr>
-              <a:t>01. </a:t>
+              <a:t>02. </a:t>
             </a:r>
             <a:r>
               <a:rPr lang="en-US" altLang="ko-KR" sz="1400" dirty="0">
@@ -6296,152 +7065,6 @@
           </a:p>
         </p:txBody>
       </p:sp>
-      <p:sp>
-        <p:nvSpPr>
-          <p:cNvPr id="14" name="TextBox 13">
-            <a:extLst>
-              <a:ext uri="{FF2B5EF4-FFF2-40B4-BE49-F238E27FC236}">
-                <a16:creationId xmlns:a16="http://schemas.microsoft.com/office/drawing/2014/main" id="{876DB399-8879-4421-8CA8-FD74AEBD157F}"/>
-              </a:ext>
-            </a:extLst>
-          </p:cNvPr>
-          <p:cNvSpPr txBox="1"/>
-          <p:nvPr/>
-        </p:nvSpPr>
-        <p:spPr>
-          <a:xfrm>
-            <a:off x="992976" y="800657"/>
-            <a:ext cx="10191580" cy="1521955"/>
-          </a:xfrm>
-          <a:prstGeom prst="rect">
-            <a:avLst/>
-          </a:prstGeom>
-          <a:noFill/>
-        </p:spPr>
-        <p:txBody>
-          <a:bodyPr wrap="square">
-            <a:spAutoFit/>
-          </a:bodyPr>
-          <a:lstStyle/>
-          <a:p>
-            <a:pPr>
-              <a:lnSpc>
-                <a:spcPct val="150000"/>
-              </a:lnSpc>
-            </a:pPr>
-            <a:r>
-              <a:rPr lang="en-US" altLang="ko-KR" sz="2400" b="1" dirty="0">
-                <a:ln>
-                  <a:solidFill>
-                    <a:schemeClr val="tx1">
-                      <a:lumMod val="85000"/>
-                      <a:lumOff val="15000"/>
-                      <a:alpha val="0"/>
-                    </a:schemeClr>
-                  </a:solidFill>
-                </a:ln>
-                <a:solidFill>
-                  <a:schemeClr val="tx1">
-                    <a:lumMod val="85000"/>
-                    <a:lumOff val="15000"/>
-                  </a:schemeClr>
-                </a:solidFill>
-                <a:latin typeface="12롯데마트드림Medium"/>
-                <a:ea typeface="-윤고딕340" panose="02030504000101010101" pitchFamily="18" charset="-127"/>
-              </a:rPr>
-              <a:t>02 Univariate Gamma</a:t>
-            </a:r>
-          </a:p>
-          <a:p>
-            <a:pPr>
-              <a:lnSpc>
-                <a:spcPct val="150000"/>
-              </a:lnSpc>
-            </a:pPr>
-            <a:r>
-              <a:rPr lang="en-US" altLang="ko-KR" sz="2000" dirty="0">
-                <a:ln>
-                  <a:solidFill>
-                    <a:schemeClr val="tx1">
-                      <a:lumMod val="85000"/>
-                      <a:lumOff val="15000"/>
-                      <a:alpha val="0"/>
-                    </a:schemeClr>
-                  </a:solidFill>
-                </a:ln>
-                <a:solidFill>
-                  <a:schemeClr val="tx1">
-                    <a:lumMod val="85000"/>
-                    <a:lumOff val="15000"/>
-                  </a:schemeClr>
-                </a:solidFill>
-                <a:latin typeface="12롯데마트드림Medium"/>
-                <a:ea typeface="-윤고딕340" panose="02030504000101010101" pitchFamily="18" charset="-127"/>
-              </a:rPr>
-              <a:t>    : p0=0.9</a:t>
-            </a:r>
-          </a:p>
-          <a:p>
-            <a:pPr>
-              <a:lnSpc>
-                <a:spcPct val="150000"/>
-              </a:lnSpc>
-            </a:pPr>
-            <a:r>
-              <a:rPr lang="en-US" altLang="ko-KR" sz="2000" dirty="0">
-                <a:ln>
-                  <a:solidFill>
-                    <a:schemeClr val="tx1">
-                      <a:lumMod val="85000"/>
-                      <a:lumOff val="15000"/>
-                      <a:alpha val="0"/>
-                    </a:schemeClr>
-                  </a:solidFill>
-                </a:ln>
-                <a:solidFill>
-                  <a:schemeClr val="tx1">
-                    <a:lumMod val="85000"/>
-                    <a:lumOff val="15000"/>
-                  </a:schemeClr>
-                </a:solidFill>
-                <a:latin typeface="12롯데마트드림Medium"/>
-                <a:ea typeface="-윤고딕340" panose="02030504000101010101" pitchFamily="18" charset="-127"/>
-              </a:rPr>
-              <a:t>     </a:t>
-            </a:r>
-          </a:p>
-        </p:txBody>
-      </p:sp>
-      <p:pic>
-        <p:nvPicPr>
-          <p:cNvPr id="13" name="그림 12">
-            <a:extLst>
-              <a:ext uri="{FF2B5EF4-FFF2-40B4-BE49-F238E27FC236}">
-                <a16:creationId xmlns:a16="http://schemas.microsoft.com/office/drawing/2014/main" id="{5A7391C7-FA84-401A-988B-E76E71162903}"/>
-              </a:ext>
-            </a:extLst>
-          </p:cNvPr>
-          <p:cNvPicPr>
-            <a:picLocks noChangeAspect="1"/>
-          </p:cNvPicPr>
-          <p:nvPr/>
-        </p:nvPicPr>
-        <p:blipFill>
-          <a:blip r:embed="rId3"/>
-          <a:stretch>
-            <a:fillRect/>
-          </a:stretch>
-        </p:blipFill>
-        <p:spPr>
-          <a:xfrm>
-            <a:off x="2148675" y="1664115"/>
-            <a:ext cx="7870974" cy="5067701"/>
-          </a:xfrm>
-          <a:prstGeom prst="rect">
-            <a:avLst/>
-          </a:prstGeom>
-        </p:spPr>
-      </p:pic>
     </p:spTree>
     <p:extLst>
       <p:ext uri="{BB962C8B-B14F-4D97-AF65-F5344CB8AC3E}">
@@ -6452,13 +7075,13 @@
   <p:clrMapOvr>
     <a:masterClrMapping/>
   </p:clrMapOvr>
-  <mc:AlternateContent xmlns:mc="http://schemas.openxmlformats.org/markup-compatibility/2006">
-    <mc:Choice xmlns:p14="http://schemas.microsoft.com/office/powerpoint/2010/main" Requires="p14">
+  <mc:AlternateContent xmlns:mc="http://schemas.openxmlformats.org/markup-compatibility/2006" xmlns:p14="http://schemas.microsoft.com/office/powerpoint/2010/main">
+    <mc:Choice Requires="p14">
       <p:transition spd="med" p14:dur="700">
         <p:fade/>
       </p:transition>
     </mc:Choice>
-    <mc:Fallback>
+    <mc:Fallback xmlns="">
       <p:transition spd="med">
         <p:fade/>
       </p:transition>
@@ -6836,7 +7459,159 @@
       </p:sp>
       <p:sp>
         <p:nvSpPr>
-          <p:cNvPr id="11" name="TextBox 10"/>
+          <p:cNvPr id="14" name="TextBox 13">
+            <a:extLst>
+              <a:ext uri="{FF2B5EF4-FFF2-40B4-BE49-F238E27FC236}">
+                <a16:creationId xmlns:a16="http://schemas.microsoft.com/office/drawing/2014/main" id="{876DB399-8879-4421-8CA8-FD74AEBD157F}"/>
+              </a:ext>
+            </a:extLst>
+          </p:cNvPr>
+          <p:cNvSpPr txBox="1"/>
+          <p:nvPr/>
+        </p:nvSpPr>
+        <p:spPr>
+          <a:xfrm>
+            <a:off x="863243" y="579876"/>
+            <a:ext cx="10191580" cy="1521955"/>
+          </a:xfrm>
+          <a:prstGeom prst="rect">
+            <a:avLst/>
+          </a:prstGeom>
+          <a:noFill/>
+        </p:spPr>
+        <p:txBody>
+          <a:bodyPr wrap="square">
+            <a:spAutoFit/>
+          </a:bodyPr>
+          <a:lstStyle/>
+          <a:p>
+            <a:pPr>
+              <a:lnSpc>
+                <a:spcPct val="150000"/>
+              </a:lnSpc>
+            </a:pPr>
+            <a:r>
+              <a:rPr lang="en-US" altLang="ko-KR" sz="2400" b="1" dirty="0">
+                <a:ln>
+                  <a:solidFill>
+                    <a:schemeClr val="tx1">
+                      <a:lumMod val="85000"/>
+                      <a:lumOff val="15000"/>
+                      <a:alpha val="0"/>
+                    </a:schemeClr>
+                  </a:solidFill>
+                </a:ln>
+                <a:solidFill>
+                  <a:schemeClr val="tx1">
+                    <a:lumMod val="85000"/>
+                    <a:lumOff val="15000"/>
+                  </a:schemeClr>
+                </a:solidFill>
+                <a:latin typeface="12롯데마트드림Medium"/>
+                <a:ea typeface="-윤고딕340" panose="02030504000101010101" pitchFamily="18" charset="-127"/>
+              </a:rPr>
+              <a:t>02 Univariate Gamma</a:t>
+            </a:r>
+          </a:p>
+          <a:p>
+            <a:pPr>
+              <a:lnSpc>
+                <a:spcPct val="150000"/>
+              </a:lnSpc>
+            </a:pPr>
+            <a:r>
+              <a:rPr lang="en-US" altLang="ko-KR" sz="2000" dirty="0">
+                <a:ln>
+                  <a:solidFill>
+                    <a:schemeClr val="tx1">
+                      <a:lumMod val="85000"/>
+                      <a:lumOff val="15000"/>
+                      <a:alpha val="0"/>
+                    </a:schemeClr>
+                  </a:solidFill>
+                </a:ln>
+                <a:solidFill>
+                  <a:schemeClr val="tx1">
+                    <a:lumMod val="85000"/>
+                    <a:lumOff val="15000"/>
+                  </a:schemeClr>
+                </a:solidFill>
+                <a:latin typeface="12롯데마트드림Medium"/>
+                <a:ea typeface="-윤고딕340" panose="02030504000101010101" pitchFamily="18" charset="-127"/>
+              </a:rPr>
+              <a:t>    : p0=0.8</a:t>
+            </a:r>
+          </a:p>
+          <a:p>
+            <a:pPr>
+              <a:lnSpc>
+                <a:spcPct val="150000"/>
+              </a:lnSpc>
+            </a:pPr>
+            <a:r>
+              <a:rPr lang="en-US" altLang="ko-KR" sz="2000" dirty="0">
+                <a:ln>
+                  <a:solidFill>
+                    <a:schemeClr val="tx1">
+                      <a:lumMod val="85000"/>
+                      <a:lumOff val="15000"/>
+                      <a:alpha val="0"/>
+                    </a:schemeClr>
+                  </a:solidFill>
+                </a:ln>
+                <a:solidFill>
+                  <a:schemeClr val="tx1">
+                    <a:lumMod val="85000"/>
+                    <a:lumOff val="15000"/>
+                  </a:schemeClr>
+                </a:solidFill>
+                <a:latin typeface="12롯데마트드림Medium"/>
+                <a:ea typeface="-윤고딕340" panose="02030504000101010101" pitchFamily="18" charset="-127"/>
+              </a:rPr>
+              <a:t>     </a:t>
+            </a:r>
+          </a:p>
+        </p:txBody>
+      </p:sp>
+      <p:pic>
+        <p:nvPicPr>
+          <p:cNvPr id="13" name="그림 12">
+            <a:extLst>
+              <a:ext uri="{FF2B5EF4-FFF2-40B4-BE49-F238E27FC236}">
+                <a16:creationId xmlns:a16="http://schemas.microsoft.com/office/drawing/2014/main" id="{5BB942F4-BD6E-4D25-9679-35B14676DA00}"/>
+              </a:ext>
+            </a:extLst>
+          </p:cNvPr>
+          <p:cNvPicPr>
+            <a:picLocks noChangeAspect="1"/>
+          </p:cNvPicPr>
+          <p:nvPr/>
+        </p:nvPicPr>
+        <p:blipFill>
+          <a:blip r:embed="rId3"/>
+          <a:stretch>
+            <a:fillRect/>
+          </a:stretch>
+        </p:blipFill>
+        <p:spPr>
+          <a:xfrm>
+            <a:off x="2070081" y="1526662"/>
+            <a:ext cx="8051838" cy="5106202"/>
+          </a:xfrm>
+          <a:prstGeom prst="rect">
+            <a:avLst/>
+          </a:prstGeom>
+        </p:spPr>
+      </p:pic>
+      <p:sp>
+        <p:nvSpPr>
+          <p:cNvPr id="15" name="TextBox 14">
+            <a:extLst>
+              <a:ext uri="{FF2B5EF4-FFF2-40B4-BE49-F238E27FC236}">
+                <a16:creationId xmlns:a16="http://schemas.microsoft.com/office/drawing/2014/main" id="{3A58A65E-A385-4994-9CDF-412BC3F9CC14}"/>
+              </a:ext>
+            </a:extLst>
+          </p:cNvPr>
           <p:cNvSpPr txBox="1"/>
           <p:nvPr/>
         </p:nvSpPr>
@@ -6876,7 +7651,7 @@
                 <a:latin typeface="-윤고딕340" pitchFamily="18" charset="-127"/>
                 <a:ea typeface="-윤고딕340" pitchFamily="18" charset="-127"/>
               </a:rPr>
-              <a:t>01. </a:t>
+              <a:t>02. </a:t>
             </a:r>
             <a:r>
               <a:rPr lang="en-US" altLang="ko-KR" sz="1400" dirty="0">
@@ -6922,593 +7697,10 @@
           </a:p>
         </p:txBody>
       </p:sp>
-      <p:sp>
-        <p:nvSpPr>
-          <p:cNvPr id="14" name="TextBox 13">
-            <a:extLst>
-              <a:ext uri="{FF2B5EF4-FFF2-40B4-BE49-F238E27FC236}">
-                <a16:creationId xmlns:a16="http://schemas.microsoft.com/office/drawing/2014/main" id="{876DB399-8879-4421-8CA8-FD74AEBD157F}"/>
-              </a:ext>
-            </a:extLst>
-          </p:cNvPr>
-          <p:cNvSpPr txBox="1"/>
-          <p:nvPr/>
-        </p:nvSpPr>
-        <p:spPr>
-          <a:xfrm>
-            <a:off x="863243" y="579876"/>
-            <a:ext cx="10191580" cy="1521955"/>
-          </a:xfrm>
-          <a:prstGeom prst="rect">
-            <a:avLst/>
-          </a:prstGeom>
-          <a:noFill/>
-        </p:spPr>
-        <p:txBody>
-          <a:bodyPr wrap="square">
-            <a:spAutoFit/>
-          </a:bodyPr>
-          <a:lstStyle/>
-          <a:p>
-            <a:pPr>
-              <a:lnSpc>
-                <a:spcPct val="150000"/>
-              </a:lnSpc>
-            </a:pPr>
-            <a:r>
-              <a:rPr lang="en-US" altLang="ko-KR" sz="2400" b="1" dirty="0">
-                <a:ln>
-                  <a:solidFill>
-                    <a:schemeClr val="tx1">
-                      <a:lumMod val="85000"/>
-                      <a:lumOff val="15000"/>
-                      <a:alpha val="0"/>
-                    </a:schemeClr>
-                  </a:solidFill>
-                </a:ln>
-                <a:solidFill>
-                  <a:schemeClr val="tx1">
-                    <a:lumMod val="85000"/>
-                    <a:lumOff val="15000"/>
-                  </a:schemeClr>
-                </a:solidFill>
-                <a:latin typeface="12롯데마트드림Medium"/>
-                <a:ea typeface="-윤고딕340" panose="02030504000101010101" pitchFamily="18" charset="-127"/>
-              </a:rPr>
-              <a:t>02 Univariate Gamma</a:t>
-            </a:r>
-          </a:p>
-          <a:p>
-            <a:pPr>
-              <a:lnSpc>
-                <a:spcPct val="150000"/>
-              </a:lnSpc>
-            </a:pPr>
-            <a:r>
-              <a:rPr lang="en-US" altLang="ko-KR" sz="2000" dirty="0">
-                <a:ln>
-                  <a:solidFill>
-                    <a:schemeClr val="tx1">
-                      <a:lumMod val="85000"/>
-                      <a:lumOff val="15000"/>
-                      <a:alpha val="0"/>
-                    </a:schemeClr>
-                  </a:solidFill>
-                </a:ln>
-                <a:solidFill>
-                  <a:schemeClr val="tx1">
-                    <a:lumMod val="85000"/>
-                    <a:lumOff val="15000"/>
-                  </a:schemeClr>
-                </a:solidFill>
-                <a:latin typeface="12롯데마트드림Medium"/>
-                <a:ea typeface="-윤고딕340" panose="02030504000101010101" pitchFamily="18" charset="-127"/>
-              </a:rPr>
-              <a:t>    : p0=0.8</a:t>
-            </a:r>
-          </a:p>
-          <a:p>
-            <a:pPr>
-              <a:lnSpc>
-                <a:spcPct val="150000"/>
-              </a:lnSpc>
-            </a:pPr>
-            <a:r>
-              <a:rPr lang="en-US" altLang="ko-KR" sz="2000" dirty="0">
-                <a:ln>
-                  <a:solidFill>
-                    <a:schemeClr val="tx1">
-                      <a:lumMod val="85000"/>
-                      <a:lumOff val="15000"/>
-                      <a:alpha val="0"/>
-                    </a:schemeClr>
-                  </a:solidFill>
-                </a:ln>
-                <a:solidFill>
-                  <a:schemeClr val="tx1">
-                    <a:lumMod val="85000"/>
-                    <a:lumOff val="15000"/>
-                  </a:schemeClr>
-                </a:solidFill>
-                <a:latin typeface="12롯데마트드림Medium"/>
-                <a:ea typeface="-윤고딕340" panose="02030504000101010101" pitchFamily="18" charset="-127"/>
-              </a:rPr>
-              <a:t>     </a:t>
-            </a:r>
-          </a:p>
-        </p:txBody>
-      </p:sp>
-      <p:pic>
-        <p:nvPicPr>
-          <p:cNvPr id="13" name="그림 12">
-            <a:extLst>
-              <a:ext uri="{FF2B5EF4-FFF2-40B4-BE49-F238E27FC236}">
-                <a16:creationId xmlns:a16="http://schemas.microsoft.com/office/drawing/2014/main" id="{5BB942F4-BD6E-4D25-9679-35B14676DA00}"/>
-              </a:ext>
-            </a:extLst>
-          </p:cNvPr>
-          <p:cNvPicPr>
-            <a:picLocks noChangeAspect="1"/>
-          </p:cNvPicPr>
-          <p:nvPr/>
-        </p:nvPicPr>
-        <p:blipFill>
-          <a:blip r:embed="rId3"/>
-          <a:stretch>
-            <a:fillRect/>
-          </a:stretch>
-        </p:blipFill>
-        <p:spPr>
-          <a:xfrm>
-            <a:off x="2070081" y="1526662"/>
-            <a:ext cx="8051838" cy="5106202"/>
-          </a:xfrm>
-          <a:prstGeom prst="rect">
-            <a:avLst/>
-          </a:prstGeom>
-        </p:spPr>
-      </p:pic>
     </p:spTree>
     <p:extLst>
       <p:ext uri="{BB962C8B-B14F-4D97-AF65-F5344CB8AC3E}">
         <p14:creationId xmlns:p14="http://schemas.microsoft.com/office/powerpoint/2010/main" val="4033427756"/>
-      </p:ext>
-    </p:extLst>
-  </p:cSld>
-  <p:clrMapOvr>
-    <a:masterClrMapping/>
-  </p:clrMapOvr>
-  <mc:AlternateContent xmlns:mc="http://schemas.openxmlformats.org/markup-compatibility/2006">
-    <mc:Choice xmlns:p14="http://schemas.microsoft.com/office/powerpoint/2010/main" Requires="p14">
-      <p:transition spd="med" p14:dur="700">
-        <p:fade/>
-      </p:transition>
-    </mc:Choice>
-    <mc:Fallback>
-      <p:transition spd="med">
-        <p:fade/>
-      </p:transition>
-    </mc:Fallback>
-  </mc:AlternateContent>
-</p:sld>
-</file>
-
-<file path=ppt/slides/slide2.xml><?xml version="1.0" encoding="utf-8"?>
-<p:sld xmlns:a="http://schemas.openxmlformats.org/drawingml/2006/main" xmlns:r="http://schemas.openxmlformats.org/officeDocument/2006/relationships" xmlns:p="http://schemas.openxmlformats.org/presentationml/2006/main">
-  <p:cSld>
-    <p:spTree>
-      <p:nvGrpSpPr>
-        <p:cNvPr id="1" name=""/>
-        <p:cNvGrpSpPr/>
-        <p:nvPr/>
-      </p:nvGrpSpPr>
-      <p:grpSpPr>
-        <a:xfrm>
-          <a:off x="0" y="0"/>
-          <a:ext cx="0" cy="0"/>
-          <a:chOff x="0" y="0"/>
-          <a:chExt cx="0" cy="0"/>
-        </a:xfrm>
-      </p:grpSpPr>
-      <p:sp>
-        <p:nvSpPr>
-          <p:cNvPr id="3" name="TextBox 2"/>
-          <p:cNvSpPr txBox="1"/>
-          <p:nvPr/>
-        </p:nvSpPr>
-        <p:spPr>
-          <a:xfrm>
-            <a:off x="4150386" y="2474700"/>
-            <a:ext cx="5117595" cy="954300"/>
-          </a:xfrm>
-          <a:prstGeom prst="rect">
-            <a:avLst/>
-          </a:prstGeom>
-          <a:noFill/>
-        </p:spPr>
-        <p:txBody>
-          <a:bodyPr wrap="square" rtlCol="0">
-            <a:spAutoFit/>
-          </a:bodyPr>
-          <a:lstStyle/>
-          <a:p>
-            <a:r>
-              <a:rPr lang="en-US" altLang="ko-KR" sz="1867" dirty="0">
-                <a:ln>
-                  <a:solidFill>
-                    <a:schemeClr val="tx1">
-                      <a:lumMod val="85000"/>
-                      <a:lumOff val="15000"/>
-                      <a:alpha val="0"/>
-                    </a:schemeClr>
-                  </a:solidFill>
-                </a:ln>
-                <a:solidFill>
-                  <a:schemeClr val="tx1">
-                    <a:lumMod val="85000"/>
-                    <a:lumOff val="15000"/>
-                  </a:schemeClr>
-                </a:solidFill>
-                <a:latin typeface="12롯데마트드림Medium"/>
-                <a:ea typeface="-윤고딕340" panose="02030504000101010101" pitchFamily="18" charset="-127"/>
-              </a:rPr>
-              <a:t>01 Package Structure</a:t>
-            </a:r>
-          </a:p>
-          <a:p>
-            <a:endParaRPr lang="en-US" altLang="ko-KR" sz="1867" dirty="0">
-              <a:ln>
-                <a:solidFill>
-                  <a:schemeClr val="tx1">
-                    <a:lumMod val="85000"/>
-                    <a:lumOff val="15000"/>
-                    <a:alpha val="0"/>
-                  </a:schemeClr>
-                </a:solidFill>
-              </a:ln>
-              <a:solidFill>
-                <a:schemeClr val="tx1">
-                  <a:lumMod val="85000"/>
-                  <a:lumOff val="15000"/>
-                </a:schemeClr>
-              </a:solidFill>
-              <a:latin typeface="12롯데마트드림Medium"/>
-              <a:ea typeface="-윤고딕340" panose="02030504000101010101" pitchFamily="18" charset="-127"/>
-            </a:endParaRPr>
-          </a:p>
-          <a:p>
-            <a:r>
-              <a:rPr lang="en-US" altLang="ko-KR" sz="1867" dirty="0">
-                <a:ln>
-                  <a:solidFill>
-                    <a:schemeClr val="tx1">
-                      <a:lumMod val="85000"/>
-                      <a:lumOff val="15000"/>
-                      <a:alpha val="0"/>
-                    </a:schemeClr>
-                  </a:solidFill>
-                </a:ln>
-                <a:solidFill>
-                  <a:schemeClr val="tx1">
-                    <a:lumMod val="85000"/>
-                    <a:lumOff val="15000"/>
-                  </a:schemeClr>
-                </a:solidFill>
-                <a:latin typeface="12롯데마트드림Medium"/>
-                <a:ea typeface="-윤고딕340" panose="02030504000101010101" pitchFamily="18" charset="-127"/>
-              </a:rPr>
-              <a:t>02 Test Case</a:t>
-            </a:r>
-          </a:p>
-        </p:txBody>
-      </p:sp>
-      <p:sp>
-        <p:nvSpPr>
-          <p:cNvPr id="7" name="직사각형 6"/>
-          <p:cNvSpPr/>
-          <p:nvPr/>
-        </p:nvSpPr>
-        <p:spPr>
-          <a:xfrm>
-            <a:off x="4128613" y="1942328"/>
-            <a:ext cx="723589" cy="305591"/>
-          </a:xfrm>
-          <a:prstGeom prst="rect">
-            <a:avLst/>
-          </a:prstGeom>
-          <a:solidFill>
-            <a:schemeClr val="tx2">
-              <a:lumMod val="50000"/>
-            </a:schemeClr>
-          </a:solidFill>
-          <a:ln>
-            <a:noFill/>
-          </a:ln>
-        </p:spPr>
-        <p:style>
-          <a:lnRef idx="2">
-            <a:schemeClr val="accent1">
-              <a:shade val="50000"/>
-            </a:schemeClr>
-          </a:lnRef>
-          <a:fillRef idx="1">
-            <a:schemeClr val="accent1"/>
-          </a:fillRef>
-          <a:effectRef idx="0">
-            <a:schemeClr val="accent1"/>
-          </a:effectRef>
-          <a:fontRef idx="minor">
-            <a:schemeClr val="lt1"/>
-          </a:fontRef>
-        </p:style>
-        <p:txBody>
-          <a:bodyPr rtlCol="0" anchor="ctr"/>
-          <a:lstStyle/>
-          <a:p>
-            <a:pPr algn="ctr"/>
-            <a:endParaRPr lang="ko-KR" altLang="en-US" sz="2400"/>
-          </a:p>
-        </p:txBody>
-      </p:sp>
-      <p:sp>
-        <p:nvSpPr>
-          <p:cNvPr id="8" name="TextBox 7"/>
-          <p:cNvSpPr txBox="1"/>
-          <p:nvPr/>
-        </p:nvSpPr>
-        <p:spPr>
-          <a:xfrm>
-            <a:off x="4106084" y="1942327"/>
-            <a:ext cx="1245956" cy="297454"/>
-          </a:xfrm>
-          <a:prstGeom prst="rect">
-            <a:avLst/>
-          </a:prstGeom>
-          <a:noFill/>
-        </p:spPr>
-        <p:txBody>
-          <a:bodyPr wrap="square" rtlCol="0">
-            <a:spAutoFit/>
-          </a:bodyPr>
-          <a:lstStyle/>
-          <a:p>
-            <a:r>
-              <a:rPr lang="en-US" altLang="ko-KR" sz="1333" dirty="0">
-                <a:ln>
-                  <a:solidFill>
-                    <a:schemeClr val="bg1">
-                      <a:lumMod val="95000"/>
-                      <a:alpha val="10000"/>
-                    </a:schemeClr>
-                  </a:solidFill>
-                </a:ln>
-                <a:solidFill>
-                  <a:schemeClr val="bg1">
-                    <a:lumMod val="95000"/>
-                  </a:schemeClr>
-                </a:solidFill>
-                <a:latin typeface="-윤고딕350" pitchFamily="18" charset="-127"/>
-                <a:ea typeface="-윤고딕350" pitchFamily="18" charset="-127"/>
-              </a:rPr>
-              <a:t>INDEX</a:t>
-            </a:r>
-            <a:endParaRPr lang="ko-KR" altLang="en-US" sz="1333" dirty="0">
-              <a:ln>
-                <a:solidFill>
-                  <a:schemeClr val="bg1">
-                    <a:lumMod val="95000"/>
-                    <a:alpha val="10000"/>
-                  </a:schemeClr>
-                </a:solidFill>
-              </a:ln>
-              <a:solidFill>
-                <a:schemeClr val="bg1">
-                  <a:lumMod val="95000"/>
-                </a:schemeClr>
-              </a:solidFill>
-              <a:latin typeface="-윤고딕350" pitchFamily="18" charset="-127"/>
-              <a:ea typeface="-윤고딕350" pitchFamily="18" charset="-127"/>
-            </a:endParaRPr>
-          </a:p>
-        </p:txBody>
-      </p:sp>
-      <p:sp>
-        <p:nvSpPr>
-          <p:cNvPr id="9" name="직각 삼각형 8"/>
-          <p:cNvSpPr/>
-          <p:nvPr/>
-        </p:nvSpPr>
-        <p:spPr>
-          <a:xfrm>
-            <a:off x="4849838" y="1942328"/>
-            <a:ext cx="289383" cy="305591"/>
-          </a:xfrm>
-          <a:prstGeom prst="rtTriangle">
-            <a:avLst/>
-          </a:prstGeom>
-          <a:solidFill>
-            <a:schemeClr val="tx2">
-              <a:lumMod val="50000"/>
-            </a:schemeClr>
-          </a:solidFill>
-          <a:ln>
-            <a:noFill/>
-          </a:ln>
-        </p:spPr>
-        <p:style>
-          <a:lnRef idx="2">
-            <a:schemeClr val="accent1">
-              <a:shade val="50000"/>
-            </a:schemeClr>
-          </a:lnRef>
-          <a:fillRef idx="1">
-            <a:schemeClr val="accent1"/>
-          </a:fillRef>
-          <a:effectRef idx="0">
-            <a:schemeClr val="accent1"/>
-          </a:effectRef>
-          <a:fontRef idx="minor">
-            <a:schemeClr val="lt1"/>
-          </a:fontRef>
-        </p:style>
-        <p:txBody>
-          <a:bodyPr rtlCol="0" anchor="ctr"/>
-          <a:lstStyle/>
-          <a:p>
-            <a:pPr algn="ctr"/>
-            <a:endParaRPr lang="ko-KR" altLang="en-US" sz="2400"/>
-          </a:p>
-        </p:txBody>
-      </p:sp>
-      <p:sp>
-        <p:nvSpPr>
-          <p:cNvPr id="11" name="직각 삼각형 10"/>
-          <p:cNvSpPr/>
-          <p:nvPr/>
-        </p:nvSpPr>
-        <p:spPr>
-          <a:xfrm rot="16200000" flipH="1">
-            <a:off x="4880432" y="1945292"/>
-            <a:ext cx="311517" cy="305591"/>
-          </a:xfrm>
-          <a:prstGeom prst="rtTriangle">
-            <a:avLst/>
-          </a:prstGeom>
-          <a:solidFill>
-            <a:schemeClr val="bg1">
-              <a:lumMod val="85000"/>
-            </a:schemeClr>
-          </a:solidFill>
-          <a:ln>
-            <a:noFill/>
-          </a:ln>
-        </p:spPr>
-        <p:style>
-          <a:lnRef idx="2">
-            <a:schemeClr val="accent1">
-              <a:shade val="50000"/>
-            </a:schemeClr>
-          </a:lnRef>
-          <a:fillRef idx="1">
-            <a:schemeClr val="accent1"/>
-          </a:fillRef>
-          <a:effectRef idx="0">
-            <a:schemeClr val="accent1"/>
-          </a:effectRef>
-          <a:fontRef idx="minor">
-            <a:schemeClr val="lt1"/>
-          </a:fontRef>
-        </p:style>
-        <p:txBody>
-          <a:bodyPr rtlCol="0" anchor="ctr"/>
-          <a:lstStyle/>
-          <a:p>
-            <a:pPr algn="ctr"/>
-            <a:endParaRPr lang="ko-KR" altLang="en-US" sz="2400"/>
-          </a:p>
-        </p:txBody>
-      </p:sp>
-      <p:sp>
-        <p:nvSpPr>
-          <p:cNvPr id="12" name="직사각형 11"/>
-          <p:cNvSpPr/>
-          <p:nvPr/>
-        </p:nvSpPr>
-        <p:spPr>
-          <a:xfrm>
-            <a:off x="5188987" y="1942327"/>
-            <a:ext cx="1797417" cy="301357"/>
-          </a:xfrm>
-          <a:prstGeom prst="rect">
-            <a:avLst/>
-          </a:prstGeom>
-          <a:solidFill>
-            <a:schemeClr val="bg1">
-              <a:lumMod val="85000"/>
-            </a:schemeClr>
-          </a:solidFill>
-          <a:ln>
-            <a:noFill/>
-          </a:ln>
-        </p:spPr>
-        <p:style>
-          <a:lnRef idx="2">
-            <a:schemeClr val="accent1">
-              <a:shade val="50000"/>
-            </a:schemeClr>
-          </a:lnRef>
-          <a:fillRef idx="1">
-            <a:schemeClr val="accent1"/>
-          </a:fillRef>
-          <a:effectRef idx="0">
-            <a:schemeClr val="accent1"/>
-          </a:effectRef>
-          <a:fontRef idx="minor">
-            <a:schemeClr val="lt1"/>
-          </a:fontRef>
-        </p:style>
-        <p:txBody>
-          <a:bodyPr rtlCol="0" anchor="ctr"/>
-          <a:lstStyle/>
-          <a:p>
-            <a:pPr algn="ctr"/>
-            <a:endParaRPr lang="ko-KR" altLang="en-US" sz="2400"/>
-          </a:p>
-        </p:txBody>
-      </p:sp>
-      <p:sp>
-        <p:nvSpPr>
-          <p:cNvPr id="14" name="직사각형 13"/>
-          <p:cNvSpPr/>
-          <p:nvPr/>
-        </p:nvSpPr>
-        <p:spPr>
-          <a:xfrm>
-            <a:off x="4150386" y="3660016"/>
-            <a:ext cx="2851291" cy="45800"/>
-          </a:xfrm>
-          <a:prstGeom prst="rect">
-            <a:avLst/>
-          </a:prstGeom>
-          <a:solidFill>
-            <a:schemeClr val="tx1">
-              <a:lumMod val="85000"/>
-              <a:lumOff val="15000"/>
-            </a:schemeClr>
-          </a:solidFill>
-          <a:ln>
-            <a:noFill/>
-          </a:ln>
-        </p:spPr>
-        <p:style>
-          <a:lnRef idx="2">
-            <a:schemeClr val="accent1">
-              <a:shade val="50000"/>
-            </a:schemeClr>
-          </a:lnRef>
-          <a:fillRef idx="1">
-            <a:schemeClr val="accent1"/>
-          </a:fillRef>
-          <a:effectRef idx="0">
-            <a:schemeClr val="accent1"/>
-          </a:effectRef>
-          <a:fontRef idx="minor">
-            <a:schemeClr val="lt1"/>
-          </a:fontRef>
-        </p:style>
-        <p:txBody>
-          <a:bodyPr rtlCol="0" anchor="ctr"/>
-          <a:lstStyle/>
-          <a:p>
-            <a:pPr algn="ctr"/>
-            <a:endParaRPr lang="ko-KR" altLang="en-US" sz="2400"/>
-          </a:p>
-        </p:txBody>
-      </p:sp>
-    </p:spTree>
-    <p:extLst>
-      <p:ext uri="{BB962C8B-B14F-4D97-AF65-F5344CB8AC3E}">
-        <p14:creationId xmlns:p14="http://schemas.microsoft.com/office/powerpoint/2010/main" val="3234700786"/>
       </p:ext>
     </p:extLst>
   </p:cSld>
@@ -7530,7 +7722,7 @@
 </p:sld>
 </file>
 
-<file path=ppt/slides/slide3.xml><?xml version="1.0" encoding="utf-8"?>
+<file path=ppt/slides/slide13.xml><?xml version="1.0" encoding="utf-8"?>
 <p:sld xmlns:a="http://schemas.openxmlformats.org/drawingml/2006/main" xmlns:r="http://schemas.openxmlformats.org/officeDocument/2006/relationships" xmlns:p="http://schemas.openxmlformats.org/presentationml/2006/main">
   <p:cSld>
     <p:spTree>
@@ -7899,7 +8091,100 @@
       </p:sp>
       <p:sp>
         <p:nvSpPr>
-          <p:cNvPr id="11" name="TextBox 10"/>
+          <p:cNvPr id="14" name="TextBox 13">
+            <a:extLst>
+              <a:ext uri="{FF2B5EF4-FFF2-40B4-BE49-F238E27FC236}">
+                <a16:creationId xmlns:a16="http://schemas.microsoft.com/office/drawing/2014/main" id="{876DB399-8879-4421-8CA8-FD74AEBD157F}"/>
+              </a:ext>
+            </a:extLst>
+          </p:cNvPr>
+          <p:cNvSpPr txBox="1"/>
+          <p:nvPr/>
+        </p:nvSpPr>
+        <p:spPr>
+          <a:xfrm>
+            <a:off x="863243" y="579876"/>
+            <a:ext cx="10191580" cy="1060290"/>
+          </a:xfrm>
+          <a:prstGeom prst="rect">
+            <a:avLst/>
+          </a:prstGeom>
+          <a:noFill/>
+        </p:spPr>
+        <p:txBody>
+          <a:bodyPr wrap="square">
+            <a:spAutoFit/>
+          </a:bodyPr>
+          <a:lstStyle/>
+          <a:p>
+            <a:pPr>
+              <a:lnSpc>
+                <a:spcPct val="150000"/>
+              </a:lnSpc>
+            </a:pPr>
+            <a:r>
+              <a:rPr lang="en-US" altLang="ko-KR" sz="2400" b="1" dirty="0">
+                <a:ln>
+                  <a:solidFill>
+                    <a:schemeClr val="tx1">
+                      <a:lumMod val="85000"/>
+                      <a:lumOff val="15000"/>
+                      <a:alpha val="0"/>
+                    </a:schemeClr>
+                  </a:solidFill>
+                </a:ln>
+                <a:solidFill>
+                  <a:schemeClr val="tx1">
+                    <a:lumMod val="85000"/>
+                    <a:lumOff val="15000"/>
+                  </a:schemeClr>
+                </a:solidFill>
+                <a:latin typeface="12롯데마트드림Medium"/>
+                <a:ea typeface="-윤고딕340" panose="02030504000101010101" pitchFamily="18" charset="-127"/>
+              </a:rPr>
+              <a:t>01 Documentation</a:t>
+            </a:r>
+          </a:p>
+          <a:p>
+            <a:pPr>
+              <a:lnSpc>
+                <a:spcPct val="150000"/>
+              </a:lnSpc>
+            </a:pPr>
+            <a:r>
+              <a:rPr lang="en-US" altLang="ko-KR" sz="2000" dirty="0">
+                <a:ln>
+                  <a:solidFill>
+                    <a:schemeClr val="tx1">
+                      <a:lumMod val="85000"/>
+                      <a:lumOff val="15000"/>
+                      <a:alpha val="0"/>
+                    </a:schemeClr>
+                  </a:solidFill>
+                </a:ln>
+                <a:solidFill>
+                  <a:schemeClr val="tx1">
+                    <a:lumMod val="85000"/>
+                    <a:lumOff val="15000"/>
+                  </a:schemeClr>
+                </a:solidFill>
+                <a:latin typeface="12롯데마트드림Medium"/>
+                <a:ea typeface="-윤고딕340" panose="02030504000101010101" pitchFamily="18" charset="-127"/>
+              </a:rPr>
+              <a:t>     </a:t>
+            </a:r>
+          </a:p>
+        </p:txBody>
+      </p:sp>
+      <p:sp>
+        <p:nvSpPr>
+          <p:cNvPr id="15" name="TextBox 14">
+            <a:extLst>
+              <a:ext uri="{FF2B5EF4-FFF2-40B4-BE49-F238E27FC236}">
+                <a16:creationId xmlns:a16="http://schemas.microsoft.com/office/drawing/2014/main" id="{3A58A65E-A385-4994-9CDF-412BC3F9CC14}"/>
+              </a:ext>
+            </a:extLst>
+          </p:cNvPr>
           <p:cNvSpPr txBox="1"/>
           <p:nvPr/>
         </p:nvSpPr>
@@ -7939,7 +8224,7 @@
                 <a:latin typeface="-윤고딕340" pitchFamily="18" charset="-127"/>
                 <a:ea typeface="-윤고딕340" pitchFamily="18" charset="-127"/>
               </a:rPr>
-              <a:t>01. </a:t>
+              <a:t>03. </a:t>
             </a:r>
             <a:r>
               <a:rPr lang="en-US" altLang="ko-KR" sz="1400" dirty="0">
@@ -7961,7 +8246,7 @@
                 <a:latin typeface="-윤고딕340" panose="02030504000101010101" pitchFamily="18" charset="-127"/>
                 <a:ea typeface="-윤고딕340" panose="02030504000101010101" pitchFamily="18" charset="-127"/>
               </a:rPr>
-              <a:t>Structure </a:t>
+              <a:t>Update</a:t>
             </a:r>
             <a:endParaRPr lang="ko-KR" altLang="en-US" sz="1400" dirty="0">
               <a:ln>
@@ -7987,10 +8272,10 @@
       </p:sp>
       <p:pic>
         <p:nvPicPr>
-          <p:cNvPr id="12" name="그림 11">
+          <p:cNvPr id="11" name="그림 10" descr="텍스트이(가) 표시된 사진&#10;&#10;자동 생성된 설명">
             <a:extLst>
               <a:ext uri="{FF2B5EF4-FFF2-40B4-BE49-F238E27FC236}">
-                <a16:creationId xmlns:a16="http://schemas.microsoft.com/office/drawing/2014/main" id="{5118C030-A842-4389-AD42-890D80C1BE67}"/>
+                <a16:creationId xmlns:a16="http://schemas.microsoft.com/office/drawing/2014/main" id="{5C6E75F7-5B0F-47FC-8461-4086F1EB7356}"/>
               </a:ext>
             </a:extLst>
           </p:cNvPr>
@@ -8007,95 +8292,18 @@
         </p:blipFill>
         <p:spPr>
           <a:xfrm>
-            <a:off x="2163707" y="883275"/>
-            <a:ext cx="7864586" cy="4656063"/>
+            <a:off x="1672783" y="1448148"/>
+            <a:ext cx="8822757" cy="4829976"/>
           </a:xfrm>
           <a:prstGeom prst="rect">
             <a:avLst/>
           </a:prstGeom>
         </p:spPr>
       </p:pic>
-      <p:pic>
-        <p:nvPicPr>
-          <p:cNvPr id="16" name="그림 15">
-            <a:extLst>
-              <a:ext uri="{FF2B5EF4-FFF2-40B4-BE49-F238E27FC236}">
-                <a16:creationId xmlns:a16="http://schemas.microsoft.com/office/drawing/2014/main" id="{6D87713C-79F4-40CF-8DCA-13D60A8C5584}"/>
-              </a:ext>
-            </a:extLst>
-          </p:cNvPr>
-          <p:cNvPicPr>
-            <a:picLocks noChangeAspect="1"/>
-          </p:cNvPicPr>
-          <p:nvPr/>
-        </p:nvPicPr>
-        <p:blipFill>
-          <a:blip r:embed="rId4"/>
-          <a:stretch>
-            <a:fillRect/>
-          </a:stretch>
-        </p:blipFill>
-        <p:spPr>
-          <a:xfrm>
-            <a:off x="3588612" y="5847548"/>
-            <a:ext cx="4991100" cy="495300"/>
-          </a:xfrm>
-          <a:prstGeom prst="rect">
-            <a:avLst/>
-          </a:prstGeom>
-        </p:spPr>
-      </p:pic>
-      <p:sp>
-        <p:nvSpPr>
-          <p:cNvPr id="18" name="직사각형 17">
-            <a:extLst>
-              <a:ext uri="{FF2B5EF4-FFF2-40B4-BE49-F238E27FC236}">
-                <a16:creationId xmlns:a16="http://schemas.microsoft.com/office/drawing/2014/main" id="{7A7C13F8-E736-47C7-A7E6-B9BF2CB910BA}"/>
-              </a:ext>
-            </a:extLst>
-          </p:cNvPr>
-          <p:cNvSpPr/>
-          <p:nvPr/>
-        </p:nvSpPr>
-        <p:spPr>
-          <a:xfrm>
-            <a:off x="3465095" y="5775158"/>
-            <a:ext cx="5114617" cy="567690"/>
-          </a:xfrm>
-          <a:prstGeom prst="rect">
-            <a:avLst/>
-          </a:prstGeom>
-          <a:noFill/>
-        </p:spPr>
-        <p:style>
-          <a:lnRef idx="2">
-            <a:schemeClr val="accent1">
-              <a:shade val="50000"/>
-            </a:schemeClr>
-          </a:lnRef>
-          <a:fillRef idx="1">
-            <a:schemeClr val="accent1"/>
-          </a:fillRef>
-          <a:effectRef idx="0">
-            <a:schemeClr val="accent1"/>
-          </a:effectRef>
-          <a:fontRef idx="minor">
-            <a:schemeClr val="lt1"/>
-          </a:fontRef>
-        </p:style>
-        <p:txBody>
-          <a:bodyPr rtlCol="0" anchor="ctr"/>
-          <a:lstStyle/>
-          <a:p>
-            <a:pPr algn="ctr"/>
-            <a:endParaRPr lang="ko-KR" altLang="en-US"/>
-          </a:p>
-        </p:txBody>
-      </p:sp>
     </p:spTree>
     <p:extLst>
       <p:ext uri="{BB962C8B-B14F-4D97-AF65-F5344CB8AC3E}">
-        <p14:creationId xmlns:p14="http://schemas.microsoft.com/office/powerpoint/2010/main" val="2881229147"/>
+        <p14:creationId xmlns:p14="http://schemas.microsoft.com/office/powerpoint/2010/main" val="94299831"/>
       </p:ext>
     </p:extLst>
   </p:cSld>
@@ -8117,7 +8325,7 @@
 </p:sld>
 </file>
 
-<file path=ppt/slides/slide4.xml><?xml version="1.0" encoding="utf-8"?>
+<file path=ppt/slides/slide14.xml><?xml version="1.0" encoding="utf-8"?>
 <p:sld xmlns:a="http://schemas.openxmlformats.org/drawingml/2006/main" xmlns:r="http://schemas.openxmlformats.org/officeDocument/2006/relationships" xmlns:p="http://schemas.openxmlformats.org/presentationml/2006/main">
   <p:cSld>
     <p:spTree>
@@ -8486,7 +8694,100 @@
       </p:sp>
       <p:sp>
         <p:nvSpPr>
-          <p:cNvPr id="11" name="TextBox 10"/>
+          <p:cNvPr id="14" name="TextBox 13">
+            <a:extLst>
+              <a:ext uri="{FF2B5EF4-FFF2-40B4-BE49-F238E27FC236}">
+                <a16:creationId xmlns:a16="http://schemas.microsoft.com/office/drawing/2014/main" id="{876DB399-8879-4421-8CA8-FD74AEBD157F}"/>
+              </a:ext>
+            </a:extLst>
+          </p:cNvPr>
+          <p:cNvSpPr txBox="1"/>
+          <p:nvPr/>
+        </p:nvSpPr>
+        <p:spPr>
+          <a:xfrm>
+            <a:off x="863243" y="579876"/>
+            <a:ext cx="10191580" cy="1060290"/>
+          </a:xfrm>
+          <a:prstGeom prst="rect">
+            <a:avLst/>
+          </a:prstGeom>
+          <a:noFill/>
+        </p:spPr>
+        <p:txBody>
+          <a:bodyPr wrap="square">
+            <a:spAutoFit/>
+          </a:bodyPr>
+          <a:lstStyle/>
+          <a:p>
+            <a:pPr>
+              <a:lnSpc>
+                <a:spcPct val="150000"/>
+              </a:lnSpc>
+            </a:pPr>
+            <a:r>
+              <a:rPr lang="en-US" altLang="ko-KR" sz="2400" b="1" dirty="0">
+                <a:ln>
+                  <a:solidFill>
+                    <a:schemeClr val="tx1">
+                      <a:lumMod val="85000"/>
+                      <a:lumOff val="15000"/>
+                      <a:alpha val="0"/>
+                    </a:schemeClr>
+                  </a:solidFill>
+                </a:ln>
+                <a:solidFill>
+                  <a:schemeClr val="tx1">
+                    <a:lumMod val="85000"/>
+                    <a:lumOff val="15000"/>
+                  </a:schemeClr>
+                </a:solidFill>
+                <a:latin typeface="12롯데마트드림Medium"/>
+                <a:ea typeface="-윤고딕340" panose="02030504000101010101" pitchFamily="18" charset="-127"/>
+              </a:rPr>
+              <a:t>01 Documentation</a:t>
+            </a:r>
+          </a:p>
+          <a:p>
+            <a:pPr>
+              <a:lnSpc>
+                <a:spcPct val="150000"/>
+              </a:lnSpc>
+            </a:pPr>
+            <a:r>
+              <a:rPr lang="en-US" altLang="ko-KR" sz="2000" dirty="0">
+                <a:ln>
+                  <a:solidFill>
+                    <a:schemeClr val="tx1">
+                      <a:lumMod val="85000"/>
+                      <a:lumOff val="15000"/>
+                      <a:alpha val="0"/>
+                    </a:schemeClr>
+                  </a:solidFill>
+                </a:ln>
+                <a:solidFill>
+                  <a:schemeClr val="tx1">
+                    <a:lumMod val="85000"/>
+                    <a:lumOff val="15000"/>
+                  </a:schemeClr>
+                </a:solidFill>
+                <a:latin typeface="12롯데마트드림Medium"/>
+                <a:ea typeface="-윤고딕340" panose="02030504000101010101" pitchFamily="18" charset="-127"/>
+              </a:rPr>
+              <a:t>     </a:t>
+            </a:r>
+          </a:p>
+        </p:txBody>
+      </p:sp>
+      <p:sp>
+        <p:nvSpPr>
+          <p:cNvPr id="15" name="TextBox 14">
+            <a:extLst>
+              <a:ext uri="{FF2B5EF4-FFF2-40B4-BE49-F238E27FC236}">
+                <a16:creationId xmlns:a16="http://schemas.microsoft.com/office/drawing/2014/main" id="{3A58A65E-A385-4994-9CDF-412BC3F9CC14}"/>
+              </a:ext>
+            </a:extLst>
+          </p:cNvPr>
           <p:cNvSpPr txBox="1"/>
           <p:nvPr/>
         </p:nvSpPr>
@@ -8526,7 +8827,7 @@
                 <a:latin typeface="-윤고딕340" pitchFamily="18" charset="-127"/>
                 <a:ea typeface="-윤고딕340" pitchFamily="18" charset="-127"/>
               </a:rPr>
-              <a:t>01. </a:t>
+              <a:t>03. </a:t>
             </a:r>
             <a:r>
               <a:rPr lang="en-US" altLang="ko-KR" sz="1400" dirty="0">
@@ -8548,7 +8849,7 @@
                 <a:latin typeface="-윤고딕340" panose="02030504000101010101" pitchFamily="18" charset="-127"/>
                 <a:ea typeface="-윤고딕340" panose="02030504000101010101" pitchFamily="18" charset="-127"/>
               </a:rPr>
-              <a:t>Structure </a:t>
+              <a:t>Update</a:t>
             </a:r>
             <a:endParaRPr lang="ko-KR" altLang="en-US" sz="1400" dirty="0">
               <a:ln>
@@ -8574,10 +8875,10 @@
       </p:sp>
       <p:pic>
         <p:nvPicPr>
-          <p:cNvPr id="13" name="그림 12">
+          <p:cNvPr id="12" name="그림 11" descr="텍스트이(가) 표시된 사진&#10;&#10;자동 생성된 설명">
             <a:extLst>
               <a:ext uri="{FF2B5EF4-FFF2-40B4-BE49-F238E27FC236}">
-                <a16:creationId xmlns:a16="http://schemas.microsoft.com/office/drawing/2014/main" id="{67944D39-B4C8-4609-8904-26868D3DA971}"/>
+                <a16:creationId xmlns:a16="http://schemas.microsoft.com/office/drawing/2014/main" id="{50CAACD3-80C6-4F5A-B368-5769587D1001}"/>
               </a:ext>
             </a:extLst>
           </p:cNvPr>
@@ -8594,91 +8895,8 @@
         </p:blipFill>
         <p:spPr>
           <a:xfrm>
-            <a:off x="1671216" y="1326837"/>
-            <a:ext cx="8849568" cy="4339232"/>
-          </a:xfrm>
-          <a:prstGeom prst="rect">
-            <a:avLst/>
-          </a:prstGeom>
-        </p:spPr>
-      </p:pic>
-      <p:sp>
-        <p:nvSpPr>
-          <p:cNvPr id="19" name="TextBox 18">
-            <a:extLst>
-              <a:ext uri="{FF2B5EF4-FFF2-40B4-BE49-F238E27FC236}">
-                <a16:creationId xmlns:a16="http://schemas.microsoft.com/office/drawing/2014/main" id="{CF9BDAAF-F054-4CD3-84B4-8A6A5049C109}"/>
-              </a:ext>
-            </a:extLst>
-          </p:cNvPr>
-          <p:cNvSpPr txBox="1"/>
-          <p:nvPr/>
-        </p:nvSpPr>
-        <p:spPr>
-          <a:xfrm>
-            <a:off x="899962" y="807017"/>
-            <a:ext cx="6266046" cy="369332"/>
-          </a:xfrm>
-          <a:prstGeom prst="rect">
-            <a:avLst/>
-          </a:prstGeom>
-          <a:noFill/>
-        </p:spPr>
-        <p:txBody>
-          <a:bodyPr wrap="square">
-            <a:spAutoFit/>
-          </a:bodyPr>
-          <a:lstStyle/>
-          <a:p>
-            <a:r>
-              <a:rPr lang="en-US" altLang="ko-KR" sz="1800" b="1" dirty="0">
-                <a:ln>
-                  <a:solidFill>
-                    <a:schemeClr val="tx1">
-                      <a:lumMod val="85000"/>
-                      <a:lumOff val="15000"/>
-                      <a:alpha val="0"/>
-                    </a:schemeClr>
-                  </a:solidFill>
-                </a:ln>
-                <a:solidFill>
-                  <a:schemeClr val="tx1">
-                    <a:lumMod val="85000"/>
-                    <a:lumOff val="15000"/>
-                  </a:schemeClr>
-                </a:solidFill>
-                <a:latin typeface="12롯데마트드림Medium"/>
-                <a:ea typeface="-윤고딕340" panose="02030504000101010101" pitchFamily="18" charset="-127"/>
-              </a:rPr>
-              <a:t>01 sp.mix.1D</a:t>
-            </a:r>
-          </a:p>
-        </p:txBody>
-      </p:sp>
-      <p:pic>
-        <p:nvPicPr>
-          <p:cNvPr id="20" name="그림 19">
-            <a:extLst>
-              <a:ext uri="{FF2B5EF4-FFF2-40B4-BE49-F238E27FC236}">
-                <a16:creationId xmlns:a16="http://schemas.microsoft.com/office/drawing/2014/main" id="{E4F591BC-6660-4407-9672-D318BF15F6B5}"/>
-              </a:ext>
-            </a:extLst>
-          </p:cNvPr>
-          <p:cNvPicPr>
-            <a:picLocks noChangeAspect="1"/>
-          </p:cNvPicPr>
-          <p:nvPr/>
-        </p:nvPicPr>
-        <p:blipFill>
-          <a:blip r:embed="rId4"/>
-          <a:stretch>
-            <a:fillRect/>
-          </a:stretch>
-        </p:blipFill>
-        <p:spPr>
-          <a:xfrm>
-            <a:off x="2532379" y="5977639"/>
-            <a:ext cx="6734175" cy="523875"/>
+            <a:off x="2025029" y="1241658"/>
+            <a:ext cx="8118266" cy="5462337"/>
           </a:xfrm>
           <a:prstGeom prst="rect">
             <a:avLst/>
@@ -8688,7 +8906,7 @@
     </p:spTree>
     <p:extLst>
       <p:ext uri="{BB962C8B-B14F-4D97-AF65-F5344CB8AC3E}">
-        <p14:creationId xmlns:p14="http://schemas.microsoft.com/office/powerpoint/2010/main" val="1499886456"/>
+        <p14:creationId xmlns:p14="http://schemas.microsoft.com/office/powerpoint/2010/main" val="1257723866"/>
       </p:ext>
     </p:extLst>
   </p:cSld>
@@ -8710,7 +8928,7 @@
 </p:sld>
 </file>
 
-<file path=ppt/slides/slide5.xml><?xml version="1.0" encoding="utf-8"?>
+<file path=ppt/slides/slide15.xml><?xml version="1.0" encoding="utf-8"?>
 <p:sld xmlns:a="http://schemas.openxmlformats.org/drawingml/2006/main" xmlns:r="http://schemas.openxmlformats.org/officeDocument/2006/relationships" xmlns:p="http://schemas.openxmlformats.org/presentationml/2006/main">
   <p:cSld>
     <p:spTree>
@@ -9079,7 +9297,100 @@
       </p:sp>
       <p:sp>
         <p:nvSpPr>
-          <p:cNvPr id="11" name="TextBox 10"/>
+          <p:cNvPr id="14" name="TextBox 13">
+            <a:extLst>
+              <a:ext uri="{FF2B5EF4-FFF2-40B4-BE49-F238E27FC236}">
+                <a16:creationId xmlns:a16="http://schemas.microsoft.com/office/drawing/2014/main" id="{876DB399-8879-4421-8CA8-FD74AEBD157F}"/>
+              </a:ext>
+            </a:extLst>
+          </p:cNvPr>
+          <p:cNvSpPr txBox="1"/>
+          <p:nvPr/>
+        </p:nvSpPr>
+        <p:spPr>
+          <a:xfrm>
+            <a:off x="863243" y="579876"/>
+            <a:ext cx="10191580" cy="1060290"/>
+          </a:xfrm>
+          <a:prstGeom prst="rect">
+            <a:avLst/>
+          </a:prstGeom>
+          <a:noFill/>
+        </p:spPr>
+        <p:txBody>
+          <a:bodyPr wrap="square">
+            <a:spAutoFit/>
+          </a:bodyPr>
+          <a:lstStyle/>
+          <a:p>
+            <a:pPr>
+              <a:lnSpc>
+                <a:spcPct val="150000"/>
+              </a:lnSpc>
+            </a:pPr>
+            <a:r>
+              <a:rPr lang="en-US" altLang="ko-KR" sz="2400" b="1" dirty="0">
+                <a:ln>
+                  <a:solidFill>
+                    <a:schemeClr val="tx1">
+                      <a:lumMod val="85000"/>
+                      <a:lumOff val="15000"/>
+                      <a:alpha val="0"/>
+                    </a:schemeClr>
+                  </a:solidFill>
+                </a:ln>
+                <a:solidFill>
+                  <a:schemeClr val="tx1">
+                    <a:lumMod val="85000"/>
+                    <a:lumOff val="15000"/>
+                  </a:schemeClr>
+                </a:solidFill>
+                <a:latin typeface="12롯데마트드림Medium"/>
+                <a:ea typeface="-윤고딕340" panose="02030504000101010101" pitchFamily="18" charset="-127"/>
+              </a:rPr>
+              <a:t>01 Documentation</a:t>
+            </a:r>
+          </a:p>
+          <a:p>
+            <a:pPr>
+              <a:lnSpc>
+                <a:spcPct val="150000"/>
+              </a:lnSpc>
+            </a:pPr>
+            <a:r>
+              <a:rPr lang="en-US" altLang="ko-KR" sz="2000" dirty="0">
+                <a:ln>
+                  <a:solidFill>
+                    <a:schemeClr val="tx1">
+                      <a:lumMod val="85000"/>
+                      <a:lumOff val="15000"/>
+                      <a:alpha val="0"/>
+                    </a:schemeClr>
+                  </a:solidFill>
+                </a:ln>
+                <a:solidFill>
+                  <a:schemeClr val="tx1">
+                    <a:lumMod val="85000"/>
+                    <a:lumOff val="15000"/>
+                  </a:schemeClr>
+                </a:solidFill>
+                <a:latin typeface="12롯데마트드림Medium"/>
+                <a:ea typeface="-윤고딕340" panose="02030504000101010101" pitchFamily="18" charset="-127"/>
+              </a:rPr>
+              <a:t>     </a:t>
+            </a:r>
+          </a:p>
+        </p:txBody>
+      </p:sp>
+      <p:sp>
+        <p:nvSpPr>
+          <p:cNvPr id="15" name="TextBox 14">
+            <a:extLst>
+              <a:ext uri="{FF2B5EF4-FFF2-40B4-BE49-F238E27FC236}">
+                <a16:creationId xmlns:a16="http://schemas.microsoft.com/office/drawing/2014/main" id="{3A58A65E-A385-4994-9CDF-412BC3F9CC14}"/>
+              </a:ext>
+            </a:extLst>
+          </p:cNvPr>
           <p:cNvSpPr txBox="1"/>
           <p:nvPr/>
         </p:nvSpPr>
@@ -9119,7 +9430,7 @@
                 <a:latin typeface="-윤고딕340" pitchFamily="18" charset="-127"/>
                 <a:ea typeface="-윤고딕340" pitchFamily="18" charset="-127"/>
               </a:rPr>
-              <a:t>01. </a:t>
+              <a:t>03. </a:t>
             </a:r>
             <a:r>
               <a:rPr lang="en-US" altLang="ko-KR" sz="1400" dirty="0">
@@ -9141,7 +9452,7 @@
                 <a:latin typeface="-윤고딕340" panose="02030504000101010101" pitchFamily="18" charset="-127"/>
                 <a:ea typeface="-윤고딕340" panose="02030504000101010101" pitchFamily="18" charset="-127"/>
               </a:rPr>
-              <a:t>Structure </a:t>
+              <a:t>Update</a:t>
             </a:r>
             <a:endParaRPr lang="ko-KR" altLang="en-US" sz="1400" dirty="0">
               <a:ln>
@@ -9167,10 +9478,10 @@
       </p:sp>
       <p:pic>
         <p:nvPicPr>
-          <p:cNvPr id="12" name="그림 11">
+          <p:cNvPr id="11" name="그림 10" descr="텍스트이(가) 표시된 사진&#10;&#10;자동 생성된 설명">
             <a:extLst>
               <a:ext uri="{FF2B5EF4-FFF2-40B4-BE49-F238E27FC236}">
-                <a16:creationId xmlns:a16="http://schemas.microsoft.com/office/drawing/2014/main" id="{DA85A162-C69C-422C-BA77-3744704D26DD}"/>
+                <a16:creationId xmlns:a16="http://schemas.microsoft.com/office/drawing/2014/main" id="{D058D944-09B2-4FC1-87EE-3F7BE14FEDCC}"/>
               </a:ext>
             </a:extLst>
           </p:cNvPr>
@@ -9187,132 +9498,8 @@
         </p:blipFill>
         <p:spPr>
           <a:xfrm>
-            <a:off x="1405276" y="1388444"/>
-            <a:ext cx="9381447" cy="4081112"/>
-          </a:xfrm>
-          <a:prstGeom prst="rect">
-            <a:avLst/>
-          </a:prstGeom>
-        </p:spPr>
-      </p:pic>
-      <p:sp>
-        <p:nvSpPr>
-          <p:cNvPr id="14" name="TextBox 13">
-            <a:extLst>
-              <a:ext uri="{FF2B5EF4-FFF2-40B4-BE49-F238E27FC236}">
-                <a16:creationId xmlns:a16="http://schemas.microsoft.com/office/drawing/2014/main" id="{876DB399-8879-4421-8CA8-FD74AEBD157F}"/>
-              </a:ext>
-            </a:extLst>
-          </p:cNvPr>
-          <p:cNvSpPr txBox="1"/>
-          <p:nvPr/>
-        </p:nvSpPr>
-        <p:spPr>
-          <a:xfrm>
-            <a:off x="992976" y="752532"/>
-            <a:ext cx="6266046" cy="369332"/>
-          </a:xfrm>
-          <a:prstGeom prst="rect">
-            <a:avLst/>
-          </a:prstGeom>
-          <a:noFill/>
-        </p:spPr>
-        <p:txBody>
-          <a:bodyPr wrap="square">
-            <a:spAutoFit/>
-          </a:bodyPr>
-          <a:lstStyle/>
-          <a:p>
-            <a:r>
-              <a:rPr lang="en-US" altLang="ko-KR" sz="1800" b="1" dirty="0">
-                <a:ln>
-                  <a:solidFill>
-                    <a:schemeClr val="tx1">
-                      <a:lumMod val="85000"/>
-                      <a:lumOff val="15000"/>
-                      <a:alpha val="0"/>
-                    </a:schemeClr>
-                  </a:solidFill>
-                </a:ln>
-                <a:solidFill>
-                  <a:schemeClr val="tx1">
-                    <a:lumMod val="85000"/>
-                    <a:lumOff val="15000"/>
-                  </a:schemeClr>
-                </a:solidFill>
-                <a:latin typeface="12롯데마트드림Medium"/>
-                <a:ea typeface="-윤고딕340" panose="02030504000101010101" pitchFamily="18" charset="-127"/>
-              </a:rPr>
-              <a:t>02 </a:t>
-            </a:r>
-            <a:r>
-              <a:rPr lang="en-US" altLang="ko-KR" sz="1800" b="1" dirty="0" err="1">
-                <a:ln>
-                  <a:solidFill>
-                    <a:schemeClr val="tx1">
-                      <a:lumMod val="85000"/>
-                      <a:lumOff val="15000"/>
-                      <a:alpha val="0"/>
-                    </a:schemeClr>
-                  </a:solidFill>
-                </a:ln>
-                <a:solidFill>
-                  <a:schemeClr val="tx1">
-                    <a:lumMod val="85000"/>
-                    <a:lumOff val="15000"/>
-                  </a:schemeClr>
-                </a:solidFill>
-                <a:latin typeface="12롯데마트드림Medium"/>
-                <a:ea typeface="-윤고딕340" panose="02030504000101010101" pitchFamily="18" charset="-127"/>
-              </a:rPr>
-              <a:t>sp.mix.multi</a:t>
-            </a:r>
-            <a:endParaRPr lang="en-US" altLang="ko-KR" sz="1800" b="1" dirty="0">
-              <a:ln>
-                <a:solidFill>
-                  <a:schemeClr val="tx1">
-                    <a:lumMod val="85000"/>
-                    <a:lumOff val="15000"/>
-                    <a:alpha val="0"/>
-                  </a:schemeClr>
-                </a:solidFill>
-              </a:ln>
-              <a:solidFill>
-                <a:schemeClr val="tx1">
-                  <a:lumMod val="85000"/>
-                  <a:lumOff val="15000"/>
-                </a:schemeClr>
-              </a:solidFill>
-              <a:latin typeface="12롯데마트드림Medium"/>
-              <a:ea typeface="-윤고딕340" panose="02030504000101010101" pitchFamily="18" charset="-127"/>
-            </a:endParaRPr>
-          </a:p>
-        </p:txBody>
-      </p:sp>
-      <p:pic>
-        <p:nvPicPr>
-          <p:cNvPr id="16" name="그림 15">
-            <a:extLst>
-              <a:ext uri="{FF2B5EF4-FFF2-40B4-BE49-F238E27FC236}">
-                <a16:creationId xmlns:a16="http://schemas.microsoft.com/office/drawing/2014/main" id="{F97D2C03-C58B-475D-B8D9-67F5E904AFDF}"/>
-              </a:ext>
-            </a:extLst>
-          </p:cNvPr>
-          <p:cNvPicPr>
-            <a:picLocks noChangeAspect="1"/>
-          </p:cNvPicPr>
-          <p:nvPr/>
-        </p:nvPicPr>
-        <p:blipFill>
-          <a:blip r:embed="rId4"/>
-          <a:stretch>
-            <a:fillRect/>
-          </a:stretch>
-        </p:blipFill>
-        <p:spPr>
-          <a:xfrm>
-            <a:off x="1716907" y="5736136"/>
-            <a:ext cx="7391400" cy="733425"/>
+            <a:off x="1595763" y="1382007"/>
+            <a:ext cx="9000473" cy="4985756"/>
           </a:xfrm>
           <a:prstGeom prst="rect">
             <a:avLst/>
@@ -9322,20 +9509,20 @@
     </p:spTree>
     <p:extLst>
       <p:ext uri="{BB962C8B-B14F-4D97-AF65-F5344CB8AC3E}">
-        <p14:creationId xmlns:p14="http://schemas.microsoft.com/office/powerpoint/2010/main" val="499161204"/>
+        <p14:creationId xmlns:p14="http://schemas.microsoft.com/office/powerpoint/2010/main" val="785733556"/>
       </p:ext>
     </p:extLst>
   </p:cSld>
   <p:clrMapOvr>
     <a:masterClrMapping/>
   </p:clrMapOvr>
-  <mc:AlternateContent xmlns:mc="http://schemas.openxmlformats.org/markup-compatibility/2006">
-    <mc:Choice xmlns:p14="http://schemas.microsoft.com/office/powerpoint/2010/main" Requires="p14">
+  <mc:AlternateContent xmlns:mc="http://schemas.openxmlformats.org/markup-compatibility/2006" xmlns:p14="http://schemas.microsoft.com/office/powerpoint/2010/main">
+    <mc:Choice Requires="p14">
       <p:transition spd="med" p14:dur="700">
         <p:fade/>
       </p:transition>
     </mc:Choice>
-    <mc:Fallback>
+    <mc:Fallback xmlns="">
       <p:transition spd="med">
         <p:fade/>
       </p:transition>
@@ -9344,7 +9531,7 @@
 </p:sld>
 </file>
 
-<file path=ppt/slides/slide6.xml><?xml version="1.0" encoding="utf-8"?>
+<file path=ppt/slides/slide16.xml><?xml version="1.0" encoding="utf-8"?>
 <p:sld xmlns:a="http://schemas.openxmlformats.org/drawingml/2006/main" xmlns:r="http://schemas.openxmlformats.org/officeDocument/2006/relationships" xmlns:p="http://schemas.openxmlformats.org/presentationml/2006/main">
   <p:cSld>
     <p:spTree>
@@ -9713,7 +9900,100 @@
       </p:sp>
       <p:sp>
         <p:nvSpPr>
-          <p:cNvPr id="11" name="TextBox 10"/>
+          <p:cNvPr id="14" name="TextBox 13">
+            <a:extLst>
+              <a:ext uri="{FF2B5EF4-FFF2-40B4-BE49-F238E27FC236}">
+                <a16:creationId xmlns:a16="http://schemas.microsoft.com/office/drawing/2014/main" id="{876DB399-8879-4421-8CA8-FD74AEBD157F}"/>
+              </a:ext>
+            </a:extLst>
+          </p:cNvPr>
+          <p:cNvSpPr txBox="1"/>
+          <p:nvPr/>
+        </p:nvSpPr>
+        <p:spPr>
+          <a:xfrm>
+            <a:off x="863243" y="579876"/>
+            <a:ext cx="10191580" cy="1060290"/>
+          </a:xfrm>
+          <a:prstGeom prst="rect">
+            <a:avLst/>
+          </a:prstGeom>
+          <a:noFill/>
+        </p:spPr>
+        <p:txBody>
+          <a:bodyPr wrap="square">
+            <a:spAutoFit/>
+          </a:bodyPr>
+          <a:lstStyle/>
+          <a:p>
+            <a:pPr>
+              <a:lnSpc>
+                <a:spcPct val="150000"/>
+              </a:lnSpc>
+            </a:pPr>
+            <a:r>
+              <a:rPr lang="en-US" altLang="ko-KR" sz="2400" b="1" dirty="0">
+                <a:ln>
+                  <a:solidFill>
+                    <a:schemeClr val="tx1">
+                      <a:lumMod val="85000"/>
+                      <a:lumOff val="15000"/>
+                      <a:alpha val="0"/>
+                    </a:schemeClr>
+                  </a:solidFill>
+                </a:ln>
+                <a:solidFill>
+                  <a:schemeClr val="tx1">
+                    <a:lumMod val="85000"/>
+                    <a:lumOff val="15000"/>
+                  </a:schemeClr>
+                </a:solidFill>
+                <a:latin typeface="12롯데마트드림Medium"/>
+                <a:ea typeface="-윤고딕340" panose="02030504000101010101" pitchFamily="18" charset="-127"/>
+              </a:rPr>
+              <a:t>01 Documentation</a:t>
+            </a:r>
+          </a:p>
+          <a:p>
+            <a:pPr>
+              <a:lnSpc>
+                <a:spcPct val="150000"/>
+              </a:lnSpc>
+            </a:pPr>
+            <a:r>
+              <a:rPr lang="en-US" altLang="ko-KR" sz="2000" dirty="0">
+                <a:ln>
+                  <a:solidFill>
+                    <a:schemeClr val="tx1">
+                      <a:lumMod val="85000"/>
+                      <a:lumOff val="15000"/>
+                      <a:alpha val="0"/>
+                    </a:schemeClr>
+                  </a:solidFill>
+                </a:ln>
+                <a:solidFill>
+                  <a:schemeClr val="tx1">
+                    <a:lumMod val="85000"/>
+                    <a:lumOff val="15000"/>
+                  </a:schemeClr>
+                </a:solidFill>
+                <a:latin typeface="12롯데마트드림Medium"/>
+                <a:ea typeface="-윤고딕340" panose="02030504000101010101" pitchFamily="18" charset="-127"/>
+              </a:rPr>
+              <a:t>     </a:t>
+            </a:r>
+          </a:p>
+        </p:txBody>
+      </p:sp>
+      <p:sp>
+        <p:nvSpPr>
+          <p:cNvPr id="15" name="TextBox 14">
+            <a:extLst>
+              <a:ext uri="{FF2B5EF4-FFF2-40B4-BE49-F238E27FC236}">
+                <a16:creationId xmlns:a16="http://schemas.microsoft.com/office/drawing/2014/main" id="{3A58A65E-A385-4994-9CDF-412BC3F9CC14}"/>
+              </a:ext>
+            </a:extLst>
+          </p:cNvPr>
           <p:cNvSpPr txBox="1"/>
           <p:nvPr/>
         </p:nvSpPr>
@@ -9753,7 +10033,7 @@
                 <a:latin typeface="-윤고딕340" pitchFamily="18" charset="-127"/>
                 <a:ea typeface="-윤고딕340" pitchFamily="18" charset="-127"/>
               </a:rPr>
-              <a:t>01. </a:t>
+              <a:t>03. </a:t>
             </a:r>
             <a:r>
               <a:rPr lang="en-US" altLang="ko-KR" sz="1400" dirty="0">
@@ -9775,7 +10055,7 @@
                 <a:latin typeface="-윤고딕340" panose="02030504000101010101" pitchFamily="18" charset="-127"/>
                 <a:ea typeface="-윤고딕340" panose="02030504000101010101" pitchFamily="18" charset="-127"/>
               </a:rPr>
-              <a:t>Test Case</a:t>
+              <a:t>Update</a:t>
             </a:r>
             <a:endParaRPr lang="ko-KR" altLang="en-US" sz="1400" dirty="0">
               <a:ln>
@@ -9799,89 +10079,12 @@
           </a:p>
         </p:txBody>
       </p:sp>
-      <p:sp>
-        <p:nvSpPr>
-          <p:cNvPr id="14" name="TextBox 13">
+      <p:pic>
+        <p:nvPicPr>
+          <p:cNvPr id="16" name="그림 15" descr="텍스트이(가) 표시된 사진&#10;&#10;자동 생성된 설명">
             <a:extLst>
               <a:ext uri="{FF2B5EF4-FFF2-40B4-BE49-F238E27FC236}">
-                <a16:creationId xmlns:a16="http://schemas.microsoft.com/office/drawing/2014/main" id="{876DB399-8879-4421-8CA8-FD74AEBD157F}"/>
-              </a:ext>
-            </a:extLst>
-          </p:cNvPr>
-          <p:cNvSpPr txBox="1"/>
-          <p:nvPr/>
-        </p:nvSpPr>
-        <p:spPr>
-          <a:xfrm>
-            <a:off x="992976" y="800657"/>
-            <a:ext cx="10191580" cy="769441"/>
-          </a:xfrm>
-          <a:prstGeom prst="rect">
-            <a:avLst/>
-          </a:prstGeom>
-          <a:noFill/>
-        </p:spPr>
-        <p:txBody>
-          <a:bodyPr wrap="square">
-            <a:spAutoFit/>
-          </a:bodyPr>
-          <a:lstStyle/>
-          <a:p>
-            <a:r>
-              <a:rPr lang="en-US" altLang="ko-KR" sz="2400" b="1" dirty="0">
-                <a:ln>
-                  <a:solidFill>
-                    <a:schemeClr val="tx1">
-                      <a:lumMod val="85000"/>
-                      <a:lumOff val="15000"/>
-                      <a:alpha val="0"/>
-                    </a:schemeClr>
-                  </a:solidFill>
-                </a:ln>
-                <a:solidFill>
-                  <a:schemeClr val="tx1">
-                    <a:lumMod val="85000"/>
-                    <a:lumOff val="15000"/>
-                  </a:schemeClr>
-                </a:solidFill>
-                <a:latin typeface="12롯데마트드림Medium"/>
-                <a:ea typeface="-윤고딕340" panose="02030504000101010101" pitchFamily="18" charset="-127"/>
-              </a:rPr>
-              <a:t>01 Carina</a:t>
-            </a:r>
-          </a:p>
-          <a:p>
-            <a:r>
-              <a:rPr lang="en-US" altLang="ko-KR" sz="2000" dirty="0">
-                <a:ln>
-                  <a:solidFill>
-                    <a:schemeClr val="tx1">
-                      <a:lumMod val="85000"/>
-                      <a:lumOff val="15000"/>
-                      <a:alpha val="0"/>
-                    </a:schemeClr>
-                  </a:solidFill>
-                </a:ln>
-                <a:solidFill>
-                  <a:schemeClr val="tx1">
-                    <a:lumMod val="85000"/>
-                    <a:lumOff val="15000"/>
-                  </a:schemeClr>
-                </a:solidFill>
-                <a:latin typeface="12롯데마트드림Medium"/>
-                <a:ea typeface="-윤고딕340" panose="02030504000101010101" pitchFamily="18" charset="-127"/>
-              </a:rPr>
-              <a:t>     : represents the Radial velocity data of stars in the Carina galaxy </a:t>
-            </a:r>
-          </a:p>
-        </p:txBody>
-      </p:sp>
-      <p:pic>
-        <p:nvPicPr>
-          <p:cNvPr id="13" name="그림 12">
-            <a:extLst>
-              <a:ext uri="{FF2B5EF4-FFF2-40B4-BE49-F238E27FC236}">
-                <a16:creationId xmlns:a16="http://schemas.microsoft.com/office/drawing/2014/main" id="{5E81720D-51BB-432C-8CB4-0BC4C91ECDDE}"/>
+                <a16:creationId xmlns:a16="http://schemas.microsoft.com/office/drawing/2014/main" id="{D647BF76-6F62-47D8-8C1F-9D4AC23D304B}"/>
               </a:ext>
             </a:extLst>
           </p:cNvPr>
@@ -9898,38 +10101,8 @@
         </p:blipFill>
         <p:spPr>
           <a:xfrm>
-            <a:off x="992976" y="1796615"/>
-            <a:ext cx="5566610" cy="2348414"/>
-          </a:xfrm>
-          <a:prstGeom prst="rect">
-            <a:avLst/>
-          </a:prstGeom>
-        </p:spPr>
-      </p:pic>
-      <p:pic>
-        <p:nvPicPr>
-          <p:cNvPr id="17" name="그림 16">
-            <a:extLst>
-              <a:ext uri="{FF2B5EF4-FFF2-40B4-BE49-F238E27FC236}">
-                <a16:creationId xmlns:a16="http://schemas.microsoft.com/office/drawing/2014/main" id="{A57E91FB-1118-4131-AAB5-2C3A39D56118}"/>
-              </a:ext>
-            </a:extLst>
-          </p:cNvPr>
-          <p:cNvPicPr>
-            <a:picLocks noChangeAspect="1"/>
-          </p:cNvPicPr>
-          <p:nvPr/>
-        </p:nvPicPr>
-        <p:blipFill>
-          <a:blip r:embed="rId4"/>
-          <a:stretch>
-            <a:fillRect/>
-          </a:stretch>
-        </p:blipFill>
-        <p:spPr>
-          <a:xfrm>
-            <a:off x="6631806" y="2970821"/>
-            <a:ext cx="5223302" cy="3421135"/>
+            <a:off x="1625584" y="1401555"/>
+            <a:ext cx="8917155" cy="4876569"/>
           </a:xfrm>
           <a:prstGeom prst="rect">
             <a:avLst/>
@@ -9939,20 +10112,20 @@
     </p:spTree>
     <p:extLst>
       <p:ext uri="{BB962C8B-B14F-4D97-AF65-F5344CB8AC3E}">
-        <p14:creationId xmlns:p14="http://schemas.microsoft.com/office/powerpoint/2010/main" val="274716274"/>
+        <p14:creationId xmlns:p14="http://schemas.microsoft.com/office/powerpoint/2010/main" val="3257620196"/>
       </p:ext>
     </p:extLst>
   </p:cSld>
   <p:clrMapOvr>
     <a:masterClrMapping/>
   </p:clrMapOvr>
-  <mc:AlternateContent xmlns:mc="http://schemas.openxmlformats.org/markup-compatibility/2006">
-    <mc:Choice xmlns:p14="http://schemas.microsoft.com/office/powerpoint/2010/main" Requires="p14">
+  <mc:AlternateContent xmlns:mc="http://schemas.openxmlformats.org/markup-compatibility/2006" xmlns:p14="http://schemas.microsoft.com/office/powerpoint/2010/main">
+    <mc:Choice Requires="p14">
       <p:transition spd="med" p14:dur="700">
         <p:fade/>
       </p:transition>
     </mc:Choice>
-    <mc:Fallback>
+    <mc:Fallback xmlns="">
       <p:transition spd="med">
         <p:fade/>
       </p:transition>
@@ -9961,7 +10134,7 @@
 </p:sld>
 </file>
 
-<file path=ppt/slides/slide7.xml><?xml version="1.0" encoding="utf-8"?>
+<file path=ppt/slides/slide17.xml><?xml version="1.0" encoding="utf-8"?>
 <p:sld xmlns:a="http://schemas.openxmlformats.org/drawingml/2006/main" xmlns:r="http://schemas.openxmlformats.org/officeDocument/2006/relationships" xmlns:p="http://schemas.openxmlformats.org/presentationml/2006/main">
   <p:cSld>
     <p:spTree>
@@ -10330,7 +10503,325 @@
       </p:sp>
       <p:sp>
         <p:nvSpPr>
-          <p:cNvPr id="11" name="TextBox 10"/>
+          <p:cNvPr id="14" name="TextBox 13">
+            <a:extLst>
+              <a:ext uri="{FF2B5EF4-FFF2-40B4-BE49-F238E27FC236}">
+                <a16:creationId xmlns:a16="http://schemas.microsoft.com/office/drawing/2014/main" id="{876DB399-8879-4421-8CA8-FD74AEBD157F}"/>
+              </a:ext>
+            </a:extLst>
+          </p:cNvPr>
+          <p:cNvSpPr txBox="1"/>
+          <p:nvPr/>
+        </p:nvSpPr>
+        <p:spPr>
+          <a:xfrm>
+            <a:off x="863243" y="579876"/>
+            <a:ext cx="10191580" cy="1983620"/>
+          </a:xfrm>
+          <a:prstGeom prst="rect">
+            <a:avLst/>
+          </a:prstGeom>
+          <a:noFill/>
+        </p:spPr>
+        <p:txBody>
+          <a:bodyPr wrap="square">
+            <a:spAutoFit/>
+          </a:bodyPr>
+          <a:lstStyle/>
+          <a:p>
+            <a:pPr>
+              <a:lnSpc>
+                <a:spcPct val="150000"/>
+              </a:lnSpc>
+            </a:pPr>
+            <a:r>
+              <a:rPr lang="en-US" altLang="ko-KR" sz="2400" b="1" dirty="0">
+                <a:ln>
+                  <a:solidFill>
+                    <a:schemeClr val="tx1">
+                      <a:lumMod val="85000"/>
+                      <a:lumOff val="15000"/>
+                      <a:alpha val="0"/>
+                    </a:schemeClr>
+                  </a:solidFill>
+                </a:ln>
+                <a:solidFill>
+                  <a:schemeClr val="tx1">
+                    <a:lumMod val="85000"/>
+                    <a:lumOff val="15000"/>
+                  </a:schemeClr>
+                </a:solidFill>
+                <a:latin typeface="12롯데마트드림Medium"/>
+                <a:ea typeface="-윤고딕340" panose="02030504000101010101" pitchFamily="18" charset="-127"/>
+              </a:rPr>
+              <a:t>02 Function argument</a:t>
+            </a:r>
+          </a:p>
+          <a:p>
+            <a:pPr>
+              <a:lnSpc>
+                <a:spcPct val="150000"/>
+              </a:lnSpc>
+            </a:pPr>
+            <a:r>
+              <a:rPr lang="en-US" altLang="ko-KR" sz="2000" dirty="0">
+                <a:ln>
+                  <a:solidFill>
+                    <a:schemeClr val="tx1">
+                      <a:lumMod val="85000"/>
+                      <a:lumOff val="15000"/>
+                      <a:alpha val="0"/>
+                    </a:schemeClr>
+                  </a:solidFill>
+                </a:ln>
+                <a:solidFill>
+                  <a:schemeClr val="tx1">
+                    <a:lumMod val="85000"/>
+                    <a:lumOff val="15000"/>
+                  </a:schemeClr>
+                </a:solidFill>
+                <a:latin typeface="12롯데마트드림Medium"/>
+                <a:ea typeface="-윤고딕340" panose="02030504000101010101" pitchFamily="18" charset="-127"/>
+              </a:rPr>
+              <a:t>    </a:t>
+            </a:r>
+            <a:r>
+              <a:rPr lang="en-US" altLang="ko-KR" sz="2000" dirty="0" err="1">
+                <a:ln>
+                  <a:solidFill>
+                    <a:schemeClr val="tx1">
+                      <a:lumMod val="85000"/>
+                      <a:lumOff val="15000"/>
+                      <a:alpha val="0"/>
+                    </a:schemeClr>
+                  </a:solidFill>
+                </a:ln>
+                <a:solidFill>
+                  <a:schemeClr val="tx1">
+                    <a:lumMod val="85000"/>
+                    <a:lumOff val="15000"/>
+                  </a:schemeClr>
+                </a:solidFill>
+                <a:latin typeface="12롯데마트드림Medium"/>
+                <a:ea typeface="-윤고딕340" panose="02030504000101010101" pitchFamily="18" charset="-127"/>
+              </a:rPr>
+              <a:t>thre.LocalFDR</a:t>
+            </a:r>
+            <a:r>
+              <a:rPr lang="en-US" altLang="ko-KR" sz="2000" dirty="0">
+                <a:ln>
+                  <a:solidFill>
+                    <a:schemeClr val="tx1">
+                      <a:lumMod val="85000"/>
+                      <a:lumOff val="15000"/>
+                      <a:alpha val="0"/>
+                    </a:schemeClr>
+                  </a:solidFill>
+                </a:ln>
+                <a:solidFill>
+                  <a:schemeClr val="tx1">
+                    <a:lumMod val="85000"/>
+                    <a:lumOff val="15000"/>
+                  </a:schemeClr>
+                </a:solidFill>
+                <a:latin typeface="12롯데마트드림Medium"/>
+                <a:ea typeface="-윤고딕340" panose="02030504000101010101" pitchFamily="18" charset="-127"/>
+              </a:rPr>
+              <a:t> / </a:t>
+            </a:r>
+            <a:r>
+              <a:rPr lang="en-US" altLang="ko-KR" sz="2000" dirty="0" err="1">
+                <a:ln>
+                  <a:solidFill>
+                    <a:schemeClr val="tx1">
+                      <a:lumMod val="85000"/>
+                      <a:lumOff val="15000"/>
+                      <a:alpha val="0"/>
+                    </a:schemeClr>
+                  </a:solidFill>
+                </a:ln>
+                <a:solidFill>
+                  <a:schemeClr val="tx1">
+                    <a:lumMod val="85000"/>
+                    <a:lumOff val="15000"/>
+                  </a:schemeClr>
+                </a:solidFill>
+                <a:latin typeface="12롯데마트드림Medium"/>
+                <a:ea typeface="-윤고딕340" panose="02030504000101010101" pitchFamily="18" charset="-127"/>
+              </a:rPr>
+              <a:t>thre.z</a:t>
+            </a:r>
+            <a:r>
+              <a:rPr lang="en-US" altLang="ko-KR" sz="2000" dirty="0">
+                <a:ln>
+                  <a:solidFill>
+                    <a:schemeClr val="tx1">
+                      <a:lumMod val="85000"/>
+                      <a:lumOff val="15000"/>
+                      <a:alpha val="0"/>
+                    </a:schemeClr>
+                  </a:solidFill>
+                </a:ln>
+                <a:solidFill>
+                  <a:schemeClr val="tx1">
+                    <a:lumMod val="85000"/>
+                    <a:lumOff val="15000"/>
+                  </a:schemeClr>
+                </a:solidFill>
+                <a:latin typeface="12롯데마트드림Medium"/>
+                <a:ea typeface="-윤고딕340" panose="02030504000101010101" pitchFamily="18" charset="-127"/>
+              </a:rPr>
+              <a:t> / </a:t>
+            </a:r>
+            <a:r>
+              <a:rPr lang="en-US" altLang="ko-KR" sz="2000" dirty="0" err="1">
+                <a:ln>
+                  <a:solidFill>
+                    <a:schemeClr val="tx1">
+                      <a:lumMod val="85000"/>
+                      <a:lumOff val="15000"/>
+                      <a:alpha val="0"/>
+                    </a:schemeClr>
+                  </a:solidFill>
+                </a:ln>
+                <a:solidFill>
+                  <a:schemeClr val="tx1">
+                    <a:lumMod val="85000"/>
+                    <a:lumOff val="15000"/>
+                  </a:schemeClr>
+                </a:solidFill>
+                <a:latin typeface="12롯데마트드림Medium"/>
+                <a:ea typeface="-윤고딕340" panose="02030504000101010101" pitchFamily="18" charset="-127"/>
+              </a:rPr>
+              <a:t>Uthre.gam</a:t>
+            </a:r>
+            <a:r>
+              <a:rPr lang="en-US" altLang="ko-KR" sz="2000" dirty="0">
+                <a:ln>
+                  <a:solidFill>
+                    <a:schemeClr val="tx1">
+                      <a:lumMod val="85000"/>
+                      <a:lumOff val="15000"/>
+                      <a:alpha val="0"/>
+                    </a:schemeClr>
+                  </a:solidFill>
+                </a:ln>
+                <a:solidFill>
+                  <a:schemeClr val="tx1">
+                    <a:lumMod val="85000"/>
+                    <a:lumOff val="15000"/>
+                  </a:schemeClr>
+                </a:solidFill>
+                <a:latin typeface="12롯데마트드림Medium"/>
+                <a:ea typeface="-윤고딕340" panose="02030504000101010101" pitchFamily="18" charset="-127"/>
+              </a:rPr>
+              <a:t> / </a:t>
+            </a:r>
+            <a:r>
+              <a:rPr lang="en-US" altLang="ko-KR" sz="2000" dirty="0" err="1">
+                <a:ln>
+                  <a:solidFill>
+                    <a:schemeClr val="tx1">
+                      <a:lumMod val="85000"/>
+                      <a:lumOff val="15000"/>
+                      <a:alpha val="0"/>
+                    </a:schemeClr>
+                  </a:solidFill>
+                </a:ln>
+                <a:solidFill>
+                  <a:schemeClr val="tx1">
+                    <a:lumMod val="85000"/>
+                    <a:lumOff val="15000"/>
+                  </a:schemeClr>
+                </a:solidFill>
+                <a:latin typeface="12롯데마트드림Medium"/>
+                <a:ea typeface="-윤고딕340" panose="02030504000101010101" pitchFamily="18" charset="-127"/>
+              </a:rPr>
+              <a:t>Lthre.gam</a:t>
+            </a:r>
+            <a:endParaRPr lang="en-US" altLang="ko-KR" sz="2000" dirty="0">
+              <a:ln>
+                <a:solidFill>
+                  <a:schemeClr val="tx1">
+                    <a:lumMod val="85000"/>
+                    <a:lumOff val="15000"/>
+                    <a:alpha val="0"/>
+                  </a:schemeClr>
+                </a:solidFill>
+              </a:ln>
+              <a:solidFill>
+                <a:schemeClr val="tx1">
+                  <a:lumMod val="85000"/>
+                  <a:lumOff val="15000"/>
+                </a:schemeClr>
+              </a:solidFill>
+              <a:latin typeface="12롯데마트드림Medium"/>
+              <a:ea typeface="-윤고딕340" panose="02030504000101010101" pitchFamily="18" charset="-127"/>
+            </a:endParaRPr>
+          </a:p>
+          <a:p>
+            <a:pPr>
+              <a:lnSpc>
+                <a:spcPct val="150000"/>
+              </a:lnSpc>
+            </a:pPr>
+            <a:endParaRPr lang="en-US" altLang="ko-KR" sz="2000" dirty="0">
+              <a:ln>
+                <a:solidFill>
+                  <a:schemeClr val="tx1">
+                    <a:lumMod val="85000"/>
+                    <a:lumOff val="15000"/>
+                    <a:alpha val="0"/>
+                  </a:schemeClr>
+                </a:solidFill>
+              </a:ln>
+              <a:solidFill>
+                <a:schemeClr val="tx1">
+                  <a:lumMod val="85000"/>
+                  <a:lumOff val="15000"/>
+                </a:schemeClr>
+              </a:solidFill>
+              <a:latin typeface="12롯데마트드림Medium"/>
+              <a:ea typeface="-윤고딕340" panose="02030504000101010101" pitchFamily="18" charset="-127"/>
+            </a:endParaRPr>
+          </a:p>
+          <a:p>
+            <a:pPr>
+              <a:lnSpc>
+                <a:spcPct val="150000"/>
+              </a:lnSpc>
+            </a:pPr>
+            <a:endParaRPr lang="en-US" altLang="ko-KR" sz="2000" dirty="0">
+              <a:ln>
+                <a:solidFill>
+                  <a:schemeClr val="tx1">
+                    <a:lumMod val="85000"/>
+                    <a:lumOff val="15000"/>
+                    <a:alpha val="0"/>
+                  </a:schemeClr>
+                </a:solidFill>
+              </a:ln>
+              <a:solidFill>
+                <a:schemeClr val="tx1">
+                  <a:lumMod val="85000"/>
+                  <a:lumOff val="15000"/>
+                </a:schemeClr>
+              </a:solidFill>
+              <a:latin typeface="12롯데마트드림Medium"/>
+              <a:ea typeface="-윤고딕340" panose="02030504000101010101" pitchFamily="18" charset="-127"/>
+            </a:endParaRPr>
+          </a:p>
+        </p:txBody>
+      </p:sp>
+      <p:sp>
+        <p:nvSpPr>
+          <p:cNvPr id="15" name="TextBox 14">
+            <a:extLst>
+              <a:ext uri="{FF2B5EF4-FFF2-40B4-BE49-F238E27FC236}">
+                <a16:creationId xmlns:a16="http://schemas.microsoft.com/office/drawing/2014/main" id="{3A58A65E-A385-4994-9CDF-412BC3F9CC14}"/>
+              </a:ext>
+            </a:extLst>
+          </p:cNvPr>
           <p:cNvSpPr txBox="1"/>
           <p:nvPr/>
         </p:nvSpPr>
@@ -10370,7 +10861,7 @@
                 <a:latin typeface="-윤고딕340" pitchFamily="18" charset="-127"/>
                 <a:ea typeface="-윤고딕340" pitchFamily="18" charset="-127"/>
               </a:rPr>
-              <a:t>01. </a:t>
+              <a:t>03. </a:t>
             </a:r>
             <a:r>
               <a:rPr lang="en-US" altLang="ko-KR" sz="1400" dirty="0">
@@ -10392,7 +10883,7 @@
                 <a:latin typeface="-윤고딕340" panose="02030504000101010101" pitchFamily="18" charset="-127"/>
                 <a:ea typeface="-윤고딕340" panose="02030504000101010101" pitchFamily="18" charset="-127"/>
               </a:rPr>
-              <a:t>Test Case</a:t>
+              <a:t>Update</a:t>
             </a:r>
             <a:endParaRPr lang="ko-KR" altLang="en-US" sz="1400" dirty="0">
               <a:ln>
@@ -10416,99 +10907,70 @@
           </a:p>
         </p:txBody>
       </p:sp>
-      <p:sp>
-        <p:nvSpPr>
-          <p:cNvPr id="14" name="TextBox 13">
+      <p:pic>
+        <p:nvPicPr>
+          <p:cNvPr id="12" name="그림 11" descr="텍스트이(가) 표시된 사진&#10;&#10;자동 생성된 설명">
             <a:extLst>
               <a:ext uri="{FF2B5EF4-FFF2-40B4-BE49-F238E27FC236}">
-                <a16:creationId xmlns:a16="http://schemas.microsoft.com/office/drawing/2014/main" id="{876DB399-8879-4421-8CA8-FD74AEBD157F}"/>
+                <a16:creationId xmlns:a16="http://schemas.microsoft.com/office/drawing/2014/main" id="{23C1C69C-DF0C-4880-9958-A949DAAA4F76}"/>
               </a:ext>
             </a:extLst>
           </p:cNvPr>
-          <p:cNvSpPr txBox="1"/>
+          <p:cNvPicPr>
+            <a:picLocks noChangeAspect="1"/>
+          </p:cNvPicPr>
           <p:nvPr/>
-        </p:nvSpPr>
-        <p:spPr>
-          <a:xfrm>
-            <a:off x="988372" y="752532"/>
-            <a:ext cx="10191580" cy="1060290"/>
+        </p:nvPicPr>
+        <p:blipFill rotWithShape="1">
+          <a:blip r:embed="rId3"/>
+          <a:srcRect t="48535" r="74776"/>
+          <a:stretch/>
+        </p:blipFill>
+        <p:spPr>
+          <a:xfrm>
+            <a:off x="962665" y="1896178"/>
+            <a:ext cx="2225449" cy="2485770"/>
           </a:xfrm>
           <a:prstGeom prst="rect">
             <a:avLst/>
           </a:prstGeom>
-          <a:noFill/>
-        </p:spPr>
-        <p:txBody>
-          <a:bodyPr wrap="square">
-            <a:spAutoFit/>
-          </a:bodyPr>
-          <a:lstStyle/>
-          <a:p>
-            <a:pPr>
-              <a:lnSpc>
-                <a:spcPct val="150000"/>
-              </a:lnSpc>
-            </a:pPr>
-            <a:r>
-              <a:rPr lang="en-US" altLang="ko-KR" sz="2400" b="1" dirty="0">
-                <a:ln>
-                  <a:solidFill>
-                    <a:schemeClr val="tx1">
-                      <a:lumMod val="85000"/>
-                      <a:lumOff val="15000"/>
-                      <a:alpha val="0"/>
-                    </a:schemeClr>
-                  </a:solidFill>
-                </a:ln>
-                <a:solidFill>
-                  <a:schemeClr val="tx1">
-                    <a:lumMod val="85000"/>
-                    <a:lumOff val="15000"/>
-                  </a:schemeClr>
-                </a:solidFill>
-                <a:latin typeface="12롯데마트드림Medium"/>
-                <a:ea typeface="-윤고딕340" panose="02030504000101010101" pitchFamily="18" charset="-127"/>
-              </a:rPr>
-              <a:t>02 Univariate Normal</a:t>
-            </a:r>
-          </a:p>
-          <a:p>
-            <a:pPr>
-              <a:lnSpc>
-                <a:spcPct val="150000"/>
-              </a:lnSpc>
-            </a:pPr>
-            <a:r>
-              <a:rPr lang="en-US" altLang="ko-KR" sz="2000" dirty="0">
-                <a:ln>
-                  <a:solidFill>
-                    <a:schemeClr val="tx1">
-                      <a:lumMod val="85000"/>
-                      <a:lumOff val="15000"/>
-                      <a:alpha val="0"/>
-                    </a:schemeClr>
-                  </a:solidFill>
-                </a:ln>
-                <a:solidFill>
-                  <a:schemeClr val="tx1">
-                    <a:lumMod val="85000"/>
-                    <a:lumOff val="15000"/>
-                  </a:schemeClr>
-                </a:solidFill>
-                <a:latin typeface="12롯데마트드림Medium"/>
-                <a:ea typeface="-윤고딕340" panose="02030504000101010101" pitchFamily="18" charset="-127"/>
-              </a:rPr>
-              <a:t>    : p0=0.95</a:t>
-            </a:r>
-          </a:p>
-        </p:txBody>
-      </p:sp>
+        </p:spPr>
+      </p:pic>
       <p:pic>
         <p:nvPicPr>
-          <p:cNvPr id="16" name="그림 15">
+          <p:cNvPr id="13" name="그림 12" descr="텍스트이(가) 표시된 사진&#10;&#10;자동 생성된 설명">
             <a:extLst>
               <a:ext uri="{FF2B5EF4-FFF2-40B4-BE49-F238E27FC236}">
-                <a16:creationId xmlns:a16="http://schemas.microsoft.com/office/drawing/2014/main" id="{E8CC187B-B198-4B64-BDCD-28EAD5CEA938}"/>
+                <a16:creationId xmlns:a16="http://schemas.microsoft.com/office/drawing/2014/main" id="{EDB4C2F4-943F-4DAB-8683-7B2506977EDC}"/>
+              </a:ext>
+            </a:extLst>
+          </p:cNvPr>
+          <p:cNvPicPr>
+            <a:picLocks noChangeAspect="1"/>
+          </p:cNvPicPr>
+          <p:nvPr/>
+        </p:nvPicPr>
+        <p:blipFill rotWithShape="1">
+          <a:blip r:embed="rId4"/>
+          <a:srcRect t="25539" r="898" b="51171"/>
+          <a:stretch/>
+        </p:blipFill>
+        <p:spPr>
+          <a:xfrm>
+            <a:off x="1540495" y="4812631"/>
+            <a:ext cx="8837076" cy="1135781"/>
+          </a:xfrm>
+          <a:prstGeom prst="rect">
+            <a:avLst/>
+          </a:prstGeom>
+        </p:spPr>
+      </p:pic>
+      <p:pic>
+        <p:nvPicPr>
+          <p:cNvPr id="11" name="그림 10" descr="텍스트이(가) 표시된 사진&#10;&#10;자동 생성된 설명">
+            <a:extLst>
+              <a:ext uri="{FF2B5EF4-FFF2-40B4-BE49-F238E27FC236}">
+                <a16:creationId xmlns:a16="http://schemas.microsoft.com/office/drawing/2014/main" id="{D9C8018B-F2B9-4793-BCEC-A85E235BEEF5}"/>
               </a:ext>
             </a:extLst>
           </p:cNvPr>
@@ -10518,38 +10980,142 @@
           <p:nvPr/>
         </p:nvPicPr>
         <p:blipFill>
-          <a:blip r:embed="rId3"/>
+          <a:blip r:embed="rId5"/>
           <a:stretch>
             <a:fillRect/>
           </a:stretch>
         </p:blipFill>
         <p:spPr>
           <a:xfrm>
-            <a:off x="2323052" y="1812822"/>
-            <a:ext cx="7522219" cy="4799490"/>
+            <a:off x="4148488" y="2112327"/>
+            <a:ext cx="6906335" cy="2053472"/>
           </a:xfrm>
           <a:prstGeom prst="rect">
             <a:avLst/>
           </a:prstGeom>
         </p:spPr>
       </p:pic>
+      <p:sp>
+        <p:nvSpPr>
+          <p:cNvPr id="16" name="직사각형 15">
+            <a:extLst>
+              <a:ext uri="{FF2B5EF4-FFF2-40B4-BE49-F238E27FC236}">
+                <a16:creationId xmlns:a16="http://schemas.microsoft.com/office/drawing/2014/main" id="{C65D62DD-0820-4C85-B25C-24196366B77A}"/>
+              </a:ext>
+            </a:extLst>
+          </p:cNvPr>
+          <p:cNvSpPr/>
+          <p:nvPr/>
+        </p:nvSpPr>
+        <p:spPr>
+          <a:xfrm>
+            <a:off x="6728059" y="2454443"/>
+            <a:ext cx="798897" cy="231006"/>
+          </a:xfrm>
+          <a:prstGeom prst="rect">
+            <a:avLst/>
+          </a:prstGeom>
+          <a:noFill/>
+          <a:ln w="19050">
+            <a:solidFill>
+              <a:srgbClr val="FF0000"/>
+            </a:solidFill>
+          </a:ln>
+        </p:spPr>
+        <p:style>
+          <a:lnRef idx="2">
+            <a:schemeClr val="accent1">
+              <a:shade val="50000"/>
+            </a:schemeClr>
+          </a:lnRef>
+          <a:fillRef idx="1">
+            <a:schemeClr val="accent1"/>
+          </a:fillRef>
+          <a:effectRef idx="0">
+            <a:schemeClr val="accent1"/>
+          </a:effectRef>
+          <a:fontRef idx="minor">
+            <a:schemeClr val="lt1"/>
+          </a:fontRef>
+        </p:style>
+        <p:txBody>
+          <a:bodyPr rtlCol="0" anchor="ctr"/>
+          <a:lstStyle/>
+          <a:p>
+            <a:pPr algn="ctr"/>
+            <a:endParaRPr lang="ko-KR" altLang="en-US"/>
+          </a:p>
+        </p:txBody>
+      </p:sp>
+      <p:sp>
+        <p:nvSpPr>
+          <p:cNvPr id="17" name="직사각형 16">
+            <a:extLst>
+              <a:ext uri="{FF2B5EF4-FFF2-40B4-BE49-F238E27FC236}">
+                <a16:creationId xmlns:a16="http://schemas.microsoft.com/office/drawing/2014/main" id="{C2B67D96-FE5A-421E-AD1E-14779AD5DC2B}"/>
+              </a:ext>
+            </a:extLst>
+          </p:cNvPr>
+          <p:cNvSpPr/>
+          <p:nvPr/>
+        </p:nvSpPr>
+        <p:spPr>
+          <a:xfrm>
+            <a:off x="5894248" y="3514810"/>
+            <a:ext cx="4693541" cy="231006"/>
+          </a:xfrm>
+          <a:prstGeom prst="rect">
+            <a:avLst/>
+          </a:prstGeom>
+          <a:noFill/>
+          <a:ln w="19050">
+            <a:solidFill>
+              <a:srgbClr val="FF0000"/>
+            </a:solidFill>
+          </a:ln>
+        </p:spPr>
+        <p:style>
+          <a:lnRef idx="2">
+            <a:schemeClr val="accent1">
+              <a:shade val="50000"/>
+            </a:schemeClr>
+          </a:lnRef>
+          <a:fillRef idx="1">
+            <a:schemeClr val="accent1"/>
+          </a:fillRef>
+          <a:effectRef idx="0">
+            <a:schemeClr val="accent1"/>
+          </a:effectRef>
+          <a:fontRef idx="minor">
+            <a:schemeClr val="lt1"/>
+          </a:fontRef>
+        </p:style>
+        <p:txBody>
+          <a:bodyPr rtlCol="0" anchor="ctr"/>
+          <a:lstStyle/>
+          <a:p>
+            <a:pPr algn="ctr"/>
+            <a:endParaRPr lang="ko-KR" altLang="en-US"/>
+          </a:p>
+        </p:txBody>
+      </p:sp>
     </p:spTree>
     <p:extLst>
       <p:ext uri="{BB962C8B-B14F-4D97-AF65-F5344CB8AC3E}">
-        <p14:creationId xmlns:p14="http://schemas.microsoft.com/office/powerpoint/2010/main" val="1255274152"/>
+        <p14:creationId xmlns:p14="http://schemas.microsoft.com/office/powerpoint/2010/main" val="4284760486"/>
       </p:ext>
     </p:extLst>
   </p:cSld>
   <p:clrMapOvr>
     <a:masterClrMapping/>
   </p:clrMapOvr>
-  <mc:AlternateContent xmlns:mc="http://schemas.openxmlformats.org/markup-compatibility/2006">
-    <mc:Choice xmlns:p14="http://schemas.microsoft.com/office/powerpoint/2010/main" Requires="p14">
+  <mc:AlternateContent xmlns:mc="http://schemas.openxmlformats.org/markup-compatibility/2006" xmlns:p14="http://schemas.microsoft.com/office/powerpoint/2010/main">
+    <mc:Choice Requires="p14">
       <p:transition spd="med" p14:dur="700">
         <p:fade/>
       </p:transition>
     </mc:Choice>
-    <mc:Fallback>
+    <mc:Fallback xmlns="">
       <p:transition spd="med">
         <p:fade/>
       </p:transition>
@@ -10558,7 +11124,7 @@
 </p:sld>
 </file>
 
-<file path=ppt/slides/slide8.xml><?xml version="1.0" encoding="utf-8"?>
+<file path=ppt/slides/slide18.xml><?xml version="1.0" encoding="utf-8"?>
 <p:sld xmlns:a="http://schemas.openxmlformats.org/drawingml/2006/main" xmlns:r="http://schemas.openxmlformats.org/officeDocument/2006/relationships" xmlns:p="http://schemas.openxmlformats.org/presentationml/2006/main">
   <p:cSld>
     <p:spTree>
@@ -10927,94 +11493,6 @@
       </p:sp>
       <p:sp>
         <p:nvSpPr>
-          <p:cNvPr id="11" name="TextBox 10"/>
-          <p:cNvSpPr txBox="1"/>
-          <p:nvPr/>
-        </p:nvSpPr>
-        <p:spPr>
-          <a:xfrm>
-            <a:off x="9266554" y="272486"/>
-            <a:ext cx="3262161" cy="307777"/>
-          </a:xfrm>
-          <a:prstGeom prst="rect">
-            <a:avLst/>
-          </a:prstGeom>
-          <a:noFill/>
-        </p:spPr>
-        <p:txBody>
-          <a:bodyPr wrap="square" rtlCol="0">
-            <a:spAutoFit/>
-          </a:bodyPr>
-          <a:lstStyle/>
-          <a:p>
-            <a:r>
-              <a:rPr lang="en-US" altLang="ko-KR" sz="1400" dirty="0">
-                <a:ln>
-                  <a:solidFill>
-                    <a:schemeClr val="tx1">
-                      <a:lumMod val="75000"/>
-                      <a:lumOff val="25000"/>
-                      <a:alpha val="10000"/>
-                    </a:schemeClr>
-                  </a:solidFill>
-                </a:ln>
-                <a:solidFill>
-                  <a:schemeClr val="tx1">
-                    <a:lumMod val="75000"/>
-                    <a:lumOff val="25000"/>
-                  </a:schemeClr>
-                </a:solidFill>
-                <a:latin typeface="-윤고딕340" pitchFamily="18" charset="-127"/>
-                <a:ea typeface="-윤고딕340" pitchFamily="18" charset="-127"/>
-              </a:rPr>
-              <a:t>01. </a:t>
-            </a:r>
-            <a:r>
-              <a:rPr lang="en-US" altLang="ko-KR" sz="1400" dirty="0">
-                <a:ln>
-                  <a:solidFill>
-                    <a:schemeClr val="tx1">
-                      <a:lumMod val="85000"/>
-                      <a:lumOff val="15000"/>
-                      <a:alpha val="0"/>
-                    </a:schemeClr>
-                  </a:solidFill>
-                </a:ln>
-                <a:solidFill>
-                  <a:schemeClr val="tx1">
-                    <a:lumMod val="85000"/>
-                    <a:lumOff val="15000"/>
-                  </a:schemeClr>
-                </a:solidFill>
-                <a:latin typeface="-윤고딕340" panose="02030504000101010101" pitchFamily="18" charset="-127"/>
-                <a:ea typeface="-윤고딕340" panose="02030504000101010101" pitchFamily="18" charset="-127"/>
-              </a:rPr>
-              <a:t>Test Case</a:t>
-            </a:r>
-            <a:endParaRPr lang="ko-KR" altLang="en-US" sz="1400" dirty="0">
-              <a:ln>
-                <a:solidFill>
-                  <a:schemeClr val="tx1">
-                    <a:lumMod val="65000"/>
-                    <a:lumOff val="35000"/>
-                    <a:alpha val="10000"/>
-                  </a:schemeClr>
-                </a:solidFill>
-              </a:ln>
-              <a:solidFill>
-                <a:schemeClr val="tx1">
-                  <a:lumMod val="65000"/>
-                  <a:lumOff val="35000"/>
-                </a:schemeClr>
-              </a:solidFill>
-              <a:latin typeface="-윤고딕330" panose="02030504000101010101" pitchFamily="18" charset="-127"/>
-              <a:ea typeface="-윤고딕330" panose="02030504000101010101" pitchFamily="18" charset="-127"/>
-            </a:endParaRPr>
-          </a:p>
-        </p:txBody>
-      </p:sp>
-      <p:sp>
-        <p:nvSpPr>
           <p:cNvPr id="14" name="TextBox 13">
             <a:extLst>
               <a:ext uri="{FF2B5EF4-FFF2-40B4-BE49-F238E27FC236}">
@@ -11027,7 +11505,7 @@
         </p:nvSpPr>
         <p:spPr>
           <a:xfrm>
-            <a:off x="992976" y="800657"/>
+            <a:off x="863243" y="579876"/>
             <a:ext cx="10191580" cy="1521955"/>
           </a:xfrm>
           <a:prstGeom prst="rect">
@@ -11066,7 +11544,7 @@
                 <a:latin typeface="12롯데마트드림Medium"/>
                 <a:ea typeface="-윤고딕340" panose="02030504000101010101" pitchFamily="18" charset="-127"/>
               </a:rPr>
-              <a:t>02 Univariate Normal</a:t>
+              <a:t>03 </a:t>
             </a:r>
           </a:p>
           <a:p>
@@ -11095,7 +11573,7 @@
                 <a:latin typeface="12롯데마트드림Medium"/>
                 <a:ea typeface="-윤고딕340" panose="02030504000101010101" pitchFamily="18" charset="-127"/>
               </a:rPr>
-              <a:t>    : p0=0.9</a:t>
+              <a:t>    : ‘Mono’ argument</a:t>
             </a:r>
           </a:p>
           <a:p>
@@ -11129,12 +11607,106 @@
           </a:p>
         </p:txBody>
       </p:sp>
+      <p:sp>
+        <p:nvSpPr>
+          <p:cNvPr id="15" name="TextBox 14">
+            <a:extLst>
+              <a:ext uri="{FF2B5EF4-FFF2-40B4-BE49-F238E27FC236}">
+                <a16:creationId xmlns:a16="http://schemas.microsoft.com/office/drawing/2014/main" id="{3A58A65E-A385-4994-9CDF-412BC3F9CC14}"/>
+              </a:ext>
+            </a:extLst>
+          </p:cNvPr>
+          <p:cNvSpPr txBox="1"/>
+          <p:nvPr/>
+        </p:nvSpPr>
+        <p:spPr>
+          <a:xfrm>
+            <a:off x="9266554" y="272486"/>
+            <a:ext cx="3262161" cy="307777"/>
+          </a:xfrm>
+          <a:prstGeom prst="rect">
+            <a:avLst/>
+          </a:prstGeom>
+          <a:noFill/>
+        </p:spPr>
+        <p:txBody>
+          <a:bodyPr wrap="square" rtlCol="0">
+            <a:spAutoFit/>
+          </a:bodyPr>
+          <a:lstStyle/>
+          <a:p>
+            <a:r>
+              <a:rPr lang="en-US" altLang="ko-KR" sz="1400" dirty="0">
+                <a:ln>
+                  <a:solidFill>
+                    <a:schemeClr val="tx1">
+                      <a:lumMod val="75000"/>
+                      <a:lumOff val="25000"/>
+                      <a:alpha val="10000"/>
+                    </a:schemeClr>
+                  </a:solidFill>
+                </a:ln>
+                <a:solidFill>
+                  <a:schemeClr val="tx1">
+                    <a:lumMod val="75000"/>
+                    <a:lumOff val="25000"/>
+                  </a:schemeClr>
+                </a:solidFill>
+                <a:latin typeface="-윤고딕340" pitchFamily="18" charset="-127"/>
+                <a:ea typeface="-윤고딕340" pitchFamily="18" charset="-127"/>
+              </a:rPr>
+              <a:t>03. </a:t>
+            </a:r>
+            <a:r>
+              <a:rPr lang="en-US" altLang="ko-KR" sz="1400" dirty="0">
+                <a:ln>
+                  <a:solidFill>
+                    <a:schemeClr val="tx1">
+                      <a:lumMod val="85000"/>
+                      <a:lumOff val="15000"/>
+                      <a:alpha val="0"/>
+                    </a:schemeClr>
+                  </a:solidFill>
+                </a:ln>
+                <a:solidFill>
+                  <a:schemeClr val="tx1">
+                    <a:lumMod val="85000"/>
+                    <a:lumOff val="15000"/>
+                  </a:schemeClr>
+                </a:solidFill>
+                <a:latin typeface="-윤고딕340" panose="02030504000101010101" pitchFamily="18" charset="-127"/>
+                <a:ea typeface="-윤고딕340" panose="02030504000101010101" pitchFamily="18" charset="-127"/>
+              </a:rPr>
+              <a:t>Update</a:t>
+            </a:r>
+            <a:endParaRPr lang="ko-KR" altLang="en-US" sz="1400" dirty="0">
+              <a:ln>
+                <a:solidFill>
+                  <a:schemeClr val="tx1">
+                    <a:lumMod val="65000"/>
+                    <a:lumOff val="35000"/>
+                    <a:alpha val="10000"/>
+                  </a:schemeClr>
+                </a:solidFill>
+              </a:ln>
+              <a:solidFill>
+                <a:schemeClr val="tx1">
+                  <a:lumMod val="65000"/>
+                  <a:lumOff val="35000"/>
+                </a:schemeClr>
+              </a:solidFill>
+              <a:latin typeface="-윤고딕330" panose="02030504000101010101" pitchFamily="18" charset="-127"/>
+              <a:ea typeface="-윤고딕330" panose="02030504000101010101" pitchFamily="18" charset="-127"/>
+            </a:endParaRPr>
+          </a:p>
+        </p:txBody>
+      </p:sp>
       <p:pic>
         <p:nvPicPr>
-          <p:cNvPr id="13" name="그림 12">
+          <p:cNvPr id="11" name="그림 10" descr="텍스트이(가) 표시된 사진&#10;&#10;자동 생성된 설명">
             <a:extLst>
               <a:ext uri="{FF2B5EF4-FFF2-40B4-BE49-F238E27FC236}">
-                <a16:creationId xmlns:a16="http://schemas.microsoft.com/office/drawing/2014/main" id="{5AADDAFD-5E61-4724-A03E-8A8B18EE2F5F}"/>
+                <a16:creationId xmlns:a16="http://schemas.microsoft.com/office/drawing/2014/main" id="{2910DC2C-1F5E-481E-9717-209F85F99FCF}"/>
               </a:ext>
             </a:extLst>
           </p:cNvPr>
@@ -11151,31 +11723,142 @@
         </p:blipFill>
         <p:spPr>
           <a:xfrm>
-            <a:off x="2191125" y="1651790"/>
-            <a:ext cx="7786073" cy="4981074"/>
+            <a:off x="1281864" y="1787223"/>
+            <a:ext cx="4964932" cy="1182127"/>
           </a:xfrm>
           <a:prstGeom prst="rect">
             <a:avLst/>
           </a:prstGeom>
         </p:spPr>
       </p:pic>
+      <p:pic>
+        <p:nvPicPr>
+          <p:cNvPr id="13" name="그림 12" descr="텍스트이(가) 표시된 사진&#10;&#10;자동 생성된 설명">
+            <a:extLst>
+              <a:ext uri="{FF2B5EF4-FFF2-40B4-BE49-F238E27FC236}">
+                <a16:creationId xmlns:a16="http://schemas.microsoft.com/office/drawing/2014/main" id="{FB21A6E6-DC32-454F-85B3-136827806F96}"/>
+              </a:ext>
+            </a:extLst>
+          </p:cNvPr>
+          <p:cNvPicPr>
+            <a:picLocks noChangeAspect="1"/>
+          </p:cNvPicPr>
+          <p:nvPr/>
+        </p:nvPicPr>
+        <p:blipFill rotWithShape="1">
+          <a:blip r:embed="rId4"/>
+          <a:srcRect l="947"/>
+          <a:stretch/>
+        </p:blipFill>
+        <p:spPr>
+          <a:xfrm>
+            <a:off x="1379639" y="4008181"/>
+            <a:ext cx="4251140" cy="2299820"/>
+          </a:xfrm>
+          <a:prstGeom prst="rect">
+            <a:avLst/>
+          </a:prstGeom>
+        </p:spPr>
+      </p:pic>
+      <p:pic>
+        <p:nvPicPr>
+          <p:cNvPr id="17" name="그림 16" descr="텍스트이(가) 표시된 사진&#10;&#10;자동 생성된 설명">
+            <a:extLst>
+              <a:ext uri="{FF2B5EF4-FFF2-40B4-BE49-F238E27FC236}">
+                <a16:creationId xmlns:a16="http://schemas.microsoft.com/office/drawing/2014/main" id="{0E660D16-EC18-498E-86FD-D87CBD6866B3}"/>
+              </a:ext>
+            </a:extLst>
+          </p:cNvPr>
+          <p:cNvPicPr>
+            <a:picLocks noChangeAspect="1"/>
+          </p:cNvPicPr>
+          <p:nvPr/>
+        </p:nvPicPr>
+        <p:blipFill>
+          <a:blip r:embed="rId5"/>
+          <a:stretch>
+            <a:fillRect/>
+          </a:stretch>
+        </p:blipFill>
+        <p:spPr>
+          <a:xfrm>
+            <a:off x="6434278" y="2581161"/>
+            <a:ext cx="5602546" cy="2080688"/>
+          </a:xfrm>
+          <a:prstGeom prst="rect">
+            <a:avLst/>
+          </a:prstGeom>
+        </p:spPr>
+      </p:pic>
+      <p:sp>
+        <p:nvSpPr>
+          <p:cNvPr id="18" name="직사각형 17">
+            <a:extLst>
+              <a:ext uri="{FF2B5EF4-FFF2-40B4-BE49-F238E27FC236}">
+                <a16:creationId xmlns:a16="http://schemas.microsoft.com/office/drawing/2014/main" id="{12401979-0E53-4B03-8D64-ADC950E185B8}"/>
+              </a:ext>
+            </a:extLst>
+          </p:cNvPr>
+          <p:cNvSpPr/>
+          <p:nvPr/>
+        </p:nvSpPr>
+        <p:spPr>
+          <a:xfrm>
+            <a:off x="1276493" y="2670968"/>
+            <a:ext cx="4964932" cy="279131"/>
+          </a:xfrm>
+          <a:prstGeom prst="rect">
+            <a:avLst/>
+          </a:prstGeom>
+          <a:noFill/>
+          <a:ln w="19050">
+            <a:solidFill>
+              <a:srgbClr val="FF0000"/>
+            </a:solidFill>
+          </a:ln>
+        </p:spPr>
+        <p:style>
+          <a:lnRef idx="2">
+            <a:schemeClr val="accent1">
+              <a:shade val="50000"/>
+            </a:schemeClr>
+          </a:lnRef>
+          <a:fillRef idx="1">
+            <a:schemeClr val="accent1"/>
+          </a:fillRef>
+          <a:effectRef idx="0">
+            <a:schemeClr val="accent1"/>
+          </a:effectRef>
+          <a:fontRef idx="minor">
+            <a:schemeClr val="lt1"/>
+          </a:fontRef>
+        </p:style>
+        <p:txBody>
+          <a:bodyPr rtlCol="0" anchor="ctr"/>
+          <a:lstStyle/>
+          <a:p>
+            <a:pPr algn="ctr"/>
+            <a:endParaRPr lang="ko-KR" altLang="en-US"/>
+          </a:p>
+        </p:txBody>
+      </p:sp>
     </p:spTree>
     <p:extLst>
       <p:ext uri="{BB962C8B-B14F-4D97-AF65-F5344CB8AC3E}">
-        <p14:creationId xmlns:p14="http://schemas.microsoft.com/office/powerpoint/2010/main" val="1115920900"/>
+        <p14:creationId xmlns:p14="http://schemas.microsoft.com/office/powerpoint/2010/main" val="78618381"/>
       </p:ext>
     </p:extLst>
   </p:cSld>
   <p:clrMapOvr>
     <a:masterClrMapping/>
   </p:clrMapOvr>
-  <mc:AlternateContent xmlns:mc="http://schemas.openxmlformats.org/markup-compatibility/2006">
-    <mc:Choice xmlns:p14="http://schemas.microsoft.com/office/powerpoint/2010/main" Requires="p14">
+  <mc:AlternateContent xmlns:mc="http://schemas.openxmlformats.org/markup-compatibility/2006" xmlns:p14="http://schemas.microsoft.com/office/powerpoint/2010/main">
+    <mc:Choice Requires="p14">
       <p:transition spd="med" p14:dur="700">
         <p:fade/>
       </p:transition>
     </mc:Choice>
-    <mc:Fallback>
+    <mc:Fallback xmlns="">
       <p:transition spd="med">
         <p:fade/>
       </p:transition>
@@ -11184,7 +11867,489 @@
 </p:sld>
 </file>
 
-<file path=ppt/slides/slide9.xml><?xml version="1.0" encoding="utf-8"?>
+<file path=ppt/slides/slide2.xml><?xml version="1.0" encoding="utf-8"?>
+<p:sld xmlns:a="http://schemas.openxmlformats.org/drawingml/2006/main" xmlns:r="http://schemas.openxmlformats.org/officeDocument/2006/relationships" xmlns:p="http://schemas.openxmlformats.org/presentationml/2006/main">
+  <p:cSld>
+    <p:spTree>
+      <p:nvGrpSpPr>
+        <p:cNvPr id="1" name=""/>
+        <p:cNvGrpSpPr/>
+        <p:nvPr/>
+      </p:nvGrpSpPr>
+      <p:grpSpPr>
+        <a:xfrm>
+          <a:off x="0" y="0"/>
+          <a:ext cx="0" cy="0"/>
+          <a:chOff x="0" y="0"/>
+          <a:chExt cx="0" cy="0"/>
+        </a:xfrm>
+      </p:grpSpPr>
+      <p:sp>
+        <p:nvSpPr>
+          <p:cNvPr id="3" name="TextBox 2"/>
+          <p:cNvSpPr txBox="1"/>
+          <p:nvPr/>
+        </p:nvSpPr>
+        <p:spPr>
+          <a:xfrm>
+            <a:off x="4150386" y="2474700"/>
+            <a:ext cx="5117595" cy="1528945"/>
+          </a:xfrm>
+          <a:prstGeom prst="rect">
+            <a:avLst/>
+          </a:prstGeom>
+          <a:noFill/>
+        </p:spPr>
+        <p:txBody>
+          <a:bodyPr wrap="square" rtlCol="0">
+            <a:spAutoFit/>
+          </a:bodyPr>
+          <a:lstStyle/>
+          <a:p>
+            <a:r>
+              <a:rPr lang="en-US" altLang="ko-KR" sz="1867" dirty="0">
+                <a:ln>
+                  <a:solidFill>
+                    <a:schemeClr val="tx1">
+                      <a:lumMod val="85000"/>
+                      <a:lumOff val="15000"/>
+                      <a:alpha val="0"/>
+                    </a:schemeClr>
+                  </a:solidFill>
+                </a:ln>
+                <a:solidFill>
+                  <a:schemeClr val="tx1">
+                    <a:lumMod val="85000"/>
+                    <a:lumOff val="15000"/>
+                  </a:schemeClr>
+                </a:solidFill>
+                <a:latin typeface="12롯데마트드림Medium"/>
+                <a:ea typeface="-윤고딕340" panose="02030504000101010101" pitchFamily="18" charset="-127"/>
+              </a:rPr>
+              <a:t>01 Package Structure</a:t>
+            </a:r>
+          </a:p>
+          <a:p>
+            <a:endParaRPr lang="en-US" altLang="ko-KR" sz="1867" dirty="0">
+              <a:ln>
+                <a:solidFill>
+                  <a:schemeClr val="tx1">
+                    <a:lumMod val="85000"/>
+                    <a:lumOff val="15000"/>
+                    <a:alpha val="0"/>
+                  </a:schemeClr>
+                </a:solidFill>
+              </a:ln>
+              <a:solidFill>
+                <a:schemeClr val="tx1">
+                  <a:lumMod val="85000"/>
+                  <a:lumOff val="15000"/>
+                </a:schemeClr>
+              </a:solidFill>
+              <a:latin typeface="12롯데마트드림Medium"/>
+              <a:ea typeface="-윤고딕340" panose="02030504000101010101" pitchFamily="18" charset="-127"/>
+            </a:endParaRPr>
+          </a:p>
+          <a:p>
+            <a:r>
+              <a:rPr lang="en-US" altLang="ko-KR" sz="1867" dirty="0">
+                <a:ln>
+                  <a:solidFill>
+                    <a:schemeClr val="tx1">
+                      <a:lumMod val="85000"/>
+                      <a:lumOff val="15000"/>
+                      <a:alpha val="0"/>
+                    </a:schemeClr>
+                  </a:solidFill>
+                </a:ln>
+                <a:solidFill>
+                  <a:schemeClr val="tx1">
+                    <a:lumMod val="85000"/>
+                    <a:lumOff val="15000"/>
+                  </a:schemeClr>
+                </a:solidFill>
+                <a:latin typeface="12롯데마트드림Medium"/>
+                <a:ea typeface="-윤고딕340" panose="02030504000101010101" pitchFamily="18" charset="-127"/>
+              </a:rPr>
+              <a:t>02 Test Case</a:t>
+            </a:r>
+          </a:p>
+          <a:p>
+            <a:endParaRPr lang="en-US" altLang="ko-KR" sz="1867" dirty="0">
+              <a:ln>
+                <a:solidFill>
+                  <a:schemeClr val="tx1">
+                    <a:lumMod val="85000"/>
+                    <a:lumOff val="15000"/>
+                    <a:alpha val="0"/>
+                  </a:schemeClr>
+                </a:solidFill>
+              </a:ln>
+              <a:solidFill>
+                <a:schemeClr val="tx1">
+                  <a:lumMod val="85000"/>
+                  <a:lumOff val="15000"/>
+                </a:schemeClr>
+              </a:solidFill>
+              <a:latin typeface="12롯데마트드림Medium"/>
+              <a:ea typeface="-윤고딕340" panose="02030504000101010101" pitchFamily="18" charset="-127"/>
+            </a:endParaRPr>
+          </a:p>
+          <a:p>
+            <a:r>
+              <a:rPr lang="en-US" altLang="ko-KR" sz="1867" dirty="0">
+                <a:ln>
+                  <a:solidFill>
+                    <a:schemeClr val="tx1">
+                      <a:lumMod val="85000"/>
+                      <a:lumOff val="15000"/>
+                      <a:alpha val="0"/>
+                    </a:schemeClr>
+                  </a:solidFill>
+                </a:ln>
+                <a:solidFill>
+                  <a:schemeClr val="tx1">
+                    <a:lumMod val="85000"/>
+                    <a:lumOff val="15000"/>
+                  </a:schemeClr>
+                </a:solidFill>
+                <a:latin typeface="12롯데마트드림Medium"/>
+                <a:ea typeface="-윤고딕340" panose="02030504000101010101" pitchFamily="18" charset="-127"/>
+              </a:rPr>
+              <a:t>03 Update_0813</a:t>
+            </a:r>
+          </a:p>
+        </p:txBody>
+      </p:sp>
+      <p:sp>
+        <p:nvSpPr>
+          <p:cNvPr id="7" name="직사각형 6"/>
+          <p:cNvSpPr/>
+          <p:nvPr/>
+        </p:nvSpPr>
+        <p:spPr>
+          <a:xfrm>
+            <a:off x="4128613" y="1942328"/>
+            <a:ext cx="723589" cy="305591"/>
+          </a:xfrm>
+          <a:prstGeom prst="rect">
+            <a:avLst/>
+          </a:prstGeom>
+          <a:solidFill>
+            <a:schemeClr val="tx2">
+              <a:lumMod val="50000"/>
+            </a:schemeClr>
+          </a:solidFill>
+          <a:ln>
+            <a:noFill/>
+          </a:ln>
+        </p:spPr>
+        <p:style>
+          <a:lnRef idx="2">
+            <a:schemeClr val="accent1">
+              <a:shade val="50000"/>
+            </a:schemeClr>
+          </a:lnRef>
+          <a:fillRef idx="1">
+            <a:schemeClr val="accent1"/>
+          </a:fillRef>
+          <a:effectRef idx="0">
+            <a:schemeClr val="accent1"/>
+          </a:effectRef>
+          <a:fontRef idx="minor">
+            <a:schemeClr val="lt1"/>
+          </a:fontRef>
+        </p:style>
+        <p:txBody>
+          <a:bodyPr rtlCol="0" anchor="ctr"/>
+          <a:lstStyle/>
+          <a:p>
+            <a:pPr algn="ctr"/>
+            <a:endParaRPr lang="ko-KR" altLang="en-US" sz="2400"/>
+          </a:p>
+        </p:txBody>
+      </p:sp>
+      <p:sp>
+        <p:nvSpPr>
+          <p:cNvPr id="8" name="TextBox 7"/>
+          <p:cNvSpPr txBox="1"/>
+          <p:nvPr/>
+        </p:nvSpPr>
+        <p:spPr>
+          <a:xfrm>
+            <a:off x="4106084" y="1942327"/>
+            <a:ext cx="1245956" cy="297454"/>
+          </a:xfrm>
+          <a:prstGeom prst="rect">
+            <a:avLst/>
+          </a:prstGeom>
+          <a:noFill/>
+        </p:spPr>
+        <p:txBody>
+          <a:bodyPr wrap="square" rtlCol="0">
+            <a:spAutoFit/>
+          </a:bodyPr>
+          <a:lstStyle/>
+          <a:p>
+            <a:r>
+              <a:rPr lang="en-US" altLang="ko-KR" sz="1333" dirty="0">
+                <a:ln>
+                  <a:solidFill>
+                    <a:schemeClr val="bg1">
+                      <a:lumMod val="95000"/>
+                      <a:alpha val="10000"/>
+                    </a:schemeClr>
+                  </a:solidFill>
+                </a:ln>
+                <a:solidFill>
+                  <a:schemeClr val="bg1">
+                    <a:lumMod val="95000"/>
+                  </a:schemeClr>
+                </a:solidFill>
+                <a:latin typeface="-윤고딕350" pitchFamily="18" charset="-127"/>
+                <a:ea typeface="-윤고딕350" pitchFamily="18" charset="-127"/>
+              </a:rPr>
+              <a:t>INDEX</a:t>
+            </a:r>
+            <a:endParaRPr lang="ko-KR" altLang="en-US" sz="1333" dirty="0">
+              <a:ln>
+                <a:solidFill>
+                  <a:schemeClr val="bg1">
+                    <a:lumMod val="95000"/>
+                    <a:alpha val="10000"/>
+                  </a:schemeClr>
+                </a:solidFill>
+              </a:ln>
+              <a:solidFill>
+                <a:schemeClr val="bg1">
+                  <a:lumMod val="95000"/>
+                </a:schemeClr>
+              </a:solidFill>
+              <a:latin typeface="-윤고딕350" pitchFamily="18" charset="-127"/>
+              <a:ea typeface="-윤고딕350" pitchFamily="18" charset="-127"/>
+            </a:endParaRPr>
+          </a:p>
+        </p:txBody>
+      </p:sp>
+      <p:sp>
+        <p:nvSpPr>
+          <p:cNvPr id="9" name="직각 삼각형 8"/>
+          <p:cNvSpPr/>
+          <p:nvPr/>
+        </p:nvSpPr>
+        <p:spPr>
+          <a:xfrm>
+            <a:off x="4849838" y="1942328"/>
+            <a:ext cx="289383" cy="305591"/>
+          </a:xfrm>
+          <a:prstGeom prst="rtTriangle">
+            <a:avLst/>
+          </a:prstGeom>
+          <a:solidFill>
+            <a:schemeClr val="tx2">
+              <a:lumMod val="50000"/>
+            </a:schemeClr>
+          </a:solidFill>
+          <a:ln>
+            <a:noFill/>
+          </a:ln>
+        </p:spPr>
+        <p:style>
+          <a:lnRef idx="2">
+            <a:schemeClr val="accent1">
+              <a:shade val="50000"/>
+            </a:schemeClr>
+          </a:lnRef>
+          <a:fillRef idx="1">
+            <a:schemeClr val="accent1"/>
+          </a:fillRef>
+          <a:effectRef idx="0">
+            <a:schemeClr val="accent1"/>
+          </a:effectRef>
+          <a:fontRef idx="minor">
+            <a:schemeClr val="lt1"/>
+          </a:fontRef>
+        </p:style>
+        <p:txBody>
+          <a:bodyPr rtlCol="0" anchor="ctr"/>
+          <a:lstStyle/>
+          <a:p>
+            <a:pPr algn="ctr"/>
+            <a:endParaRPr lang="ko-KR" altLang="en-US" sz="2400"/>
+          </a:p>
+        </p:txBody>
+      </p:sp>
+      <p:sp>
+        <p:nvSpPr>
+          <p:cNvPr id="11" name="직각 삼각형 10"/>
+          <p:cNvSpPr/>
+          <p:nvPr/>
+        </p:nvSpPr>
+        <p:spPr>
+          <a:xfrm rot="16200000" flipH="1">
+            <a:off x="4880432" y="1945292"/>
+            <a:ext cx="311517" cy="305591"/>
+          </a:xfrm>
+          <a:prstGeom prst="rtTriangle">
+            <a:avLst/>
+          </a:prstGeom>
+          <a:solidFill>
+            <a:schemeClr val="bg1">
+              <a:lumMod val="85000"/>
+            </a:schemeClr>
+          </a:solidFill>
+          <a:ln>
+            <a:noFill/>
+          </a:ln>
+        </p:spPr>
+        <p:style>
+          <a:lnRef idx="2">
+            <a:schemeClr val="accent1">
+              <a:shade val="50000"/>
+            </a:schemeClr>
+          </a:lnRef>
+          <a:fillRef idx="1">
+            <a:schemeClr val="accent1"/>
+          </a:fillRef>
+          <a:effectRef idx="0">
+            <a:schemeClr val="accent1"/>
+          </a:effectRef>
+          <a:fontRef idx="minor">
+            <a:schemeClr val="lt1"/>
+          </a:fontRef>
+        </p:style>
+        <p:txBody>
+          <a:bodyPr rtlCol="0" anchor="ctr"/>
+          <a:lstStyle/>
+          <a:p>
+            <a:pPr algn="ctr"/>
+            <a:endParaRPr lang="ko-KR" altLang="en-US" sz="2400"/>
+          </a:p>
+        </p:txBody>
+      </p:sp>
+      <p:sp>
+        <p:nvSpPr>
+          <p:cNvPr id="12" name="직사각형 11"/>
+          <p:cNvSpPr/>
+          <p:nvPr/>
+        </p:nvSpPr>
+        <p:spPr>
+          <a:xfrm>
+            <a:off x="5188987" y="1942327"/>
+            <a:ext cx="1797417" cy="301357"/>
+          </a:xfrm>
+          <a:prstGeom prst="rect">
+            <a:avLst/>
+          </a:prstGeom>
+          <a:solidFill>
+            <a:schemeClr val="bg1">
+              <a:lumMod val="85000"/>
+            </a:schemeClr>
+          </a:solidFill>
+          <a:ln>
+            <a:noFill/>
+          </a:ln>
+        </p:spPr>
+        <p:style>
+          <a:lnRef idx="2">
+            <a:schemeClr val="accent1">
+              <a:shade val="50000"/>
+            </a:schemeClr>
+          </a:lnRef>
+          <a:fillRef idx="1">
+            <a:schemeClr val="accent1"/>
+          </a:fillRef>
+          <a:effectRef idx="0">
+            <a:schemeClr val="accent1"/>
+          </a:effectRef>
+          <a:fontRef idx="minor">
+            <a:schemeClr val="lt1"/>
+          </a:fontRef>
+        </p:style>
+        <p:txBody>
+          <a:bodyPr rtlCol="0" anchor="ctr"/>
+          <a:lstStyle/>
+          <a:p>
+            <a:pPr algn="ctr"/>
+            <a:endParaRPr lang="ko-KR" altLang="en-US" sz="2400"/>
+          </a:p>
+        </p:txBody>
+      </p:sp>
+      <p:sp>
+        <p:nvSpPr>
+          <p:cNvPr id="14" name="직사각형 13"/>
+          <p:cNvSpPr/>
+          <p:nvPr/>
+        </p:nvSpPr>
+        <p:spPr>
+          <a:xfrm>
+            <a:off x="4135113" y="4211761"/>
+            <a:ext cx="2851291" cy="45800"/>
+          </a:xfrm>
+          <a:prstGeom prst="rect">
+            <a:avLst/>
+          </a:prstGeom>
+          <a:solidFill>
+            <a:schemeClr val="tx1">
+              <a:lumMod val="85000"/>
+              <a:lumOff val="15000"/>
+            </a:schemeClr>
+          </a:solidFill>
+          <a:ln>
+            <a:noFill/>
+          </a:ln>
+        </p:spPr>
+        <p:style>
+          <a:lnRef idx="2">
+            <a:schemeClr val="accent1">
+              <a:shade val="50000"/>
+            </a:schemeClr>
+          </a:lnRef>
+          <a:fillRef idx="1">
+            <a:schemeClr val="accent1"/>
+          </a:fillRef>
+          <a:effectRef idx="0">
+            <a:schemeClr val="accent1"/>
+          </a:effectRef>
+          <a:fontRef idx="minor">
+            <a:schemeClr val="lt1"/>
+          </a:fontRef>
+        </p:style>
+        <p:txBody>
+          <a:bodyPr rtlCol="0" anchor="ctr"/>
+          <a:lstStyle/>
+          <a:p>
+            <a:pPr algn="ctr"/>
+            <a:endParaRPr lang="ko-KR" altLang="en-US" sz="2400"/>
+          </a:p>
+        </p:txBody>
+      </p:sp>
+    </p:spTree>
+    <p:extLst>
+      <p:ext uri="{BB962C8B-B14F-4D97-AF65-F5344CB8AC3E}">
+        <p14:creationId xmlns:p14="http://schemas.microsoft.com/office/powerpoint/2010/main" val="3234700786"/>
+      </p:ext>
+    </p:extLst>
+  </p:cSld>
+  <p:clrMapOvr>
+    <a:masterClrMapping/>
+  </p:clrMapOvr>
+  <mc:AlternateContent xmlns:mc="http://schemas.openxmlformats.org/markup-compatibility/2006" xmlns:p14="http://schemas.microsoft.com/office/powerpoint/2010/main">
+    <mc:Choice Requires="p14">
+      <p:transition spd="med" p14:dur="700">
+        <p:fade/>
+      </p:transition>
+    </mc:Choice>
+    <mc:Fallback xmlns="">
+      <p:transition spd="med">
+        <p:fade/>
+      </p:transition>
+    </mc:Fallback>
+  </mc:AlternateContent>
+</p:sld>
+</file>
+
+<file path=ppt/slides/slide3.xml><?xml version="1.0" encoding="utf-8"?>
 <p:sld xmlns:a="http://schemas.openxmlformats.org/drawingml/2006/main" xmlns:r="http://schemas.openxmlformats.org/officeDocument/2006/relationships" xmlns:p="http://schemas.openxmlformats.org/presentationml/2006/main">
   <p:cSld>
     <p:spTree>
@@ -11615,7 +12780,7 @@
                 <a:latin typeface="-윤고딕340" panose="02030504000101010101" pitchFamily="18" charset="-127"/>
                 <a:ea typeface="-윤고딕340" panose="02030504000101010101" pitchFamily="18" charset="-127"/>
               </a:rPr>
-              <a:t>Test Case</a:t>
+              <a:t>Structure </a:t>
             </a:r>
             <a:endParaRPr lang="ko-KR" altLang="en-US" sz="1400" dirty="0">
               <a:ln>
@@ -11639,6 +12804,1216 @@
           </a:p>
         </p:txBody>
       </p:sp>
+      <p:pic>
+        <p:nvPicPr>
+          <p:cNvPr id="12" name="그림 11">
+            <a:extLst>
+              <a:ext uri="{FF2B5EF4-FFF2-40B4-BE49-F238E27FC236}">
+                <a16:creationId xmlns:a16="http://schemas.microsoft.com/office/drawing/2014/main" id="{5118C030-A842-4389-AD42-890D80C1BE67}"/>
+              </a:ext>
+            </a:extLst>
+          </p:cNvPr>
+          <p:cNvPicPr>
+            <a:picLocks noChangeAspect="1"/>
+          </p:cNvPicPr>
+          <p:nvPr/>
+        </p:nvPicPr>
+        <p:blipFill>
+          <a:blip r:embed="rId3"/>
+          <a:stretch>
+            <a:fillRect/>
+          </a:stretch>
+        </p:blipFill>
+        <p:spPr>
+          <a:xfrm>
+            <a:off x="2163707" y="883275"/>
+            <a:ext cx="7864586" cy="4656063"/>
+          </a:xfrm>
+          <a:prstGeom prst="rect">
+            <a:avLst/>
+          </a:prstGeom>
+        </p:spPr>
+      </p:pic>
+      <p:pic>
+        <p:nvPicPr>
+          <p:cNvPr id="16" name="그림 15">
+            <a:extLst>
+              <a:ext uri="{FF2B5EF4-FFF2-40B4-BE49-F238E27FC236}">
+                <a16:creationId xmlns:a16="http://schemas.microsoft.com/office/drawing/2014/main" id="{6D87713C-79F4-40CF-8DCA-13D60A8C5584}"/>
+              </a:ext>
+            </a:extLst>
+          </p:cNvPr>
+          <p:cNvPicPr>
+            <a:picLocks noChangeAspect="1"/>
+          </p:cNvPicPr>
+          <p:nvPr/>
+        </p:nvPicPr>
+        <p:blipFill>
+          <a:blip r:embed="rId4"/>
+          <a:stretch>
+            <a:fillRect/>
+          </a:stretch>
+        </p:blipFill>
+        <p:spPr>
+          <a:xfrm>
+            <a:off x="3588612" y="5847548"/>
+            <a:ext cx="4991100" cy="495300"/>
+          </a:xfrm>
+          <a:prstGeom prst="rect">
+            <a:avLst/>
+          </a:prstGeom>
+        </p:spPr>
+      </p:pic>
+      <p:sp>
+        <p:nvSpPr>
+          <p:cNvPr id="18" name="직사각형 17">
+            <a:extLst>
+              <a:ext uri="{FF2B5EF4-FFF2-40B4-BE49-F238E27FC236}">
+                <a16:creationId xmlns:a16="http://schemas.microsoft.com/office/drawing/2014/main" id="{7A7C13F8-E736-47C7-A7E6-B9BF2CB910BA}"/>
+              </a:ext>
+            </a:extLst>
+          </p:cNvPr>
+          <p:cNvSpPr/>
+          <p:nvPr/>
+        </p:nvSpPr>
+        <p:spPr>
+          <a:xfrm>
+            <a:off x="3465095" y="5775158"/>
+            <a:ext cx="5114617" cy="567690"/>
+          </a:xfrm>
+          <a:prstGeom prst="rect">
+            <a:avLst/>
+          </a:prstGeom>
+          <a:noFill/>
+        </p:spPr>
+        <p:style>
+          <a:lnRef idx="2">
+            <a:schemeClr val="accent1">
+              <a:shade val="50000"/>
+            </a:schemeClr>
+          </a:lnRef>
+          <a:fillRef idx="1">
+            <a:schemeClr val="accent1"/>
+          </a:fillRef>
+          <a:effectRef idx="0">
+            <a:schemeClr val="accent1"/>
+          </a:effectRef>
+          <a:fontRef idx="minor">
+            <a:schemeClr val="lt1"/>
+          </a:fontRef>
+        </p:style>
+        <p:txBody>
+          <a:bodyPr rtlCol="0" anchor="ctr"/>
+          <a:lstStyle/>
+          <a:p>
+            <a:pPr algn="ctr"/>
+            <a:endParaRPr lang="ko-KR" altLang="en-US"/>
+          </a:p>
+        </p:txBody>
+      </p:sp>
+    </p:spTree>
+    <p:extLst>
+      <p:ext uri="{BB962C8B-B14F-4D97-AF65-F5344CB8AC3E}">
+        <p14:creationId xmlns:p14="http://schemas.microsoft.com/office/powerpoint/2010/main" val="2881229147"/>
+      </p:ext>
+    </p:extLst>
+  </p:cSld>
+  <p:clrMapOvr>
+    <a:masterClrMapping/>
+  </p:clrMapOvr>
+  <mc:AlternateContent xmlns:mc="http://schemas.openxmlformats.org/markup-compatibility/2006" xmlns:p14="http://schemas.microsoft.com/office/powerpoint/2010/main">
+    <mc:Choice Requires="p14">
+      <p:transition spd="med" p14:dur="700">
+        <p:fade/>
+      </p:transition>
+    </mc:Choice>
+    <mc:Fallback xmlns="">
+      <p:transition spd="med">
+        <p:fade/>
+      </p:transition>
+    </mc:Fallback>
+  </mc:AlternateContent>
+</p:sld>
+</file>
+
+<file path=ppt/slides/slide4.xml><?xml version="1.0" encoding="utf-8"?>
+<p:sld xmlns:a="http://schemas.openxmlformats.org/drawingml/2006/main" xmlns:r="http://schemas.openxmlformats.org/officeDocument/2006/relationships" xmlns:p="http://schemas.openxmlformats.org/presentationml/2006/main">
+  <p:cSld>
+    <p:spTree>
+      <p:nvGrpSpPr>
+        <p:cNvPr id="1" name=""/>
+        <p:cNvGrpSpPr/>
+        <p:nvPr/>
+      </p:nvGrpSpPr>
+      <p:grpSpPr>
+        <a:xfrm>
+          <a:off x="0" y="0"/>
+          <a:ext cx="0" cy="0"/>
+          <a:chOff x="0" y="0"/>
+          <a:chExt cx="0" cy="0"/>
+        </a:xfrm>
+      </p:grpSpPr>
+      <p:sp>
+        <p:nvSpPr>
+          <p:cNvPr id="2" name="직사각형 1"/>
+          <p:cNvSpPr/>
+          <p:nvPr/>
+        </p:nvSpPr>
+        <p:spPr>
+          <a:xfrm>
+            <a:off x="131501" y="80464"/>
+            <a:ext cx="11905323" cy="96011"/>
+          </a:xfrm>
+          <a:prstGeom prst="rect">
+            <a:avLst/>
+          </a:prstGeom>
+          <a:solidFill>
+            <a:schemeClr val="tx1">
+              <a:lumMod val="85000"/>
+              <a:lumOff val="15000"/>
+            </a:schemeClr>
+          </a:solidFill>
+          <a:ln>
+            <a:noFill/>
+          </a:ln>
+        </p:spPr>
+        <p:style>
+          <a:lnRef idx="2">
+            <a:schemeClr val="accent1">
+              <a:shade val="50000"/>
+            </a:schemeClr>
+          </a:lnRef>
+          <a:fillRef idx="1">
+            <a:schemeClr val="accent1"/>
+          </a:fillRef>
+          <a:effectRef idx="0">
+            <a:schemeClr val="accent1"/>
+          </a:effectRef>
+          <a:fontRef idx="minor">
+            <a:schemeClr val="lt1"/>
+          </a:fontRef>
+        </p:style>
+        <p:txBody>
+          <a:bodyPr rtlCol="0" anchor="ctr"/>
+          <a:lstStyle/>
+          <a:p>
+            <a:pPr algn="ctr"/>
+            <a:endParaRPr lang="ko-KR" altLang="en-US" sz="2400"/>
+          </a:p>
+        </p:txBody>
+      </p:sp>
+      <p:sp>
+        <p:nvSpPr>
+          <p:cNvPr id="3" name="직사각형 2"/>
+          <p:cNvSpPr/>
+          <p:nvPr/>
+        </p:nvSpPr>
+        <p:spPr>
+          <a:xfrm>
+            <a:off x="131501" y="225136"/>
+            <a:ext cx="2496276" cy="431393"/>
+          </a:xfrm>
+          <a:prstGeom prst="rect">
+            <a:avLst/>
+          </a:prstGeom>
+          <a:solidFill>
+            <a:schemeClr val="tx2">
+              <a:lumMod val="50000"/>
+            </a:schemeClr>
+          </a:solidFill>
+          <a:ln>
+            <a:noFill/>
+          </a:ln>
+        </p:spPr>
+        <p:style>
+          <a:lnRef idx="2">
+            <a:schemeClr val="accent1">
+              <a:shade val="50000"/>
+            </a:schemeClr>
+          </a:lnRef>
+          <a:fillRef idx="1">
+            <a:schemeClr val="accent1"/>
+          </a:fillRef>
+          <a:effectRef idx="0">
+            <a:schemeClr val="accent1"/>
+          </a:effectRef>
+          <a:fontRef idx="minor">
+            <a:schemeClr val="lt1"/>
+          </a:fontRef>
+        </p:style>
+        <p:txBody>
+          <a:bodyPr rtlCol="0" anchor="ctr"/>
+          <a:lstStyle/>
+          <a:p>
+            <a:pPr algn="ctr"/>
+            <a:endParaRPr lang="ko-KR" altLang="en-US" sz="2400"/>
+          </a:p>
+        </p:txBody>
+      </p:sp>
+      <p:sp>
+        <p:nvSpPr>
+          <p:cNvPr id="4" name="직각 삼각형 3"/>
+          <p:cNvSpPr/>
+          <p:nvPr/>
+        </p:nvSpPr>
+        <p:spPr>
+          <a:xfrm>
+            <a:off x="2627776" y="225133"/>
+            <a:ext cx="431395" cy="431395"/>
+          </a:xfrm>
+          <a:prstGeom prst="rtTriangle">
+            <a:avLst/>
+          </a:prstGeom>
+          <a:solidFill>
+            <a:schemeClr val="tx2">
+              <a:lumMod val="50000"/>
+            </a:schemeClr>
+          </a:solidFill>
+          <a:ln>
+            <a:noFill/>
+          </a:ln>
+        </p:spPr>
+        <p:style>
+          <a:lnRef idx="2">
+            <a:schemeClr val="accent1">
+              <a:shade val="50000"/>
+            </a:schemeClr>
+          </a:lnRef>
+          <a:fillRef idx="1">
+            <a:schemeClr val="accent1"/>
+          </a:fillRef>
+          <a:effectRef idx="0">
+            <a:schemeClr val="accent1"/>
+          </a:effectRef>
+          <a:fontRef idx="minor">
+            <a:schemeClr val="lt1"/>
+          </a:fontRef>
+        </p:style>
+        <p:txBody>
+          <a:bodyPr rtlCol="0" anchor="ctr"/>
+          <a:lstStyle/>
+          <a:p>
+            <a:pPr algn="ctr"/>
+            <a:endParaRPr lang="ko-KR" altLang="en-US" sz="2400"/>
+          </a:p>
+        </p:txBody>
+      </p:sp>
+      <p:grpSp>
+        <p:nvGrpSpPr>
+          <p:cNvPr id="5" name="그룹 4"/>
+          <p:cNvGrpSpPr/>
+          <p:nvPr/>
+        </p:nvGrpSpPr>
+        <p:grpSpPr>
+          <a:xfrm>
+            <a:off x="2688275" y="225128"/>
+            <a:ext cx="9348549" cy="431397"/>
+            <a:chOff x="2016206" y="168846"/>
+            <a:chExt cx="7011412" cy="323548"/>
+          </a:xfrm>
+        </p:grpSpPr>
+        <p:sp>
+          <p:nvSpPr>
+            <p:cNvPr id="6" name="직사각형 5"/>
+            <p:cNvSpPr/>
+            <p:nvPr/>
+          </p:nvSpPr>
+          <p:spPr>
+            <a:xfrm flipH="1" flipV="1">
+              <a:off x="2339752" y="168846"/>
+              <a:ext cx="6687866" cy="323545"/>
+            </a:xfrm>
+            <a:prstGeom prst="rect">
+              <a:avLst/>
+            </a:prstGeom>
+            <a:solidFill>
+              <a:schemeClr val="bg1">
+                <a:lumMod val="75000"/>
+              </a:schemeClr>
+            </a:solidFill>
+            <a:ln>
+              <a:noFill/>
+            </a:ln>
+          </p:spPr>
+          <p:style>
+            <a:lnRef idx="2">
+              <a:schemeClr val="accent1">
+                <a:shade val="50000"/>
+              </a:schemeClr>
+            </a:lnRef>
+            <a:fillRef idx="1">
+              <a:schemeClr val="accent1"/>
+            </a:fillRef>
+            <a:effectRef idx="0">
+              <a:schemeClr val="accent1"/>
+            </a:effectRef>
+            <a:fontRef idx="minor">
+              <a:schemeClr val="lt1"/>
+            </a:fontRef>
+          </p:style>
+          <p:txBody>
+            <a:bodyPr rtlCol="0" anchor="ctr"/>
+            <a:lstStyle/>
+            <a:p>
+              <a:pPr algn="ctr"/>
+              <a:endParaRPr lang="ko-KR" altLang="en-US" sz="2400"/>
+            </a:p>
+          </p:txBody>
+        </p:sp>
+        <p:sp>
+          <p:nvSpPr>
+            <p:cNvPr id="7" name="직각 삼각형 6"/>
+            <p:cNvSpPr/>
+            <p:nvPr/>
+          </p:nvSpPr>
+          <p:spPr>
+            <a:xfrm flipH="1" flipV="1">
+              <a:off x="2016206" y="168848"/>
+              <a:ext cx="323546" cy="323546"/>
+            </a:xfrm>
+            <a:prstGeom prst="rtTriangle">
+              <a:avLst/>
+            </a:prstGeom>
+            <a:solidFill>
+              <a:schemeClr val="bg1">
+                <a:lumMod val="75000"/>
+              </a:schemeClr>
+            </a:solidFill>
+            <a:ln>
+              <a:noFill/>
+            </a:ln>
+          </p:spPr>
+          <p:style>
+            <a:lnRef idx="2">
+              <a:schemeClr val="accent1">
+                <a:shade val="50000"/>
+              </a:schemeClr>
+            </a:lnRef>
+            <a:fillRef idx="1">
+              <a:schemeClr val="accent1"/>
+            </a:fillRef>
+            <a:effectRef idx="0">
+              <a:schemeClr val="accent1"/>
+            </a:effectRef>
+            <a:fontRef idx="minor">
+              <a:schemeClr val="lt1"/>
+            </a:fontRef>
+          </p:style>
+          <p:txBody>
+            <a:bodyPr rtlCol="0" anchor="ctr"/>
+            <a:lstStyle/>
+            <a:p>
+              <a:pPr algn="ctr"/>
+              <a:endParaRPr lang="ko-KR" altLang="en-US" sz="2400" dirty="0"/>
+            </a:p>
+          </p:txBody>
+        </p:sp>
+      </p:grpSp>
+      <p:sp>
+        <p:nvSpPr>
+          <p:cNvPr id="8" name="TextBox 7"/>
+          <p:cNvSpPr txBox="1"/>
+          <p:nvPr/>
+        </p:nvSpPr>
+        <p:spPr>
+          <a:xfrm>
+            <a:off x="251187" y="275359"/>
+            <a:ext cx="1824203" cy="338554"/>
+          </a:xfrm>
+          <a:prstGeom prst="rect">
+            <a:avLst/>
+          </a:prstGeom>
+          <a:noFill/>
+        </p:spPr>
+        <p:txBody>
+          <a:bodyPr wrap="square" rtlCol="0">
+            <a:spAutoFit/>
+          </a:bodyPr>
+          <a:lstStyle/>
+          <a:p>
+            <a:r>
+              <a:rPr lang="en-US" altLang="ko-KR" sz="1600" dirty="0">
+                <a:ln>
+                  <a:solidFill>
+                    <a:schemeClr val="bg1">
+                      <a:lumMod val="95000"/>
+                      <a:alpha val="10000"/>
+                    </a:schemeClr>
+                  </a:solidFill>
+                </a:ln>
+                <a:solidFill>
+                  <a:schemeClr val="bg1">
+                    <a:lumMod val="95000"/>
+                  </a:schemeClr>
+                </a:solidFill>
+                <a:latin typeface="-윤고딕330" pitchFamily="18" charset="-127"/>
+                <a:ea typeface="-윤고딕330" pitchFamily="18" charset="-127"/>
+              </a:rPr>
+              <a:t>R Package</a:t>
+            </a:r>
+          </a:p>
+        </p:txBody>
+      </p:sp>
+      <p:sp>
+        <p:nvSpPr>
+          <p:cNvPr id="10" name="직사각형 9"/>
+          <p:cNvSpPr/>
+          <p:nvPr/>
+        </p:nvSpPr>
+        <p:spPr>
+          <a:xfrm>
+            <a:off x="213903" y="264017"/>
+            <a:ext cx="67143" cy="340487"/>
+          </a:xfrm>
+          <a:prstGeom prst="rect">
+            <a:avLst/>
+          </a:prstGeom>
+          <a:solidFill>
+            <a:schemeClr val="accent1">
+              <a:lumMod val="20000"/>
+              <a:lumOff val="80000"/>
+            </a:schemeClr>
+          </a:solidFill>
+          <a:ln>
+            <a:noFill/>
+          </a:ln>
+        </p:spPr>
+        <p:style>
+          <a:lnRef idx="2">
+            <a:schemeClr val="accent1">
+              <a:shade val="50000"/>
+            </a:schemeClr>
+          </a:lnRef>
+          <a:fillRef idx="1">
+            <a:schemeClr val="accent1"/>
+          </a:fillRef>
+          <a:effectRef idx="0">
+            <a:schemeClr val="accent1"/>
+          </a:effectRef>
+          <a:fontRef idx="minor">
+            <a:schemeClr val="lt1"/>
+          </a:fontRef>
+        </p:style>
+        <p:txBody>
+          <a:bodyPr rtlCol="0" anchor="ctr"/>
+          <a:lstStyle/>
+          <a:p>
+            <a:pPr algn="ctr"/>
+            <a:endParaRPr lang="ko-KR" altLang="en-US" sz="2400"/>
+          </a:p>
+        </p:txBody>
+      </p:sp>
+      <p:sp>
+        <p:nvSpPr>
+          <p:cNvPr id="11" name="TextBox 10"/>
+          <p:cNvSpPr txBox="1"/>
+          <p:nvPr/>
+        </p:nvSpPr>
+        <p:spPr>
+          <a:xfrm>
+            <a:off x="9266554" y="272486"/>
+            <a:ext cx="3262161" cy="307777"/>
+          </a:xfrm>
+          <a:prstGeom prst="rect">
+            <a:avLst/>
+          </a:prstGeom>
+          <a:noFill/>
+        </p:spPr>
+        <p:txBody>
+          <a:bodyPr wrap="square" rtlCol="0">
+            <a:spAutoFit/>
+          </a:bodyPr>
+          <a:lstStyle/>
+          <a:p>
+            <a:r>
+              <a:rPr lang="en-US" altLang="ko-KR" sz="1400" dirty="0">
+                <a:ln>
+                  <a:solidFill>
+                    <a:schemeClr val="tx1">
+                      <a:lumMod val="75000"/>
+                      <a:lumOff val="25000"/>
+                      <a:alpha val="10000"/>
+                    </a:schemeClr>
+                  </a:solidFill>
+                </a:ln>
+                <a:solidFill>
+                  <a:schemeClr val="tx1">
+                    <a:lumMod val="75000"/>
+                    <a:lumOff val="25000"/>
+                  </a:schemeClr>
+                </a:solidFill>
+                <a:latin typeface="-윤고딕340" pitchFamily="18" charset="-127"/>
+                <a:ea typeface="-윤고딕340" pitchFamily="18" charset="-127"/>
+              </a:rPr>
+              <a:t>01. </a:t>
+            </a:r>
+            <a:r>
+              <a:rPr lang="en-US" altLang="ko-KR" sz="1400" dirty="0">
+                <a:ln>
+                  <a:solidFill>
+                    <a:schemeClr val="tx1">
+                      <a:lumMod val="85000"/>
+                      <a:lumOff val="15000"/>
+                      <a:alpha val="0"/>
+                    </a:schemeClr>
+                  </a:solidFill>
+                </a:ln>
+                <a:solidFill>
+                  <a:schemeClr val="tx1">
+                    <a:lumMod val="85000"/>
+                    <a:lumOff val="15000"/>
+                  </a:schemeClr>
+                </a:solidFill>
+                <a:latin typeface="-윤고딕340" panose="02030504000101010101" pitchFamily="18" charset="-127"/>
+                <a:ea typeface="-윤고딕340" panose="02030504000101010101" pitchFamily="18" charset="-127"/>
+              </a:rPr>
+              <a:t>Structure </a:t>
+            </a:r>
+            <a:endParaRPr lang="ko-KR" altLang="en-US" sz="1400" dirty="0">
+              <a:ln>
+                <a:solidFill>
+                  <a:schemeClr val="tx1">
+                    <a:lumMod val="65000"/>
+                    <a:lumOff val="35000"/>
+                    <a:alpha val="10000"/>
+                  </a:schemeClr>
+                </a:solidFill>
+              </a:ln>
+              <a:solidFill>
+                <a:schemeClr val="tx1">
+                  <a:lumMod val="65000"/>
+                  <a:lumOff val="35000"/>
+                </a:schemeClr>
+              </a:solidFill>
+              <a:latin typeface="-윤고딕330" panose="02030504000101010101" pitchFamily="18" charset="-127"/>
+              <a:ea typeface="-윤고딕330" panose="02030504000101010101" pitchFamily="18" charset="-127"/>
+            </a:endParaRPr>
+          </a:p>
+        </p:txBody>
+      </p:sp>
+      <p:pic>
+        <p:nvPicPr>
+          <p:cNvPr id="13" name="그림 12">
+            <a:extLst>
+              <a:ext uri="{FF2B5EF4-FFF2-40B4-BE49-F238E27FC236}">
+                <a16:creationId xmlns:a16="http://schemas.microsoft.com/office/drawing/2014/main" id="{67944D39-B4C8-4609-8904-26868D3DA971}"/>
+              </a:ext>
+            </a:extLst>
+          </p:cNvPr>
+          <p:cNvPicPr>
+            <a:picLocks noChangeAspect="1"/>
+          </p:cNvPicPr>
+          <p:nvPr/>
+        </p:nvPicPr>
+        <p:blipFill>
+          <a:blip r:embed="rId3"/>
+          <a:stretch>
+            <a:fillRect/>
+          </a:stretch>
+        </p:blipFill>
+        <p:spPr>
+          <a:xfrm>
+            <a:off x="1671216" y="1326837"/>
+            <a:ext cx="8849568" cy="4339232"/>
+          </a:xfrm>
+          <a:prstGeom prst="rect">
+            <a:avLst/>
+          </a:prstGeom>
+        </p:spPr>
+      </p:pic>
+      <p:sp>
+        <p:nvSpPr>
+          <p:cNvPr id="19" name="TextBox 18">
+            <a:extLst>
+              <a:ext uri="{FF2B5EF4-FFF2-40B4-BE49-F238E27FC236}">
+                <a16:creationId xmlns:a16="http://schemas.microsoft.com/office/drawing/2014/main" id="{CF9BDAAF-F054-4CD3-84B4-8A6A5049C109}"/>
+              </a:ext>
+            </a:extLst>
+          </p:cNvPr>
+          <p:cNvSpPr txBox="1"/>
+          <p:nvPr/>
+        </p:nvSpPr>
+        <p:spPr>
+          <a:xfrm>
+            <a:off x="899962" y="807017"/>
+            <a:ext cx="6266046" cy="369332"/>
+          </a:xfrm>
+          <a:prstGeom prst="rect">
+            <a:avLst/>
+          </a:prstGeom>
+          <a:noFill/>
+        </p:spPr>
+        <p:txBody>
+          <a:bodyPr wrap="square">
+            <a:spAutoFit/>
+          </a:bodyPr>
+          <a:lstStyle/>
+          <a:p>
+            <a:r>
+              <a:rPr lang="en-US" altLang="ko-KR" sz="1800" b="1" dirty="0">
+                <a:ln>
+                  <a:solidFill>
+                    <a:schemeClr val="tx1">
+                      <a:lumMod val="85000"/>
+                      <a:lumOff val="15000"/>
+                      <a:alpha val="0"/>
+                    </a:schemeClr>
+                  </a:solidFill>
+                </a:ln>
+                <a:solidFill>
+                  <a:schemeClr val="tx1">
+                    <a:lumMod val="85000"/>
+                    <a:lumOff val="15000"/>
+                  </a:schemeClr>
+                </a:solidFill>
+                <a:latin typeface="12롯데마트드림Medium"/>
+                <a:ea typeface="-윤고딕340" panose="02030504000101010101" pitchFamily="18" charset="-127"/>
+              </a:rPr>
+              <a:t>01 sp.mix.1D</a:t>
+            </a:r>
+          </a:p>
+        </p:txBody>
+      </p:sp>
+      <p:pic>
+        <p:nvPicPr>
+          <p:cNvPr id="20" name="그림 19">
+            <a:extLst>
+              <a:ext uri="{FF2B5EF4-FFF2-40B4-BE49-F238E27FC236}">
+                <a16:creationId xmlns:a16="http://schemas.microsoft.com/office/drawing/2014/main" id="{E4F591BC-6660-4407-9672-D318BF15F6B5}"/>
+              </a:ext>
+            </a:extLst>
+          </p:cNvPr>
+          <p:cNvPicPr>
+            <a:picLocks noChangeAspect="1"/>
+          </p:cNvPicPr>
+          <p:nvPr/>
+        </p:nvPicPr>
+        <p:blipFill>
+          <a:blip r:embed="rId4"/>
+          <a:stretch>
+            <a:fillRect/>
+          </a:stretch>
+        </p:blipFill>
+        <p:spPr>
+          <a:xfrm>
+            <a:off x="2532379" y="5977639"/>
+            <a:ext cx="6734175" cy="523875"/>
+          </a:xfrm>
+          <a:prstGeom prst="rect">
+            <a:avLst/>
+          </a:prstGeom>
+        </p:spPr>
+      </p:pic>
+    </p:spTree>
+    <p:extLst>
+      <p:ext uri="{BB962C8B-B14F-4D97-AF65-F5344CB8AC3E}">
+        <p14:creationId xmlns:p14="http://schemas.microsoft.com/office/powerpoint/2010/main" val="1499886456"/>
+      </p:ext>
+    </p:extLst>
+  </p:cSld>
+  <p:clrMapOvr>
+    <a:masterClrMapping/>
+  </p:clrMapOvr>
+  <mc:AlternateContent xmlns:mc="http://schemas.openxmlformats.org/markup-compatibility/2006" xmlns:p14="http://schemas.microsoft.com/office/powerpoint/2010/main">
+    <mc:Choice Requires="p14">
+      <p:transition spd="med" p14:dur="700">
+        <p:fade/>
+      </p:transition>
+    </mc:Choice>
+    <mc:Fallback xmlns="">
+      <p:transition spd="med">
+        <p:fade/>
+      </p:transition>
+    </mc:Fallback>
+  </mc:AlternateContent>
+</p:sld>
+</file>
+
+<file path=ppt/slides/slide5.xml><?xml version="1.0" encoding="utf-8"?>
+<p:sld xmlns:a="http://schemas.openxmlformats.org/drawingml/2006/main" xmlns:r="http://schemas.openxmlformats.org/officeDocument/2006/relationships" xmlns:p="http://schemas.openxmlformats.org/presentationml/2006/main">
+  <p:cSld>
+    <p:spTree>
+      <p:nvGrpSpPr>
+        <p:cNvPr id="1" name=""/>
+        <p:cNvGrpSpPr/>
+        <p:nvPr/>
+      </p:nvGrpSpPr>
+      <p:grpSpPr>
+        <a:xfrm>
+          <a:off x="0" y="0"/>
+          <a:ext cx="0" cy="0"/>
+          <a:chOff x="0" y="0"/>
+          <a:chExt cx="0" cy="0"/>
+        </a:xfrm>
+      </p:grpSpPr>
+      <p:sp>
+        <p:nvSpPr>
+          <p:cNvPr id="2" name="직사각형 1"/>
+          <p:cNvSpPr/>
+          <p:nvPr/>
+        </p:nvSpPr>
+        <p:spPr>
+          <a:xfrm>
+            <a:off x="131501" y="80464"/>
+            <a:ext cx="11905323" cy="96011"/>
+          </a:xfrm>
+          <a:prstGeom prst="rect">
+            <a:avLst/>
+          </a:prstGeom>
+          <a:solidFill>
+            <a:schemeClr val="tx1">
+              <a:lumMod val="85000"/>
+              <a:lumOff val="15000"/>
+            </a:schemeClr>
+          </a:solidFill>
+          <a:ln>
+            <a:noFill/>
+          </a:ln>
+        </p:spPr>
+        <p:style>
+          <a:lnRef idx="2">
+            <a:schemeClr val="accent1">
+              <a:shade val="50000"/>
+            </a:schemeClr>
+          </a:lnRef>
+          <a:fillRef idx="1">
+            <a:schemeClr val="accent1"/>
+          </a:fillRef>
+          <a:effectRef idx="0">
+            <a:schemeClr val="accent1"/>
+          </a:effectRef>
+          <a:fontRef idx="minor">
+            <a:schemeClr val="lt1"/>
+          </a:fontRef>
+        </p:style>
+        <p:txBody>
+          <a:bodyPr rtlCol="0" anchor="ctr"/>
+          <a:lstStyle/>
+          <a:p>
+            <a:pPr algn="ctr"/>
+            <a:endParaRPr lang="ko-KR" altLang="en-US" sz="2400"/>
+          </a:p>
+        </p:txBody>
+      </p:sp>
+      <p:sp>
+        <p:nvSpPr>
+          <p:cNvPr id="3" name="직사각형 2"/>
+          <p:cNvSpPr/>
+          <p:nvPr/>
+        </p:nvSpPr>
+        <p:spPr>
+          <a:xfrm>
+            <a:off x="131501" y="225136"/>
+            <a:ext cx="2496276" cy="431393"/>
+          </a:xfrm>
+          <a:prstGeom prst="rect">
+            <a:avLst/>
+          </a:prstGeom>
+          <a:solidFill>
+            <a:schemeClr val="tx2">
+              <a:lumMod val="50000"/>
+            </a:schemeClr>
+          </a:solidFill>
+          <a:ln>
+            <a:noFill/>
+          </a:ln>
+        </p:spPr>
+        <p:style>
+          <a:lnRef idx="2">
+            <a:schemeClr val="accent1">
+              <a:shade val="50000"/>
+            </a:schemeClr>
+          </a:lnRef>
+          <a:fillRef idx="1">
+            <a:schemeClr val="accent1"/>
+          </a:fillRef>
+          <a:effectRef idx="0">
+            <a:schemeClr val="accent1"/>
+          </a:effectRef>
+          <a:fontRef idx="minor">
+            <a:schemeClr val="lt1"/>
+          </a:fontRef>
+        </p:style>
+        <p:txBody>
+          <a:bodyPr rtlCol="0" anchor="ctr"/>
+          <a:lstStyle/>
+          <a:p>
+            <a:pPr algn="ctr"/>
+            <a:endParaRPr lang="ko-KR" altLang="en-US" sz="2400"/>
+          </a:p>
+        </p:txBody>
+      </p:sp>
+      <p:sp>
+        <p:nvSpPr>
+          <p:cNvPr id="4" name="직각 삼각형 3"/>
+          <p:cNvSpPr/>
+          <p:nvPr/>
+        </p:nvSpPr>
+        <p:spPr>
+          <a:xfrm>
+            <a:off x="2627776" y="225133"/>
+            <a:ext cx="431395" cy="431395"/>
+          </a:xfrm>
+          <a:prstGeom prst="rtTriangle">
+            <a:avLst/>
+          </a:prstGeom>
+          <a:solidFill>
+            <a:schemeClr val="tx2">
+              <a:lumMod val="50000"/>
+            </a:schemeClr>
+          </a:solidFill>
+          <a:ln>
+            <a:noFill/>
+          </a:ln>
+        </p:spPr>
+        <p:style>
+          <a:lnRef idx="2">
+            <a:schemeClr val="accent1">
+              <a:shade val="50000"/>
+            </a:schemeClr>
+          </a:lnRef>
+          <a:fillRef idx="1">
+            <a:schemeClr val="accent1"/>
+          </a:fillRef>
+          <a:effectRef idx="0">
+            <a:schemeClr val="accent1"/>
+          </a:effectRef>
+          <a:fontRef idx="minor">
+            <a:schemeClr val="lt1"/>
+          </a:fontRef>
+        </p:style>
+        <p:txBody>
+          <a:bodyPr rtlCol="0" anchor="ctr"/>
+          <a:lstStyle/>
+          <a:p>
+            <a:pPr algn="ctr"/>
+            <a:endParaRPr lang="ko-KR" altLang="en-US" sz="2400"/>
+          </a:p>
+        </p:txBody>
+      </p:sp>
+      <p:grpSp>
+        <p:nvGrpSpPr>
+          <p:cNvPr id="5" name="그룹 4"/>
+          <p:cNvGrpSpPr/>
+          <p:nvPr/>
+        </p:nvGrpSpPr>
+        <p:grpSpPr>
+          <a:xfrm>
+            <a:off x="2688275" y="225128"/>
+            <a:ext cx="9348549" cy="431397"/>
+            <a:chOff x="2016206" y="168846"/>
+            <a:chExt cx="7011412" cy="323548"/>
+          </a:xfrm>
+        </p:grpSpPr>
+        <p:sp>
+          <p:nvSpPr>
+            <p:cNvPr id="6" name="직사각형 5"/>
+            <p:cNvSpPr/>
+            <p:nvPr/>
+          </p:nvSpPr>
+          <p:spPr>
+            <a:xfrm flipH="1" flipV="1">
+              <a:off x="2339752" y="168846"/>
+              <a:ext cx="6687866" cy="323545"/>
+            </a:xfrm>
+            <a:prstGeom prst="rect">
+              <a:avLst/>
+            </a:prstGeom>
+            <a:solidFill>
+              <a:schemeClr val="bg1">
+                <a:lumMod val="75000"/>
+              </a:schemeClr>
+            </a:solidFill>
+            <a:ln>
+              <a:noFill/>
+            </a:ln>
+          </p:spPr>
+          <p:style>
+            <a:lnRef idx="2">
+              <a:schemeClr val="accent1">
+                <a:shade val="50000"/>
+              </a:schemeClr>
+            </a:lnRef>
+            <a:fillRef idx="1">
+              <a:schemeClr val="accent1"/>
+            </a:fillRef>
+            <a:effectRef idx="0">
+              <a:schemeClr val="accent1"/>
+            </a:effectRef>
+            <a:fontRef idx="minor">
+              <a:schemeClr val="lt1"/>
+            </a:fontRef>
+          </p:style>
+          <p:txBody>
+            <a:bodyPr rtlCol="0" anchor="ctr"/>
+            <a:lstStyle/>
+            <a:p>
+              <a:pPr algn="ctr"/>
+              <a:endParaRPr lang="ko-KR" altLang="en-US" sz="2400"/>
+            </a:p>
+          </p:txBody>
+        </p:sp>
+        <p:sp>
+          <p:nvSpPr>
+            <p:cNvPr id="7" name="직각 삼각형 6"/>
+            <p:cNvSpPr/>
+            <p:nvPr/>
+          </p:nvSpPr>
+          <p:spPr>
+            <a:xfrm flipH="1" flipV="1">
+              <a:off x="2016206" y="168848"/>
+              <a:ext cx="323546" cy="323546"/>
+            </a:xfrm>
+            <a:prstGeom prst="rtTriangle">
+              <a:avLst/>
+            </a:prstGeom>
+            <a:solidFill>
+              <a:schemeClr val="bg1">
+                <a:lumMod val="75000"/>
+              </a:schemeClr>
+            </a:solidFill>
+            <a:ln>
+              <a:noFill/>
+            </a:ln>
+          </p:spPr>
+          <p:style>
+            <a:lnRef idx="2">
+              <a:schemeClr val="accent1">
+                <a:shade val="50000"/>
+              </a:schemeClr>
+            </a:lnRef>
+            <a:fillRef idx="1">
+              <a:schemeClr val="accent1"/>
+            </a:fillRef>
+            <a:effectRef idx="0">
+              <a:schemeClr val="accent1"/>
+            </a:effectRef>
+            <a:fontRef idx="minor">
+              <a:schemeClr val="lt1"/>
+            </a:fontRef>
+          </p:style>
+          <p:txBody>
+            <a:bodyPr rtlCol="0" anchor="ctr"/>
+            <a:lstStyle/>
+            <a:p>
+              <a:pPr algn="ctr"/>
+              <a:endParaRPr lang="ko-KR" altLang="en-US" sz="2400" dirty="0"/>
+            </a:p>
+          </p:txBody>
+        </p:sp>
+      </p:grpSp>
+      <p:sp>
+        <p:nvSpPr>
+          <p:cNvPr id="8" name="TextBox 7"/>
+          <p:cNvSpPr txBox="1"/>
+          <p:nvPr/>
+        </p:nvSpPr>
+        <p:spPr>
+          <a:xfrm>
+            <a:off x="251187" y="275359"/>
+            <a:ext cx="1824203" cy="338554"/>
+          </a:xfrm>
+          <a:prstGeom prst="rect">
+            <a:avLst/>
+          </a:prstGeom>
+          <a:noFill/>
+        </p:spPr>
+        <p:txBody>
+          <a:bodyPr wrap="square" rtlCol="0">
+            <a:spAutoFit/>
+          </a:bodyPr>
+          <a:lstStyle/>
+          <a:p>
+            <a:r>
+              <a:rPr lang="en-US" altLang="ko-KR" sz="1600" dirty="0">
+                <a:ln>
+                  <a:solidFill>
+                    <a:schemeClr val="bg1">
+                      <a:lumMod val="95000"/>
+                      <a:alpha val="10000"/>
+                    </a:schemeClr>
+                  </a:solidFill>
+                </a:ln>
+                <a:solidFill>
+                  <a:schemeClr val="bg1">
+                    <a:lumMod val="95000"/>
+                  </a:schemeClr>
+                </a:solidFill>
+                <a:latin typeface="-윤고딕330" pitchFamily="18" charset="-127"/>
+                <a:ea typeface="-윤고딕330" pitchFamily="18" charset="-127"/>
+              </a:rPr>
+              <a:t>R Package</a:t>
+            </a:r>
+          </a:p>
+        </p:txBody>
+      </p:sp>
+      <p:sp>
+        <p:nvSpPr>
+          <p:cNvPr id="10" name="직사각형 9"/>
+          <p:cNvSpPr/>
+          <p:nvPr/>
+        </p:nvSpPr>
+        <p:spPr>
+          <a:xfrm>
+            <a:off x="213903" y="264017"/>
+            <a:ext cx="67143" cy="340487"/>
+          </a:xfrm>
+          <a:prstGeom prst="rect">
+            <a:avLst/>
+          </a:prstGeom>
+          <a:solidFill>
+            <a:schemeClr val="accent1">
+              <a:lumMod val="20000"/>
+              <a:lumOff val="80000"/>
+            </a:schemeClr>
+          </a:solidFill>
+          <a:ln>
+            <a:noFill/>
+          </a:ln>
+        </p:spPr>
+        <p:style>
+          <a:lnRef idx="2">
+            <a:schemeClr val="accent1">
+              <a:shade val="50000"/>
+            </a:schemeClr>
+          </a:lnRef>
+          <a:fillRef idx="1">
+            <a:schemeClr val="accent1"/>
+          </a:fillRef>
+          <a:effectRef idx="0">
+            <a:schemeClr val="accent1"/>
+          </a:effectRef>
+          <a:fontRef idx="minor">
+            <a:schemeClr val="lt1"/>
+          </a:fontRef>
+        </p:style>
+        <p:txBody>
+          <a:bodyPr rtlCol="0" anchor="ctr"/>
+          <a:lstStyle/>
+          <a:p>
+            <a:pPr algn="ctr"/>
+            <a:endParaRPr lang="ko-KR" altLang="en-US" sz="2400"/>
+          </a:p>
+        </p:txBody>
+      </p:sp>
+      <p:sp>
+        <p:nvSpPr>
+          <p:cNvPr id="11" name="TextBox 10"/>
+          <p:cNvSpPr txBox="1"/>
+          <p:nvPr/>
+        </p:nvSpPr>
+        <p:spPr>
+          <a:xfrm>
+            <a:off x="9266554" y="272486"/>
+            <a:ext cx="3262161" cy="307777"/>
+          </a:xfrm>
+          <a:prstGeom prst="rect">
+            <a:avLst/>
+          </a:prstGeom>
+          <a:noFill/>
+        </p:spPr>
+        <p:txBody>
+          <a:bodyPr wrap="square" rtlCol="0">
+            <a:spAutoFit/>
+          </a:bodyPr>
+          <a:lstStyle/>
+          <a:p>
+            <a:r>
+              <a:rPr lang="en-US" altLang="ko-KR" sz="1400" dirty="0">
+                <a:ln>
+                  <a:solidFill>
+                    <a:schemeClr val="tx1">
+                      <a:lumMod val="75000"/>
+                      <a:lumOff val="25000"/>
+                      <a:alpha val="10000"/>
+                    </a:schemeClr>
+                  </a:solidFill>
+                </a:ln>
+                <a:solidFill>
+                  <a:schemeClr val="tx1">
+                    <a:lumMod val="75000"/>
+                    <a:lumOff val="25000"/>
+                  </a:schemeClr>
+                </a:solidFill>
+                <a:latin typeface="-윤고딕340" pitchFamily="18" charset="-127"/>
+                <a:ea typeface="-윤고딕340" pitchFamily="18" charset="-127"/>
+              </a:rPr>
+              <a:t>01. </a:t>
+            </a:r>
+            <a:r>
+              <a:rPr lang="en-US" altLang="ko-KR" sz="1400" dirty="0">
+                <a:ln>
+                  <a:solidFill>
+                    <a:schemeClr val="tx1">
+                      <a:lumMod val="85000"/>
+                      <a:lumOff val="15000"/>
+                      <a:alpha val="0"/>
+                    </a:schemeClr>
+                  </a:solidFill>
+                </a:ln>
+                <a:solidFill>
+                  <a:schemeClr val="tx1">
+                    <a:lumMod val="85000"/>
+                    <a:lumOff val="15000"/>
+                  </a:schemeClr>
+                </a:solidFill>
+                <a:latin typeface="-윤고딕340" panose="02030504000101010101" pitchFamily="18" charset="-127"/>
+                <a:ea typeface="-윤고딕340" panose="02030504000101010101" pitchFamily="18" charset="-127"/>
+              </a:rPr>
+              <a:t>Structure </a:t>
+            </a:r>
+            <a:endParaRPr lang="ko-KR" altLang="en-US" sz="1400" dirty="0">
+              <a:ln>
+                <a:solidFill>
+                  <a:schemeClr val="tx1">
+                    <a:lumMod val="65000"/>
+                    <a:lumOff val="35000"/>
+                    <a:alpha val="10000"/>
+                  </a:schemeClr>
+                </a:solidFill>
+              </a:ln>
+              <a:solidFill>
+                <a:schemeClr val="tx1">
+                  <a:lumMod val="65000"/>
+                  <a:lumOff val="35000"/>
+                </a:schemeClr>
+              </a:solidFill>
+              <a:latin typeface="-윤고딕330" panose="02030504000101010101" pitchFamily="18" charset="-127"/>
+              <a:ea typeface="-윤고딕330" panose="02030504000101010101" pitchFamily="18" charset="-127"/>
+            </a:endParaRPr>
+          </a:p>
+        </p:txBody>
+      </p:sp>
+      <p:pic>
+        <p:nvPicPr>
+          <p:cNvPr id="12" name="그림 11">
+            <a:extLst>
+              <a:ext uri="{FF2B5EF4-FFF2-40B4-BE49-F238E27FC236}">
+                <a16:creationId xmlns:a16="http://schemas.microsoft.com/office/drawing/2014/main" id="{DA85A162-C69C-422C-BA77-3744704D26DD}"/>
+              </a:ext>
+            </a:extLst>
+          </p:cNvPr>
+          <p:cNvPicPr>
+            <a:picLocks noChangeAspect="1"/>
+          </p:cNvPicPr>
+          <p:nvPr/>
+        </p:nvPicPr>
+        <p:blipFill>
+          <a:blip r:embed="rId3"/>
+          <a:stretch>
+            <a:fillRect/>
+          </a:stretch>
+        </p:blipFill>
+        <p:spPr>
+          <a:xfrm>
+            <a:off x="1405276" y="1388444"/>
+            <a:ext cx="9381447" cy="4081112"/>
+          </a:xfrm>
+          <a:prstGeom prst="rect">
+            <a:avLst/>
+          </a:prstGeom>
+        </p:spPr>
+      </p:pic>
       <p:sp>
         <p:nvSpPr>
           <p:cNvPr id="14" name="TextBox 13">
@@ -11653,8 +14028,1141 @@
         </p:nvSpPr>
         <p:spPr>
           <a:xfrm>
+            <a:off x="992976" y="752532"/>
+            <a:ext cx="6266046" cy="369332"/>
+          </a:xfrm>
+          <a:prstGeom prst="rect">
+            <a:avLst/>
+          </a:prstGeom>
+          <a:noFill/>
+        </p:spPr>
+        <p:txBody>
+          <a:bodyPr wrap="square">
+            <a:spAutoFit/>
+          </a:bodyPr>
+          <a:lstStyle/>
+          <a:p>
+            <a:r>
+              <a:rPr lang="en-US" altLang="ko-KR" sz="1800" b="1" dirty="0">
+                <a:ln>
+                  <a:solidFill>
+                    <a:schemeClr val="tx1">
+                      <a:lumMod val="85000"/>
+                      <a:lumOff val="15000"/>
+                      <a:alpha val="0"/>
+                    </a:schemeClr>
+                  </a:solidFill>
+                </a:ln>
+                <a:solidFill>
+                  <a:schemeClr val="tx1">
+                    <a:lumMod val="85000"/>
+                    <a:lumOff val="15000"/>
+                  </a:schemeClr>
+                </a:solidFill>
+                <a:latin typeface="12롯데마트드림Medium"/>
+                <a:ea typeface="-윤고딕340" panose="02030504000101010101" pitchFamily="18" charset="-127"/>
+              </a:rPr>
+              <a:t>02 </a:t>
+            </a:r>
+            <a:r>
+              <a:rPr lang="en-US" altLang="ko-KR" sz="1800" b="1" dirty="0" err="1">
+                <a:ln>
+                  <a:solidFill>
+                    <a:schemeClr val="tx1">
+                      <a:lumMod val="85000"/>
+                      <a:lumOff val="15000"/>
+                      <a:alpha val="0"/>
+                    </a:schemeClr>
+                  </a:solidFill>
+                </a:ln>
+                <a:solidFill>
+                  <a:schemeClr val="tx1">
+                    <a:lumMod val="85000"/>
+                    <a:lumOff val="15000"/>
+                  </a:schemeClr>
+                </a:solidFill>
+                <a:latin typeface="12롯데마트드림Medium"/>
+                <a:ea typeface="-윤고딕340" panose="02030504000101010101" pitchFamily="18" charset="-127"/>
+              </a:rPr>
+              <a:t>sp.mix.multi</a:t>
+            </a:r>
+            <a:endParaRPr lang="en-US" altLang="ko-KR" sz="1800" b="1" dirty="0">
+              <a:ln>
+                <a:solidFill>
+                  <a:schemeClr val="tx1">
+                    <a:lumMod val="85000"/>
+                    <a:lumOff val="15000"/>
+                    <a:alpha val="0"/>
+                  </a:schemeClr>
+                </a:solidFill>
+              </a:ln>
+              <a:solidFill>
+                <a:schemeClr val="tx1">
+                  <a:lumMod val="85000"/>
+                  <a:lumOff val="15000"/>
+                </a:schemeClr>
+              </a:solidFill>
+              <a:latin typeface="12롯데마트드림Medium"/>
+              <a:ea typeface="-윤고딕340" panose="02030504000101010101" pitchFamily="18" charset="-127"/>
+            </a:endParaRPr>
+          </a:p>
+        </p:txBody>
+      </p:sp>
+      <p:pic>
+        <p:nvPicPr>
+          <p:cNvPr id="16" name="그림 15">
+            <a:extLst>
+              <a:ext uri="{FF2B5EF4-FFF2-40B4-BE49-F238E27FC236}">
+                <a16:creationId xmlns:a16="http://schemas.microsoft.com/office/drawing/2014/main" id="{F97D2C03-C58B-475D-B8D9-67F5E904AFDF}"/>
+              </a:ext>
+            </a:extLst>
+          </p:cNvPr>
+          <p:cNvPicPr>
+            <a:picLocks noChangeAspect="1"/>
+          </p:cNvPicPr>
+          <p:nvPr/>
+        </p:nvPicPr>
+        <p:blipFill>
+          <a:blip r:embed="rId4"/>
+          <a:stretch>
+            <a:fillRect/>
+          </a:stretch>
+        </p:blipFill>
+        <p:spPr>
+          <a:xfrm>
+            <a:off x="1716907" y="5736136"/>
+            <a:ext cx="7391400" cy="733425"/>
+          </a:xfrm>
+          <a:prstGeom prst="rect">
+            <a:avLst/>
+          </a:prstGeom>
+        </p:spPr>
+      </p:pic>
+    </p:spTree>
+    <p:extLst>
+      <p:ext uri="{BB962C8B-B14F-4D97-AF65-F5344CB8AC3E}">
+        <p14:creationId xmlns:p14="http://schemas.microsoft.com/office/powerpoint/2010/main" val="499161204"/>
+      </p:ext>
+    </p:extLst>
+  </p:cSld>
+  <p:clrMapOvr>
+    <a:masterClrMapping/>
+  </p:clrMapOvr>
+  <mc:AlternateContent xmlns:mc="http://schemas.openxmlformats.org/markup-compatibility/2006" xmlns:p14="http://schemas.microsoft.com/office/powerpoint/2010/main">
+    <mc:Choice Requires="p14">
+      <p:transition spd="med" p14:dur="700">
+        <p:fade/>
+      </p:transition>
+    </mc:Choice>
+    <mc:Fallback xmlns="">
+      <p:transition spd="med">
+        <p:fade/>
+      </p:transition>
+    </mc:Fallback>
+  </mc:AlternateContent>
+</p:sld>
+</file>
+
+<file path=ppt/slides/slide6.xml><?xml version="1.0" encoding="utf-8"?>
+<p:sld xmlns:a="http://schemas.openxmlformats.org/drawingml/2006/main" xmlns:r="http://schemas.openxmlformats.org/officeDocument/2006/relationships" xmlns:p="http://schemas.openxmlformats.org/presentationml/2006/main">
+  <p:cSld>
+    <p:spTree>
+      <p:nvGrpSpPr>
+        <p:cNvPr id="1" name=""/>
+        <p:cNvGrpSpPr/>
+        <p:nvPr/>
+      </p:nvGrpSpPr>
+      <p:grpSpPr>
+        <a:xfrm>
+          <a:off x="0" y="0"/>
+          <a:ext cx="0" cy="0"/>
+          <a:chOff x="0" y="0"/>
+          <a:chExt cx="0" cy="0"/>
+        </a:xfrm>
+      </p:grpSpPr>
+      <p:sp>
+        <p:nvSpPr>
+          <p:cNvPr id="2" name="직사각형 1"/>
+          <p:cNvSpPr/>
+          <p:nvPr/>
+        </p:nvSpPr>
+        <p:spPr>
+          <a:xfrm>
+            <a:off x="131501" y="80464"/>
+            <a:ext cx="11905323" cy="96011"/>
+          </a:xfrm>
+          <a:prstGeom prst="rect">
+            <a:avLst/>
+          </a:prstGeom>
+          <a:solidFill>
+            <a:schemeClr val="tx1">
+              <a:lumMod val="85000"/>
+              <a:lumOff val="15000"/>
+            </a:schemeClr>
+          </a:solidFill>
+          <a:ln>
+            <a:noFill/>
+          </a:ln>
+        </p:spPr>
+        <p:style>
+          <a:lnRef idx="2">
+            <a:schemeClr val="accent1">
+              <a:shade val="50000"/>
+            </a:schemeClr>
+          </a:lnRef>
+          <a:fillRef idx="1">
+            <a:schemeClr val="accent1"/>
+          </a:fillRef>
+          <a:effectRef idx="0">
+            <a:schemeClr val="accent1"/>
+          </a:effectRef>
+          <a:fontRef idx="minor">
+            <a:schemeClr val="lt1"/>
+          </a:fontRef>
+        </p:style>
+        <p:txBody>
+          <a:bodyPr rtlCol="0" anchor="ctr"/>
+          <a:lstStyle/>
+          <a:p>
+            <a:pPr algn="ctr"/>
+            <a:endParaRPr lang="ko-KR" altLang="en-US" sz="2400"/>
+          </a:p>
+        </p:txBody>
+      </p:sp>
+      <p:sp>
+        <p:nvSpPr>
+          <p:cNvPr id="3" name="직사각형 2"/>
+          <p:cNvSpPr/>
+          <p:nvPr/>
+        </p:nvSpPr>
+        <p:spPr>
+          <a:xfrm>
+            <a:off x="131501" y="225136"/>
+            <a:ext cx="2496276" cy="431393"/>
+          </a:xfrm>
+          <a:prstGeom prst="rect">
+            <a:avLst/>
+          </a:prstGeom>
+          <a:solidFill>
+            <a:schemeClr val="tx2">
+              <a:lumMod val="50000"/>
+            </a:schemeClr>
+          </a:solidFill>
+          <a:ln>
+            <a:noFill/>
+          </a:ln>
+        </p:spPr>
+        <p:style>
+          <a:lnRef idx="2">
+            <a:schemeClr val="accent1">
+              <a:shade val="50000"/>
+            </a:schemeClr>
+          </a:lnRef>
+          <a:fillRef idx="1">
+            <a:schemeClr val="accent1"/>
+          </a:fillRef>
+          <a:effectRef idx="0">
+            <a:schemeClr val="accent1"/>
+          </a:effectRef>
+          <a:fontRef idx="minor">
+            <a:schemeClr val="lt1"/>
+          </a:fontRef>
+        </p:style>
+        <p:txBody>
+          <a:bodyPr rtlCol="0" anchor="ctr"/>
+          <a:lstStyle/>
+          <a:p>
+            <a:pPr algn="ctr"/>
+            <a:endParaRPr lang="ko-KR" altLang="en-US" sz="2400"/>
+          </a:p>
+        </p:txBody>
+      </p:sp>
+      <p:sp>
+        <p:nvSpPr>
+          <p:cNvPr id="4" name="직각 삼각형 3"/>
+          <p:cNvSpPr/>
+          <p:nvPr/>
+        </p:nvSpPr>
+        <p:spPr>
+          <a:xfrm>
+            <a:off x="2627776" y="225133"/>
+            <a:ext cx="431395" cy="431395"/>
+          </a:xfrm>
+          <a:prstGeom prst="rtTriangle">
+            <a:avLst/>
+          </a:prstGeom>
+          <a:solidFill>
+            <a:schemeClr val="tx2">
+              <a:lumMod val="50000"/>
+            </a:schemeClr>
+          </a:solidFill>
+          <a:ln>
+            <a:noFill/>
+          </a:ln>
+        </p:spPr>
+        <p:style>
+          <a:lnRef idx="2">
+            <a:schemeClr val="accent1">
+              <a:shade val="50000"/>
+            </a:schemeClr>
+          </a:lnRef>
+          <a:fillRef idx="1">
+            <a:schemeClr val="accent1"/>
+          </a:fillRef>
+          <a:effectRef idx="0">
+            <a:schemeClr val="accent1"/>
+          </a:effectRef>
+          <a:fontRef idx="minor">
+            <a:schemeClr val="lt1"/>
+          </a:fontRef>
+        </p:style>
+        <p:txBody>
+          <a:bodyPr rtlCol="0" anchor="ctr"/>
+          <a:lstStyle/>
+          <a:p>
+            <a:pPr algn="ctr"/>
+            <a:endParaRPr lang="ko-KR" altLang="en-US" sz="2400"/>
+          </a:p>
+        </p:txBody>
+      </p:sp>
+      <p:grpSp>
+        <p:nvGrpSpPr>
+          <p:cNvPr id="5" name="그룹 4"/>
+          <p:cNvGrpSpPr/>
+          <p:nvPr/>
+        </p:nvGrpSpPr>
+        <p:grpSpPr>
+          <a:xfrm>
+            <a:off x="2688275" y="225128"/>
+            <a:ext cx="9348549" cy="431397"/>
+            <a:chOff x="2016206" y="168846"/>
+            <a:chExt cx="7011412" cy="323548"/>
+          </a:xfrm>
+        </p:grpSpPr>
+        <p:sp>
+          <p:nvSpPr>
+            <p:cNvPr id="6" name="직사각형 5"/>
+            <p:cNvSpPr/>
+            <p:nvPr/>
+          </p:nvSpPr>
+          <p:spPr>
+            <a:xfrm flipH="1" flipV="1">
+              <a:off x="2339752" y="168846"/>
+              <a:ext cx="6687866" cy="323545"/>
+            </a:xfrm>
+            <a:prstGeom prst="rect">
+              <a:avLst/>
+            </a:prstGeom>
+            <a:solidFill>
+              <a:schemeClr val="bg1">
+                <a:lumMod val="75000"/>
+              </a:schemeClr>
+            </a:solidFill>
+            <a:ln>
+              <a:noFill/>
+            </a:ln>
+          </p:spPr>
+          <p:style>
+            <a:lnRef idx="2">
+              <a:schemeClr val="accent1">
+                <a:shade val="50000"/>
+              </a:schemeClr>
+            </a:lnRef>
+            <a:fillRef idx="1">
+              <a:schemeClr val="accent1"/>
+            </a:fillRef>
+            <a:effectRef idx="0">
+              <a:schemeClr val="accent1"/>
+            </a:effectRef>
+            <a:fontRef idx="minor">
+              <a:schemeClr val="lt1"/>
+            </a:fontRef>
+          </p:style>
+          <p:txBody>
+            <a:bodyPr rtlCol="0" anchor="ctr"/>
+            <a:lstStyle/>
+            <a:p>
+              <a:pPr algn="ctr"/>
+              <a:endParaRPr lang="ko-KR" altLang="en-US" sz="2400"/>
+            </a:p>
+          </p:txBody>
+        </p:sp>
+        <p:sp>
+          <p:nvSpPr>
+            <p:cNvPr id="7" name="직각 삼각형 6"/>
+            <p:cNvSpPr/>
+            <p:nvPr/>
+          </p:nvSpPr>
+          <p:spPr>
+            <a:xfrm flipH="1" flipV="1">
+              <a:off x="2016206" y="168848"/>
+              <a:ext cx="323546" cy="323546"/>
+            </a:xfrm>
+            <a:prstGeom prst="rtTriangle">
+              <a:avLst/>
+            </a:prstGeom>
+            <a:solidFill>
+              <a:schemeClr val="bg1">
+                <a:lumMod val="75000"/>
+              </a:schemeClr>
+            </a:solidFill>
+            <a:ln>
+              <a:noFill/>
+            </a:ln>
+          </p:spPr>
+          <p:style>
+            <a:lnRef idx="2">
+              <a:schemeClr val="accent1">
+                <a:shade val="50000"/>
+              </a:schemeClr>
+            </a:lnRef>
+            <a:fillRef idx="1">
+              <a:schemeClr val="accent1"/>
+            </a:fillRef>
+            <a:effectRef idx="0">
+              <a:schemeClr val="accent1"/>
+            </a:effectRef>
+            <a:fontRef idx="minor">
+              <a:schemeClr val="lt1"/>
+            </a:fontRef>
+          </p:style>
+          <p:txBody>
+            <a:bodyPr rtlCol="0" anchor="ctr"/>
+            <a:lstStyle/>
+            <a:p>
+              <a:pPr algn="ctr"/>
+              <a:endParaRPr lang="ko-KR" altLang="en-US" sz="2400" dirty="0"/>
+            </a:p>
+          </p:txBody>
+        </p:sp>
+      </p:grpSp>
+      <p:sp>
+        <p:nvSpPr>
+          <p:cNvPr id="8" name="TextBox 7"/>
+          <p:cNvSpPr txBox="1"/>
+          <p:nvPr/>
+        </p:nvSpPr>
+        <p:spPr>
+          <a:xfrm>
+            <a:off x="251187" y="275359"/>
+            <a:ext cx="1824203" cy="338554"/>
+          </a:xfrm>
+          <a:prstGeom prst="rect">
+            <a:avLst/>
+          </a:prstGeom>
+          <a:noFill/>
+        </p:spPr>
+        <p:txBody>
+          <a:bodyPr wrap="square" rtlCol="0">
+            <a:spAutoFit/>
+          </a:bodyPr>
+          <a:lstStyle/>
+          <a:p>
+            <a:r>
+              <a:rPr lang="en-US" altLang="ko-KR" sz="1600" dirty="0">
+                <a:ln>
+                  <a:solidFill>
+                    <a:schemeClr val="bg1">
+                      <a:lumMod val="95000"/>
+                      <a:alpha val="10000"/>
+                    </a:schemeClr>
+                  </a:solidFill>
+                </a:ln>
+                <a:solidFill>
+                  <a:schemeClr val="bg1">
+                    <a:lumMod val="95000"/>
+                  </a:schemeClr>
+                </a:solidFill>
+                <a:latin typeface="-윤고딕330" pitchFamily="18" charset="-127"/>
+                <a:ea typeface="-윤고딕330" pitchFamily="18" charset="-127"/>
+              </a:rPr>
+              <a:t>R Package</a:t>
+            </a:r>
+          </a:p>
+        </p:txBody>
+      </p:sp>
+      <p:sp>
+        <p:nvSpPr>
+          <p:cNvPr id="10" name="직사각형 9"/>
+          <p:cNvSpPr/>
+          <p:nvPr/>
+        </p:nvSpPr>
+        <p:spPr>
+          <a:xfrm>
+            <a:off x="213903" y="264017"/>
+            <a:ext cx="67143" cy="340487"/>
+          </a:xfrm>
+          <a:prstGeom prst="rect">
+            <a:avLst/>
+          </a:prstGeom>
+          <a:solidFill>
+            <a:schemeClr val="accent1">
+              <a:lumMod val="20000"/>
+              <a:lumOff val="80000"/>
+            </a:schemeClr>
+          </a:solidFill>
+          <a:ln>
+            <a:noFill/>
+          </a:ln>
+        </p:spPr>
+        <p:style>
+          <a:lnRef idx="2">
+            <a:schemeClr val="accent1">
+              <a:shade val="50000"/>
+            </a:schemeClr>
+          </a:lnRef>
+          <a:fillRef idx="1">
+            <a:schemeClr val="accent1"/>
+          </a:fillRef>
+          <a:effectRef idx="0">
+            <a:schemeClr val="accent1"/>
+          </a:effectRef>
+          <a:fontRef idx="minor">
+            <a:schemeClr val="lt1"/>
+          </a:fontRef>
+        </p:style>
+        <p:txBody>
+          <a:bodyPr rtlCol="0" anchor="ctr"/>
+          <a:lstStyle/>
+          <a:p>
+            <a:pPr algn="ctr"/>
+            <a:endParaRPr lang="ko-KR" altLang="en-US" sz="2400"/>
+          </a:p>
+        </p:txBody>
+      </p:sp>
+      <p:sp>
+        <p:nvSpPr>
+          <p:cNvPr id="11" name="TextBox 10"/>
+          <p:cNvSpPr txBox="1"/>
+          <p:nvPr/>
+        </p:nvSpPr>
+        <p:spPr>
+          <a:xfrm>
+            <a:off x="9266554" y="272486"/>
+            <a:ext cx="3262161" cy="307777"/>
+          </a:xfrm>
+          <a:prstGeom prst="rect">
+            <a:avLst/>
+          </a:prstGeom>
+          <a:noFill/>
+        </p:spPr>
+        <p:txBody>
+          <a:bodyPr wrap="square" rtlCol="0">
+            <a:spAutoFit/>
+          </a:bodyPr>
+          <a:lstStyle/>
+          <a:p>
+            <a:r>
+              <a:rPr lang="en-US" altLang="ko-KR" sz="1400" dirty="0">
+                <a:ln>
+                  <a:solidFill>
+                    <a:schemeClr val="tx1">
+                      <a:lumMod val="75000"/>
+                      <a:lumOff val="25000"/>
+                      <a:alpha val="10000"/>
+                    </a:schemeClr>
+                  </a:solidFill>
+                </a:ln>
+                <a:solidFill>
+                  <a:schemeClr val="tx1">
+                    <a:lumMod val="75000"/>
+                    <a:lumOff val="25000"/>
+                  </a:schemeClr>
+                </a:solidFill>
+                <a:latin typeface="-윤고딕340" pitchFamily="18" charset="-127"/>
+                <a:ea typeface="-윤고딕340" pitchFamily="18" charset="-127"/>
+              </a:rPr>
+              <a:t>02. </a:t>
+            </a:r>
+            <a:r>
+              <a:rPr lang="en-US" altLang="ko-KR" sz="1400" dirty="0">
+                <a:ln>
+                  <a:solidFill>
+                    <a:schemeClr val="tx1">
+                      <a:lumMod val="85000"/>
+                      <a:lumOff val="15000"/>
+                      <a:alpha val="0"/>
+                    </a:schemeClr>
+                  </a:solidFill>
+                </a:ln>
+                <a:solidFill>
+                  <a:schemeClr val="tx1">
+                    <a:lumMod val="85000"/>
+                    <a:lumOff val="15000"/>
+                  </a:schemeClr>
+                </a:solidFill>
+                <a:latin typeface="-윤고딕340" panose="02030504000101010101" pitchFamily="18" charset="-127"/>
+                <a:ea typeface="-윤고딕340" panose="02030504000101010101" pitchFamily="18" charset="-127"/>
+              </a:rPr>
+              <a:t>Test Case</a:t>
+            </a:r>
+            <a:endParaRPr lang="ko-KR" altLang="en-US" sz="1400" dirty="0">
+              <a:ln>
+                <a:solidFill>
+                  <a:schemeClr val="tx1">
+                    <a:lumMod val="65000"/>
+                    <a:lumOff val="35000"/>
+                    <a:alpha val="10000"/>
+                  </a:schemeClr>
+                </a:solidFill>
+              </a:ln>
+              <a:solidFill>
+                <a:schemeClr val="tx1">
+                  <a:lumMod val="65000"/>
+                  <a:lumOff val="35000"/>
+                </a:schemeClr>
+              </a:solidFill>
+              <a:latin typeface="-윤고딕330" panose="02030504000101010101" pitchFamily="18" charset="-127"/>
+              <a:ea typeface="-윤고딕330" panose="02030504000101010101" pitchFamily="18" charset="-127"/>
+            </a:endParaRPr>
+          </a:p>
+        </p:txBody>
+      </p:sp>
+      <p:sp>
+        <p:nvSpPr>
+          <p:cNvPr id="14" name="TextBox 13">
+            <a:extLst>
+              <a:ext uri="{FF2B5EF4-FFF2-40B4-BE49-F238E27FC236}">
+                <a16:creationId xmlns:a16="http://schemas.microsoft.com/office/drawing/2014/main" id="{876DB399-8879-4421-8CA8-FD74AEBD157F}"/>
+              </a:ext>
+            </a:extLst>
+          </p:cNvPr>
+          <p:cNvSpPr txBox="1"/>
+          <p:nvPr/>
+        </p:nvSpPr>
+        <p:spPr>
+          <a:xfrm>
             <a:off x="992976" y="800657"/>
-            <a:ext cx="10191580" cy="1521955"/>
+            <a:ext cx="10191580" cy="769441"/>
+          </a:xfrm>
+          <a:prstGeom prst="rect">
+            <a:avLst/>
+          </a:prstGeom>
+          <a:noFill/>
+        </p:spPr>
+        <p:txBody>
+          <a:bodyPr wrap="square">
+            <a:spAutoFit/>
+          </a:bodyPr>
+          <a:lstStyle/>
+          <a:p>
+            <a:r>
+              <a:rPr lang="en-US" altLang="ko-KR" sz="2400" b="1" dirty="0">
+                <a:ln>
+                  <a:solidFill>
+                    <a:schemeClr val="tx1">
+                      <a:lumMod val="85000"/>
+                      <a:lumOff val="15000"/>
+                      <a:alpha val="0"/>
+                    </a:schemeClr>
+                  </a:solidFill>
+                </a:ln>
+                <a:solidFill>
+                  <a:schemeClr val="tx1">
+                    <a:lumMod val="85000"/>
+                    <a:lumOff val="15000"/>
+                  </a:schemeClr>
+                </a:solidFill>
+                <a:latin typeface="12롯데마트드림Medium"/>
+                <a:ea typeface="-윤고딕340" panose="02030504000101010101" pitchFamily="18" charset="-127"/>
+              </a:rPr>
+              <a:t>01 Carina</a:t>
+            </a:r>
+          </a:p>
+          <a:p>
+            <a:r>
+              <a:rPr lang="en-US" altLang="ko-KR" sz="2000" dirty="0">
+                <a:ln>
+                  <a:solidFill>
+                    <a:schemeClr val="tx1">
+                      <a:lumMod val="85000"/>
+                      <a:lumOff val="15000"/>
+                      <a:alpha val="0"/>
+                    </a:schemeClr>
+                  </a:solidFill>
+                </a:ln>
+                <a:solidFill>
+                  <a:schemeClr val="tx1">
+                    <a:lumMod val="85000"/>
+                    <a:lumOff val="15000"/>
+                  </a:schemeClr>
+                </a:solidFill>
+                <a:latin typeface="12롯데마트드림Medium"/>
+                <a:ea typeface="-윤고딕340" panose="02030504000101010101" pitchFamily="18" charset="-127"/>
+              </a:rPr>
+              <a:t>     : represents the Radial velocity data of stars in the Carina galaxy </a:t>
+            </a:r>
+          </a:p>
+        </p:txBody>
+      </p:sp>
+      <p:pic>
+        <p:nvPicPr>
+          <p:cNvPr id="13" name="그림 12">
+            <a:extLst>
+              <a:ext uri="{FF2B5EF4-FFF2-40B4-BE49-F238E27FC236}">
+                <a16:creationId xmlns:a16="http://schemas.microsoft.com/office/drawing/2014/main" id="{5E81720D-51BB-432C-8CB4-0BC4C91ECDDE}"/>
+              </a:ext>
+            </a:extLst>
+          </p:cNvPr>
+          <p:cNvPicPr>
+            <a:picLocks noChangeAspect="1"/>
+          </p:cNvPicPr>
+          <p:nvPr/>
+        </p:nvPicPr>
+        <p:blipFill>
+          <a:blip r:embed="rId3"/>
+          <a:stretch>
+            <a:fillRect/>
+          </a:stretch>
+        </p:blipFill>
+        <p:spPr>
+          <a:xfrm>
+            <a:off x="992976" y="1796615"/>
+            <a:ext cx="5566610" cy="2348414"/>
+          </a:xfrm>
+          <a:prstGeom prst="rect">
+            <a:avLst/>
+          </a:prstGeom>
+        </p:spPr>
+      </p:pic>
+      <p:pic>
+        <p:nvPicPr>
+          <p:cNvPr id="17" name="그림 16">
+            <a:extLst>
+              <a:ext uri="{FF2B5EF4-FFF2-40B4-BE49-F238E27FC236}">
+                <a16:creationId xmlns:a16="http://schemas.microsoft.com/office/drawing/2014/main" id="{A57E91FB-1118-4131-AAB5-2C3A39D56118}"/>
+              </a:ext>
+            </a:extLst>
+          </p:cNvPr>
+          <p:cNvPicPr>
+            <a:picLocks noChangeAspect="1"/>
+          </p:cNvPicPr>
+          <p:nvPr/>
+        </p:nvPicPr>
+        <p:blipFill>
+          <a:blip r:embed="rId4"/>
+          <a:stretch>
+            <a:fillRect/>
+          </a:stretch>
+        </p:blipFill>
+        <p:spPr>
+          <a:xfrm>
+            <a:off x="6631806" y="2970821"/>
+            <a:ext cx="5223302" cy="3421135"/>
+          </a:xfrm>
+          <a:prstGeom prst="rect">
+            <a:avLst/>
+          </a:prstGeom>
+        </p:spPr>
+      </p:pic>
+    </p:spTree>
+    <p:extLst>
+      <p:ext uri="{BB962C8B-B14F-4D97-AF65-F5344CB8AC3E}">
+        <p14:creationId xmlns:p14="http://schemas.microsoft.com/office/powerpoint/2010/main" val="274716274"/>
+      </p:ext>
+    </p:extLst>
+  </p:cSld>
+  <p:clrMapOvr>
+    <a:masterClrMapping/>
+  </p:clrMapOvr>
+  <mc:AlternateContent xmlns:mc="http://schemas.openxmlformats.org/markup-compatibility/2006" xmlns:p14="http://schemas.microsoft.com/office/powerpoint/2010/main">
+    <mc:Choice Requires="p14">
+      <p:transition spd="med" p14:dur="700">
+        <p:fade/>
+      </p:transition>
+    </mc:Choice>
+    <mc:Fallback xmlns="">
+      <p:transition spd="med">
+        <p:fade/>
+      </p:transition>
+    </mc:Fallback>
+  </mc:AlternateContent>
+</p:sld>
+</file>
+
+<file path=ppt/slides/slide7.xml><?xml version="1.0" encoding="utf-8"?>
+<p:sld xmlns:a="http://schemas.openxmlformats.org/drawingml/2006/main" xmlns:r="http://schemas.openxmlformats.org/officeDocument/2006/relationships" xmlns:p="http://schemas.openxmlformats.org/presentationml/2006/main">
+  <p:cSld>
+    <p:spTree>
+      <p:nvGrpSpPr>
+        <p:cNvPr id="1" name=""/>
+        <p:cNvGrpSpPr/>
+        <p:nvPr/>
+      </p:nvGrpSpPr>
+      <p:grpSpPr>
+        <a:xfrm>
+          <a:off x="0" y="0"/>
+          <a:ext cx="0" cy="0"/>
+          <a:chOff x="0" y="0"/>
+          <a:chExt cx="0" cy="0"/>
+        </a:xfrm>
+      </p:grpSpPr>
+      <p:sp>
+        <p:nvSpPr>
+          <p:cNvPr id="2" name="직사각형 1"/>
+          <p:cNvSpPr/>
+          <p:nvPr/>
+        </p:nvSpPr>
+        <p:spPr>
+          <a:xfrm>
+            <a:off x="131501" y="80464"/>
+            <a:ext cx="11905323" cy="96011"/>
+          </a:xfrm>
+          <a:prstGeom prst="rect">
+            <a:avLst/>
+          </a:prstGeom>
+          <a:solidFill>
+            <a:schemeClr val="tx1">
+              <a:lumMod val="85000"/>
+              <a:lumOff val="15000"/>
+            </a:schemeClr>
+          </a:solidFill>
+          <a:ln>
+            <a:noFill/>
+          </a:ln>
+        </p:spPr>
+        <p:style>
+          <a:lnRef idx="2">
+            <a:schemeClr val="accent1">
+              <a:shade val="50000"/>
+            </a:schemeClr>
+          </a:lnRef>
+          <a:fillRef idx="1">
+            <a:schemeClr val="accent1"/>
+          </a:fillRef>
+          <a:effectRef idx="0">
+            <a:schemeClr val="accent1"/>
+          </a:effectRef>
+          <a:fontRef idx="minor">
+            <a:schemeClr val="lt1"/>
+          </a:fontRef>
+        </p:style>
+        <p:txBody>
+          <a:bodyPr rtlCol="0" anchor="ctr"/>
+          <a:lstStyle/>
+          <a:p>
+            <a:pPr algn="ctr"/>
+            <a:endParaRPr lang="ko-KR" altLang="en-US" sz="2400"/>
+          </a:p>
+        </p:txBody>
+      </p:sp>
+      <p:sp>
+        <p:nvSpPr>
+          <p:cNvPr id="3" name="직사각형 2"/>
+          <p:cNvSpPr/>
+          <p:nvPr/>
+        </p:nvSpPr>
+        <p:spPr>
+          <a:xfrm>
+            <a:off x="131501" y="225136"/>
+            <a:ext cx="2496276" cy="431393"/>
+          </a:xfrm>
+          <a:prstGeom prst="rect">
+            <a:avLst/>
+          </a:prstGeom>
+          <a:solidFill>
+            <a:schemeClr val="tx2">
+              <a:lumMod val="50000"/>
+            </a:schemeClr>
+          </a:solidFill>
+          <a:ln>
+            <a:noFill/>
+          </a:ln>
+        </p:spPr>
+        <p:style>
+          <a:lnRef idx="2">
+            <a:schemeClr val="accent1">
+              <a:shade val="50000"/>
+            </a:schemeClr>
+          </a:lnRef>
+          <a:fillRef idx="1">
+            <a:schemeClr val="accent1"/>
+          </a:fillRef>
+          <a:effectRef idx="0">
+            <a:schemeClr val="accent1"/>
+          </a:effectRef>
+          <a:fontRef idx="minor">
+            <a:schemeClr val="lt1"/>
+          </a:fontRef>
+        </p:style>
+        <p:txBody>
+          <a:bodyPr rtlCol="0" anchor="ctr"/>
+          <a:lstStyle/>
+          <a:p>
+            <a:pPr algn="ctr"/>
+            <a:endParaRPr lang="ko-KR" altLang="en-US" sz="2400"/>
+          </a:p>
+        </p:txBody>
+      </p:sp>
+      <p:sp>
+        <p:nvSpPr>
+          <p:cNvPr id="4" name="직각 삼각형 3"/>
+          <p:cNvSpPr/>
+          <p:nvPr/>
+        </p:nvSpPr>
+        <p:spPr>
+          <a:xfrm>
+            <a:off x="2627776" y="225133"/>
+            <a:ext cx="431395" cy="431395"/>
+          </a:xfrm>
+          <a:prstGeom prst="rtTriangle">
+            <a:avLst/>
+          </a:prstGeom>
+          <a:solidFill>
+            <a:schemeClr val="tx2">
+              <a:lumMod val="50000"/>
+            </a:schemeClr>
+          </a:solidFill>
+          <a:ln>
+            <a:noFill/>
+          </a:ln>
+        </p:spPr>
+        <p:style>
+          <a:lnRef idx="2">
+            <a:schemeClr val="accent1">
+              <a:shade val="50000"/>
+            </a:schemeClr>
+          </a:lnRef>
+          <a:fillRef idx="1">
+            <a:schemeClr val="accent1"/>
+          </a:fillRef>
+          <a:effectRef idx="0">
+            <a:schemeClr val="accent1"/>
+          </a:effectRef>
+          <a:fontRef idx="minor">
+            <a:schemeClr val="lt1"/>
+          </a:fontRef>
+        </p:style>
+        <p:txBody>
+          <a:bodyPr rtlCol="0" anchor="ctr"/>
+          <a:lstStyle/>
+          <a:p>
+            <a:pPr algn="ctr"/>
+            <a:endParaRPr lang="ko-KR" altLang="en-US" sz="2400"/>
+          </a:p>
+        </p:txBody>
+      </p:sp>
+      <p:grpSp>
+        <p:nvGrpSpPr>
+          <p:cNvPr id="5" name="그룹 4"/>
+          <p:cNvGrpSpPr/>
+          <p:nvPr/>
+        </p:nvGrpSpPr>
+        <p:grpSpPr>
+          <a:xfrm>
+            <a:off x="2688275" y="225128"/>
+            <a:ext cx="9348549" cy="431397"/>
+            <a:chOff x="2016206" y="168846"/>
+            <a:chExt cx="7011412" cy="323548"/>
+          </a:xfrm>
+        </p:grpSpPr>
+        <p:sp>
+          <p:nvSpPr>
+            <p:cNvPr id="6" name="직사각형 5"/>
+            <p:cNvSpPr/>
+            <p:nvPr/>
+          </p:nvSpPr>
+          <p:spPr>
+            <a:xfrm flipH="1" flipV="1">
+              <a:off x="2339752" y="168846"/>
+              <a:ext cx="6687866" cy="323545"/>
+            </a:xfrm>
+            <a:prstGeom prst="rect">
+              <a:avLst/>
+            </a:prstGeom>
+            <a:solidFill>
+              <a:schemeClr val="bg1">
+                <a:lumMod val="75000"/>
+              </a:schemeClr>
+            </a:solidFill>
+            <a:ln>
+              <a:noFill/>
+            </a:ln>
+          </p:spPr>
+          <p:style>
+            <a:lnRef idx="2">
+              <a:schemeClr val="accent1">
+                <a:shade val="50000"/>
+              </a:schemeClr>
+            </a:lnRef>
+            <a:fillRef idx="1">
+              <a:schemeClr val="accent1"/>
+            </a:fillRef>
+            <a:effectRef idx="0">
+              <a:schemeClr val="accent1"/>
+            </a:effectRef>
+            <a:fontRef idx="minor">
+              <a:schemeClr val="lt1"/>
+            </a:fontRef>
+          </p:style>
+          <p:txBody>
+            <a:bodyPr rtlCol="0" anchor="ctr"/>
+            <a:lstStyle/>
+            <a:p>
+              <a:pPr algn="ctr"/>
+              <a:endParaRPr lang="ko-KR" altLang="en-US" sz="2400"/>
+            </a:p>
+          </p:txBody>
+        </p:sp>
+        <p:sp>
+          <p:nvSpPr>
+            <p:cNvPr id="7" name="직각 삼각형 6"/>
+            <p:cNvSpPr/>
+            <p:nvPr/>
+          </p:nvSpPr>
+          <p:spPr>
+            <a:xfrm flipH="1" flipV="1">
+              <a:off x="2016206" y="168848"/>
+              <a:ext cx="323546" cy="323546"/>
+            </a:xfrm>
+            <a:prstGeom prst="rtTriangle">
+              <a:avLst/>
+            </a:prstGeom>
+            <a:solidFill>
+              <a:schemeClr val="bg1">
+                <a:lumMod val="75000"/>
+              </a:schemeClr>
+            </a:solidFill>
+            <a:ln>
+              <a:noFill/>
+            </a:ln>
+          </p:spPr>
+          <p:style>
+            <a:lnRef idx="2">
+              <a:schemeClr val="accent1">
+                <a:shade val="50000"/>
+              </a:schemeClr>
+            </a:lnRef>
+            <a:fillRef idx="1">
+              <a:schemeClr val="accent1"/>
+            </a:fillRef>
+            <a:effectRef idx="0">
+              <a:schemeClr val="accent1"/>
+            </a:effectRef>
+            <a:fontRef idx="minor">
+              <a:schemeClr val="lt1"/>
+            </a:fontRef>
+          </p:style>
+          <p:txBody>
+            <a:bodyPr rtlCol="0" anchor="ctr"/>
+            <a:lstStyle/>
+            <a:p>
+              <a:pPr algn="ctr"/>
+              <a:endParaRPr lang="ko-KR" altLang="en-US" sz="2400" dirty="0"/>
+            </a:p>
+          </p:txBody>
+        </p:sp>
+      </p:grpSp>
+      <p:sp>
+        <p:nvSpPr>
+          <p:cNvPr id="8" name="TextBox 7"/>
+          <p:cNvSpPr txBox="1"/>
+          <p:nvPr/>
+        </p:nvSpPr>
+        <p:spPr>
+          <a:xfrm>
+            <a:off x="251187" y="275359"/>
+            <a:ext cx="1824203" cy="338554"/>
+          </a:xfrm>
+          <a:prstGeom prst="rect">
+            <a:avLst/>
+          </a:prstGeom>
+          <a:noFill/>
+        </p:spPr>
+        <p:txBody>
+          <a:bodyPr wrap="square" rtlCol="0">
+            <a:spAutoFit/>
+          </a:bodyPr>
+          <a:lstStyle/>
+          <a:p>
+            <a:r>
+              <a:rPr lang="en-US" altLang="ko-KR" sz="1600" dirty="0">
+                <a:ln>
+                  <a:solidFill>
+                    <a:schemeClr val="bg1">
+                      <a:lumMod val="95000"/>
+                      <a:alpha val="10000"/>
+                    </a:schemeClr>
+                  </a:solidFill>
+                </a:ln>
+                <a:solidFill>
+                  <a:schemeClr val="bg1">
+                    <a:lumMod val="95000"/>
+                  </a:schemeClr>
+                </a:solidFill>
+                <a:latin typeface="-윤고딕330" pitchFamily="18" charset="-127"/>
+                <a:ea typeface="-윤고딕330" pitchFamily="18" charset="-127"/>
+              </a:rPr>
+              <a:t>R Package</a:t>
+            </a:r>
+          </a:p>
+        </p:txBody>
+      </p:sp>
+      <p:sp>
+        <p:nvSpPr>
+          <p:cNvPr id="10" name="직사각형 9"/>
+          <p:cNvSpPr/>
+          <p:nvPr/>
+        </p:nvSpPr>
+        <p:spPr>
+          <a:xfrm>
+            <a:off x="213903" y="264017"/>
+            <a:ext cx="67143" cy="340487"/>
+          </a:xfrm>
+          <a:prstGeom prst="rect">
+            <a:avLst/>
+          </a:prstGeom>
+          <a:solidFill>
+            <a:schemeClr val="accent1">
+              <a:lumMod val="20000"/>
+              <a:lumOff val="80000"/>
+            </a:schemeClr>
+          </a:solidFill>
+          <a:ln>
+            <a:noFill/>
+          </a:ln>
+        </p:spPr>
+        <p:style>
+          <a:lnRef idx="2">
+            <a:schemeClr val="accent1">
+              <a:shade val="50000"/>
+            </a:schemeClr>
+          </a:lnRef>
+          <a:fillRef idx="1">
+            <a:schemeClr val="accent1"/>
+          </a:fillRef>
+          <a:effectRef idx="0">
+            <a:schemeClr val="accent1"/>
+          </a:effectRef>
+          <a:fontRef idx="minor">
+            <a:schemeClr val="lt1"/>
+          </a:fontRef>
+        </p:style>
+        <p:txBody>
+          <a:bodyPr rtlCol="0" anchor="ctr"/>
+          <a:lstStyle/>
+          <a:p>
+            <a:pPr algn="ctr"/>
+            <a:endParaRPr lang="ko-KR" altLang="en-US" sz="2400"/>
+          </a:p>
+        </p:txBody>
+      </p:sp>
+      <p:sp>
+        <p:nvSpPr>
+          <p:cNvPr id="14" name="TextBox 13">
+            <a:extLst>
+              <a:ext uri="{FF2B5EF4-FFF2-40B4-BE49-F238E27FC236}">
+                <a16:creationId xmlns:a16="http://schemas.microsoft.com/office/drawing/2014/main" id="{876DB399-8879-4421-8CA8-FD74AEBD157F}"/>
+              </a:ext>
+            </a:extLst>
+          </p:cNvPr>
+          <p:cNvSpPr txBox="1"/>
+          <p:nvPr/>
+        </p:nvSpPr>
+        <p:spPr>
+          <a:xfrm>
+            <a:off x="988372" y="752532"/>
+            <a:ext cx="10191580" cy="1060290"/>
           </a:xfrm>
           <a:prstGeom prst="rect">
             <a:avLst/>
@@ -11721,7 +15229,610 @@
                 <a:latin typeface="12롯데마트드림Medium"/>
                 <a:ea typeface="-윤고딕340" panose="02030504000101010101" pitchFamily="18" charset="-127"/>
               </a:rPr>
-              <a:t>    : p0=0.8</a:t>
+              <a:t>    : p0=0.95</a:t>
+            </a:r>
+          </a:p>
+        </p:txBody>
+      </p:sp>
+      <p:pic>
+        <p:nvPicPr>
+          <p:cNvPr id="16" name="그림 15">
+            <a:extLst>
+              <a:ext uri="{FF2B5EF4-FFF2-40B4-BE49-F238E27FC236}">
+                <a16:creationId xmlns:a16="http://schemas.microsoft.com/office/drawing/2014/main" id="{E8CC187B-B198-4B64-BDCD-28EAD5CEA938}"/>
+              </a:ext>
+            </a:extLst>
+          </p:cNvPr>
+          <p:cNvPicPr>
+            <a:picLocks noChangeAspect="1"/>
+          </p:cNvPicPr>
+          <p:nvPr/>
+        </p:nvPicPr>
+        <p:blipFill>
+          <a:blip r:embed="rId3"/>
+          <a:stretch>
+            <a:fillRect/>
+          </a:stretch>
+        </p:blipFill>
+        <p:spPr>
+          <a:xfrm>
+            <a:off x="2323052" y="1812822"/>
+            <a:ext cx="7522219" cy="4799490"/>
+          </a:xfrm>
+          <a:prstGeom prst="rect">
+            <a:avLst/>
+          </a:prstGeom>
+        </p:spPr>
+      </p:pic>
+      <p:sp>
+        <p:nvSpPr>
+          <p:cNvPr id="13" name="TextBox 12">
+            <a:extLst>
+              <a:ext uri="{FF2B5EF4-FFF2-40B4-BE49-F238E27FC236}">
+                <a16:creationId xmlns:a16="http://schemas.microsoft.com/office/drawing/2014/main" id="{D5D49DDD-7117-4AD4-AE63-0A29BD50A5CC}"/>
+              </a:ext>
+            </a:extLst>
+          </p:cNvPr>
+          <p:cNvSpPr txBox="1"/>
+          <p:nvPr/>
+        </p:nvSpPr>
+        <p:spPr>
+          <a:xfrm>
+            <a:off x="9266554" y="272486"/>
+            <a:ext cx="3262161" cy="307777"/>
+          </a:xfrm>
+          <a:prstGeom prst="rect">
+            <a:avLst/>
+          </a:prstGeom>
+          <a:noFill/>
+        </p:spPr>
+        <p:txBody>
+          <a:bodyPr wrap="square" rtlCol="0">
+            <a:spAutoFit/>
+          </a:bodyPr>
+          <a:lstStyle/>
+          <a:p>
+            <a:r>
+              <a:rPr lang="en-US" altLang="ko-KR" sz="1400" dirty="0">
+                <a:ln>
+                  <a:solidFill>
+                    <a:schemeClr val="tx1">
+                      <a:lumMod val="75000"/>
+                      <a:lumOff val="25000"/>
+                      <a:alpha val="10000"/>
+                    </a:schemeClr>
+                  </a:solidFill>
+                </a:ln>
+                <a:solidFill>
+                  <a:schemeClr val="tx1">
+                    <a:lumMod val="75000"/>
+                    <a:lumOff val="25000"/>
+                  </a:schemeClr>
+                </a:solidFill>
+                <a:latin typeface="-윤고딕340" pitchFamily="18" charset="-127"/>
+                <a:ea typeface="-윤고딕340" pitchFamily="18" charset="-127"/>
+              </a:rPr>
+              <a:t>02. </a:t>
+            </a:r>
+            <a:r>
+              <a:rPr lang="en-US" altLang="ko-KR" sz="1400" dirty="0">
+                <a:ln>
+                  <a:solidFill>
+                    <a:schemeClr val="tx1">
+                      <a:lumMod val="85000"/>
+                      <a:lumOff val="15000"/>
+                      <a:alpha val="0"/>
+                    </a:schemeClr>
+                  </a:solidFill>
+                </a:ln>
+                <a:solidFill>
+                  <a:schemeClr val="tx1">
+                    <a:lumMod val="85000"/>
+                    <a:lumOff val="15000"/>
+                  </a:schemeClr>
+                </a:solidFill>
+                <a:latin typeface="-윤고딕340" panose="02030504000101010101" pitchFamily="18" charset="-127"/>
+                <a:ea typeface="-윤고딕340" panose="02030504000101010101" pitchFamily="18" charset="-127"/>
+              </a:rPr>
+              <a:t>Test Case</a:t>
+            </a:r>
+            <a:endParaRPr lang="ko-KR" altLang="en-US" sz="1400" dirty="0">
+              <a:ln>
+                <a:solidFill>
+                  <a:schemeClr val="tx1">
+                    <a:lumMod val="65000"/>
+                    <a:lumOff val="35000"/>
+                    <a:alpha val="10000"/>
+                  </a:schemeClr>
+                </a:solidFill>
+              </a:ln>
+              <a:solidFill>
+                <a:schemeClr val="tx1">
+                  <a:lumMod val="65000"/>
+                  <a:lumOff val="35000"/>
+                </a:schemeClr>
+              </a:solidFill>
+              <a:latin typeface="-윤고딕330" panose="02030504000101010101" pitchFamily="18" charset="-127"/>
+              <a:ea typeface="-윤고딕330" panose="02030504000101010101" pitchFamily="18" charset="-127"/>
+            </a:endParaRPr>
+          </a:p>
+        </p:txBody>
+      </p:sp>
+    </p:spTree>
+    <p:extLst>
+      <p:ext uri="{BB962C8B-B14F-4D97-AF65-F5344CB8AC3E}">
+        <p14:creationId xmlns:p14="http://schemas.microsoft.com/office/powerpoint/2010/main" val="1255274152"/>
+      </p:ext>
+    </p:extLst>
+  </p:cSld>
+  <p:clrMapOvr>
+    <a:masterClrMapping/>
+  </p:clrMapOvr>
+  <mc:AlternateContent xmlns:mc="http://schemas.openxmlformats.org/markup-compatibility/2006" xmlns:p14="http://schemas.microsoft.com/office/powerpoint/2010/main">
+    <mc:Choice Requires="p14">
+      <p:transition spd="med" p14:dur="700">
+        <p:fade/>
+      </p:transition>
+    </mc:Choice>
+    <mc:Fallback xmlns="">
+      <p:transition spd="med">
+        <p:fade/>
+      </p:transition>
+    </mc:Fallback>
+  </mc:AlternateContent>
+</p:sld>
+</file>
+
+<file path=ppt/slides/slide8.xml><?xml version="1.0" encoding="utf-8"?>
+<p:sld xmlns:a="http://schemas.openxmlformats.org/drawingml/2006/main" xmlns:r="http://schemas.openxmlformats.org/officeDocument/2006/relationships" xmlns:p="http://schemas.openxmlformats.org/presentationml/2006/main">
+  <p:cSld>
+    <p:spTree>
+      <p:nvGrpSpPr>
+        <p:cNvPr id="1" name=""/>
+        <p:cNvGrpSpPr/>
+        <p:nvPr/>
+      </p:nvGrpSpPr>
+      <p:grpSpPr>
+        <a:xfrm>
+          <a:off x="0" y="0"/>
+          <a:ext cx="0" cy="0"/>
+          <a:chOff x="0" y="0"/>
+          <a:chExt cx="0" cy="0"/>
+        </a:xfrm>
+      </p:grpSpPr>
+      <p:sp>
+        <p:nvSpPr>
+          <p:cNvPr id="2" name="직사각형 1"/>
+          <p:cNvSpPr/>
+          <p:nvPr/>
+        </p:nvSpPr>
+        <p:spPr>
+          <a:xfrm>
+            <a:off x="131501" y="80464"/>
+            <a:ext cx="11905323" cy="96011"/>
+          </a:xfrm>
+          <a:prstGeom prst="rect">
+            <a:avLst/>
+          </a:prstGeom>
+          <a:solidFill>
+            <a:schemeClr val="tx1">
+              <a:lumMod val="85000"/>
+              <a:lumOff val="15000"/>
+            </a:schemeClr>
+          </a:solidFill>
+          <a:ln>
+            <a:noFill/>
+          </a:ln>
+        </p:spPr>
+        <p:style>
+          <a:lnRef idx="2">
+            <a:schemeClr val="accent1">
+              <a:shade val="50000"/>
+            </a:schemeClr>
+          </a:lnRef>
+          <a:fillRef idx="1">
+            <a:schemeClr val="accent1"/>
+          </a:fillRef>
+          <a:effectRef idx="0">
+            <a:schemeClr val="accent1"/>
+          </a:effectRef>
+          <a:fontRef idx="minor">
+            <a:schemeClr val="lt1"/>
+          </a:fontRef>
+        </p:style>
+        <p:txBody>
+          <a:bodyPr rtlCol="0" anchor="ctr"/>
+          <a:lstStyle/>
+          <a:p>
+            <a:pPr algn="ctr"/>
+            <a:endParaRPr lang="ko-KR" altLang="en-US" sz="2400"/>
+          </a:p>
+        </p:txBody>
+      </p:sp>
+      <p:sp>
+        <p:nvSpPr>
+          <p:cNvPr id="3" name="직사각형 2"/>
+          <p:cNvSpPr/>
+          <p:nvPr/>
+        </p:nvSpPr>
+        <p:spPr>
+          <a:xfrm>
+            <a:off x="131501" y="225136"/>
+            <a:ext cx="2496276" cy="431393"/>
+          </a:xfrm>
+          <a:prstGeom prst="rect">
+            <a:avLst/>
+          </a:prstGeom>
+          <a:solidFill>
+            <a:schemeClr val="tx2">
+              <a:lumMod val="50000"/>
+            </a:schemeClr>
+          </a:solidFill>
+          <a:ln>
+            <a:noFill/>
+          </a:ln>
+        </p:spPr>
+        <p:style>
+          <a:lnRef idx="2">
+            <a:schemeClr val="accent1">
+              <a:shade val="50000"/>
+            </a:schemeClr>
+          </a:lnRef>
+          <a:fillRef idx="1">
+            <a:schemeClr val="accent1"/>
+          </a:fillRef>
+          <a:effectRef idx="0">
+            <a:schemeClr val="accent1"/>
+          </a:effectRef>
+          <a:fontRef idx="minor">
+            <a:schemeClr val="lt1"/>
+          </a:fontRef>
+        </p:style>
+        <p:txBody>
+          <a:bodyPr rtlCol="0" anchor="ctr"/>
+          <a:lstStyle/>
+          <a:p>
+            <a:pPr algn="ctr"/>
+            <a:endParaRPr lang="ko-KR" altLang="en-US" sz="2400"/>
+          </a:p>
+        </p:txBody>
+      </p:sp>
+      <p:sp>
+        <p:nvSpPr>
+          <p:cNvPr id="4" name="직각 삼각형 3"/>
+          <p:cNvSpPr/>
+          <p:nvPr/>
+        </p:nvSpPr>
+        <p:spPr>
+          <a:xfrm>
+            <a:off x="2627776" y="225133"/>
+            <a:ext cx="431395" cy="431395"/>
+          </a:xfrm>
+          <a:prstGeom prst="rtTriangle">
+            <a:avLst/>
+          </a:prstGeom>
+          <a:solidFill>
+            <a:schemeClr val="tx2">
+              <a:lumMod val="50000"/>
+            </a:schemeClr>
+          </a:solidFill>
+          <a:ln>
+            <a:noFill/>
+          </a:ln>
+        </p:spPr>
+        <p:style>
+          <a:lnRef idx="2">
+            <a:schemeClr val="accent1">
+              <a:shade val="50000"/>
+            </a:schemeClr>
+          </a:lnRef>
+          <a:fillRef idx="1">
+            <a:schemeClr val="accent1"/>
+          </a:fillRef>
+          <a:effectRef idx="0">
+            <a:schemeClr val="accent1"/>
+          </a:effectRef>
+          <a:fontRef idx="minor">
+            <a:schemeClr val="lt1"/>
+          </a:fontRef>
+        </p:style>
+        <p:txBody>
+          <a:bodyPr rtlCol="0" anchor="ctr"/>
+          <a:lstStyle/>
+          <a:p>
+            <a:pPr algn="ctr"/>
+            <a:endParaRPr lang="ko-KR" altLang="en-US" sz="2400"/>
+          </a:p>
+        </p:txBody>
+      </p:sp>
+      <p:grpSp>
+        <p:nvGrpSpPr>
+          <p:cNvPr id="5" name="그룹 4"/>
+          <p:cNvGrpSpPr/>
+          <p:nvPr/>
+        </p:nvGrpSpPr>
+        <p:grpSpPr>
+          <a:xfrm>
+            <a:off x="2688275" y="225128"/>
+            <a:ext cx="9348549" cy="431397"/>
+            <a:chOff x="2016206" y="168846"/>
+            <a:chExt cx="7011412" cy="323548"/>
+          </a:xfrm>
+        </p:grpSpPr>
+        <p:sp>
+          <p:nvSpPr>
+            <p:cNvPr id="6" name="직사각형 5"/>
+            <p:cNvSpPr/>
+            <p:nvPr/>
+          </p:nvSpPr>
+          <p:spPr>
+            <a:xfrm flipH="1" flipV="1">
+              <a:off x="2339752" y="168846"/>
+              <a:ext cx="6687866" cy="323545"/>
+            </a:xfrm>
+            <a:prstGeom prst="rect">
+              <a:avLst/>
+            </a:prstGeom>
+            <a:solidFill>
+              <a:schemeClr val="bg1">
+                <a:lumMod val="75000"/>
+              </a:schemeClr>
+            </a:solidFill>
+            <a:ln>
+              <a:noFill/>
+            </a:ln>
+          </p:spPr>
+          <p:style>
+            <a:lnRef idx="2">
+              <a:schemeClr val="accent1">
+                <a:shade val="50000"/>
+              </a:schemeClr>
+            </a:lnRef>
+            <a:fillRef idx="1">
+              <a:schemeClr val="accent1"/>
+            </a:fillRef>
+            <a:effectRef idx="0">
+              <a:schemeClr val="accent1"/>
+            </a:effectRef>
+            <a:fontRef idx="minor">
+              <a:schemeClr val="lt1"/>
+            </a:fontRef>
+          </p:style>
+          <p:txBody>
+            <a:bodyPr rtlCol="0" anchor="ctr"/>
+            <a:lstStyle/>
+            <a:p>
+              <a:pPr algn="ctr"/>
+              <a:endParaRPr lang="ko-KR" altLang="en-US" sz="2400"/>
+            </a:p>
+          </p:txBody>
+        </p:sp>
+        <p:sp>
+          <p:nvSpPr>
+            <p:cNvPr id="7" name="직각 삼각형 6"/>
+            <p:cNvSpPr/>
+            <p:nvPr/>
+          </p:nvSpPr>
+          <p:spPr>
+            <a:xfrm flipH="1" flipV="1">
+              <a:off x="2016206" y="168848"/>
+              <a:ext cx="323546" cy="323546"/>
+            </a:xfrm>
+            <a:prstGeom prst="rtTriangle">
+              <a:avLst/>
+            </a:prstGeom>
+            <a:solidFill>
+              <a:schemeClr val="bg1">
+                <a:lumMod val="75000"/>
+              </a:schemeClr>
+            </a:solidFill>
+            <a:ln>
+              <a:noFill/>
+            </a:ln>
+          </p:spPr>
+          <p:style>
+            <a:lnRef idx="2">
+              <a:schemeClr val="accent1">
+                <a:shade val="50000"/>
+              </a:schemeClr>
+            </a:lnRef>
+            <a:fillRef idx="1">
+              <a:schemeClr val="accent1"/>
+            </a:fillRef>
+            <a:effectRef idx="0">
+              <a:schemeClr val="accent1"/>
+            </a:effectRef>
+            <a:fontRef idx="minor">
+              <a:schemeClr val="lt1"/>
+            </a:fontRef>
+          </p:style>
+          <p:txBody>
+            <a:bodyPr rtlCol="0" anchor="ctr"/>
+            <a:lstStyle/>
+            <a:p>
+              <a:pPr algn="ctr"/>
+              <a:endParaRPr lang="ko-KR" altLang="en-US" sz="2400" dirty="0"/>
+            </a:p>
+          </p:txBody>
+        </p:sp>
+      </p:grpSp>
+      <p:sp>
+        <p:nvSpPr>
+          <p:cNvPr id="8" name="TextBox 7"/>
+          <p:cNvSpPr txBox="1"/>
+          <p:nvPr/>
+        </p:nvSpPr>
+        <p:spPr>
+          <a:xfrm>
+            <a:off x="251187" y="275359"/>
+            <a:ext cx="1824203" cy="338554"/>
+          </a:xfrm>
+          <a:prstGeom prst="rect">
+            <a:avLst/>
+          </a:prstGeom>
+          <a:noFill/>
+        </p:spPr>
+        <p:txBody>
+          <a:bodyPr wrap="square" rtlCol="0">
+            <a:spAutoFit/>
+          </a:bodyPr>
+          <a:lstStyle/>
+          <a:p>
+            <a:r>
+              <a:rPr lang="en-US" altLang="ko-KR" sz="1600" dirty="0">
+                <a:ln>
+                  <a:solidFill>
+                    <a:schemeClr val="bg1">
+                      <a:lumMod val="95000"/>
+                      <a:alpha val="10000"/>
+                    </a:schemeClr>
+                  </a:solidFill>
+                </a:ln>
+                <a:solidFill>
+                  <a:schemeClr val="bg1">
+                    <a:lumMod val="95000"/>
+                  </a:schemeClr>
+                </a:solidFill>
+                <a:latin typeface="-윤고딕330" pitchFamily="18" charset="-127"/>
+                <a:ea typeface="-윤고딕330" pitchFamily="18" charset="-127"/>
+              </a:rPr>
+              <a:t>R Package</a:t>
+            </a:r>
+          </a:p>
+        </p:txBody>
+      </p:sp>
+      <p:sp>
+        <p:nvSpPr>
+          <p:cNvPr id="10" name="직사각형 9"/>
+          <p:cNvSpPr/>
+          <p:nvPr/>
+        </p:nvSpPr>
+        <p:spPr>
+          <a:xfrm>
+            <a:off x="213903" y="264017"/>
+            <a:ext cx="67143" cy="340487"/>
+          </a:xfrm>
+          <a:prstGeom prst="rect">
+            <a:avLst/>
+          </a:prstGeom>
+          <a:solidFill>
+            <a:schemeClr val="accent1">
+              <a:lumMod val="20000"/>
+              <a:lumOff val="80000"/>
+            </a:schemeClr>
+          </a:solidFill>
+          <a:ln>
+            <a:noFill/>
+          </a:ln>
+        </p:spPr>
+        <p:style>
+          <a:lnRef idx="2">
+            <a:schemeClr val="accent1">
+              <a:shade val="50000"/>
+            </a:schemeClr>
+          </a:lnRef>
+          <a:fillRef idx="1">
+            <a:schemeClr val="accent1"/>
+          </a:fillRef>
+          <a:effectRef idx="0">
+            <a:schemeClr val="accent1"/>
+          </a:effectRef>
+          <a:fontRef idx="minor">
+            <a:schemeClr val="lt1"/>
+          </a:fontRef>
+        </p:style>
+        <p:txBody>
+          <a:bodyPr rtlCol="0" anchor="ctr"/>
+          <a:lstStyle/>
+          <a:p>
+            <a:pPr algn="ctr"/>
+            <a:endParaRPr lang="ko-KR" altLang="en-US" sz="2400"/>
+          </a:p>
+        </p:txBody>
+      </p:sp>
+      <p:sp>
+        <p:nvSpPr>
+          <p:cNvPr id="14" name="TextBox 13">
+            <a:extLst>
+              <a:ext uri="{FF2B5EF4-FFF2-40B4-BE49-F238E27FC236}">
+                <a16:creationId xmlns:a16="http://schemas.microsoft.com/office/drawing/2014/main" id="{876DB399-8879-4421-8CA8-FD74AEBD157F}"/>
+              </a:ext>
+            </a:extLst>
+          </p:cNvPr>
+          <p:cNvSpPr txBox="1"/>
+          <p:nvPr/>
+        </p:nvSpPr>
+        <p:spPr>
+          <a:xfrm>
+            <a:off x="992976" y="800657"/>
+            <a:ext cx="10191580" cy="1521955"/>
+          </a:xfrm>
+          <a:prstGeom prst="rect">
+            <a:avLst/>
+          </a:prstGeom>
+          <a:noFill/>
+        </p:spPr>
+        <p:txBody>
+          <a:bodyPr wrap="square">
+            <a:spAutoFit/>
+          </a:bodyPr>
+          <a:lstStyle/>
+          <a:p>
+            <a:pPr>
+              <a:lnSpc>
+                <a:spcPct val="150000"/>
+              </a:lnSpc>
+            </a:pPr>
+            <a:r>
+              <a:rPr lang="en-US" altLang="ko-KR" sz="2400" b="1" dirty="0">
+                <a:ln>
+                  <a:solidFill>
+                    <a:schemeClr val="tx1">
+                      <a:lumMod val="85000"/>
+                      <a:lumOff val="15000"/>
+                      <a:alpha val="0"/>
+                    </a:schemeClr>
+                  </a:solidFill>
+                </a:ln>
+                <a:solidFill>
+                  <a:schemeClr val="tx1">
+                    <a:lumMod val="85000"/>
+                    <a:lumOff val="15000"/>
+                  </a:schemeClr>
+                </a:solidFill>
+                <a:latin typeface="12롯데마트드림Medium"/>
+                <a:ea typeface="-윤고딕340" panose="02030504000101010101" pitchFamily="18" charset="-127"/>
+              </a:rPr>
+              <a:t>02 Univariate Normal</a:t>
+            </a:r>
+          </a:p>
+          <a:p>
+            <a:pPr>
+              <a:lnSpc>
+                <a:spcPct val="150000"/>
+              </a:lnSpc>
+            </a:pPr>
+            <a:r>
+              <a:rPr lang="en-US" altLang="ko-KR" sz="2000" dirty="0">
+                <a:ln>
+                  <a:solidFill>
+                    <a:schemeClr val="tx1">
+                      <a:lumMod val="85000"/>
+                      <a:lumOff val="15000"/>
+                      <a:alpha val="0"/>
+                    </a:schemeClr>
+                  </a:solidFill>
+                </a:ln>
+                <a:solidFill>
+                  <a:schemeClr val="tx1">
+                    <a:lumMod val="85000"/>
+                    <a:lumOff val="15000"/>
+                  </a:schemeClr>
+                </a:solidFill>
+                <a:latin typeface="12롯데마트드림Medium"/>
+                <a:ea typeface="-윤고딕340" panose="02030504000101010101" pitchFamily="18" charset="-127"/>
+              </a:rPr>
+              <a:t>    : p0=0.9</a:t>
             </a:r>
           </a:p>
           <a:p>
@@ -11757,6 +15868,638 @@
       </p:sp>
       <p:pic>
         <p:nvPicPr>
+          <p:cNvPr id="13" name="그림 12">
+            <a:extLst>
+              <a:ext uri="{FF2B5EF4-FFF2-40B4-BE49-F238E27FC236}">
+                <a16:creationId xmlns:a16="http://schemas.microsoft.com/office/drawing/2014/main" id="{5AADDAFD-5E61-4724-A03E-8A8B18EE2F5F}"/>
+              </a:ext>
+            </a:extLst>
+          </p:cNvPr>
+          <p:cNvPicPr>
+            <a:picLocks noChangeAspect="1"/>
+          </p:cNvPicPr>
+          <p:nvPr/>
+        </p:nvPicPr>
+        <p:blipFill>
+          <a:blip r:embed="rId3"/>
+          <a:stretch>
+            <a:fillRect/>
+          </a:stretch>
+        </p:blipFill>
+        <p:spPr>
+          <a:xfrm>
+            <a:off x="2191125" y="1651790"/>
+            <a:ext cx="7786073" cy="4981074"/>
+          </a:xfrm>
+          <a:prstGeom prst="rect">
+            <a:avLst/>
+          </a:prstGeom>
+        </p:spPr>
+      </p:pic>
+      <p:sp>
+        <p:nvSpPr>
+          <p:cNvPr id="15" name="TextBox 14">
+            <a:extLst>
+              <a:ext uri="{FF2B5EF4-FFF2-40B4-BE49-F238E27FC236}">
+                <a16:creationId xmlns:a16="http://schemas.microsoft.com/office/drawing/2014/main" id="{FE5B95EA-2C79-4735-8130-76B34E6314D6}"/>
+              </a:ext>
+            </a:extLst>
+          </p:cNvPr>
+          <p:cNvSpPr txBox="1"/>
+          <p:nvPr/>
+        </p:nvSpPr>
+        <p:spPr>
+          <a:xfrm>
+            <a:off x="9266554" y="272486"/>
+            <a:ext cx="3262161" cy="307777"/>
+          </a:xfrm>
+          <a:prstGeom prst="rect">
+            <a:avLst/>
+          </a:prstGeom>
+          <a:noFill/>
+        </p:spPr>
+        <p:txBody>
+          <a:bodyPr wrap="square" rtlCol="0">
+            <a:spAutoFit/>
+          </a:bodyPr>
+          <a:lstStyle/>
+          <a:p>
+            <a:r>
+              <a:rPr lang="en-US" altLang="ko-KR" sz="1400" dirty="0">
+                <a:ln>
+                  <a:solidFill>
+                    <a:schemeClr val="tx1">
+                      <a:lumMod val="75000"/>
+                      <a:lumOff val="25000"/>
+                      <a:alpha val="10000"/>
+                    </a:schemeClr>
+                  </a:solidFill>
+                </a:ln>
+                <a:solidFill>
+                  <a:schemeClr val="tx1">
+                    <a:lumMod val="75000"/>
+                    <a:lumOff val="25000"/>
+                  </a:schemeClr>
+                </a:solidFill>
+                <a:latin typeface="-윤고딕340" pitchFamily="18" charset="-127"/>
+                <a:ea typeface="-윤고딕340" pitchFamily="18" charset="-127"/>
+              </a:rPr>
+              <a:t>02. </a:t>
+            </a:r>
+            <a:r>
+              <a:rPr lang="en-US" altLang="ko-KR" sz="1400" dirty="0">
+                <a:ln>
+                  <a:solidFill>
+                    <a:schemeClr val="tx1">
+                      <a:lumMod val="85000"/>
+                      <a:lumOff val="15000"/>
+                      <a:alpha val="0"/>
+                    </a:schemeClr>
+                  </a:solidFill>
+                </a:ln>
+                <a:solidFill>
+                  <a:schemeClr val="tx1">
+                    <a:lumMod val="85000"/>
+                    <a:lumOff val="15000"/>
+                  </a:schemeClr>
+                </a:solidFill>
+                <a:latin typeface="-윤고딕340" panose="02030504000101010101" pitchFamily="18" charset="-127"/>
+                <a:ea typeface="-윤고딕340" panose="02030504000101010101" pitchFamily="18" charset="-127"/>
+              </a:rPr>
+              <a:t>Test Case</a:t>
+            </a:r>
+            <a:endParaRPr lang="ko-KR" altLang="en-US" sz="1400" dirty="0">
+              <a:ln>
+                <a:solidFill>
+                  <a:schemeClr val="tx1">
+                    <a:lumMod val="65000"/>
+                    <a:lumOff val="35000"/>
+                    <a:alpha val="10000"/>
+                  </a:schemeClr>
+                </a:solidFill>
+              </a:ln>
+              <a:solidFill>
+                <a:schemeClr val="tx1">
+                  <a:lumMod val="65000"/>
+                  <a:lumOff val="35000"/>
+                </a:schemeClr>
+              </a:solidFill>
+              <a:latin typeface="-윤고딕330" panose="02030504000101010101" pitchFamily="18" charset="-127"/>
+              <a:ea typeface="-윤고딕330" panose="02030504000101010101" pitchFamily="18" charset="-127"/>
+            </a:endParaRPr>
+          </a:p>
+        </p:txBody>
+      </p:sp>
+    </p:spTree>
+    <p:extLst>
+      <p:ext uri="{BB962C8B-B14F-4D97-AF65-F5344CB8AC3E}">
+        <p14:creationId xmlns:p14="http://schemas.microsoft.com/office/powerpoint/2010/main" val="1115920900"/>
+      </p:ext>
+    </p:extLst>
+  </p:cSld>
+  <p:clrMapOvr>
+    <a:masterClrMapping/>
+  </p:clrMapOvr>
+  <mc:AlternateContent xmlns:mc="http://schemas.openxmlformats.org/markup-compatibility/2006" xmlns:p14="http://schemas.microsoft.com/office/powerpoint/2010/main">
+    <mc:Choice Requires="p14">
+      <p:transition spd="med" p14:dur="700">
+        <p:fade/>
+      </p:transition>
+    </mc:Choice>
+    <mc:Fallback xmlns="">
+      <p:transition spd="med">
+        <p:fade/>
+      </p:transition>
+    </mc:Fallback>
+  </mc:AlternateContent>
+</p:sld>
+</file>
+
+<file path=ppt/slides/slide9.xml><?xml version="1.0" encoding="utf-8"?>
+<p:sld xmlns:a="http://schemas.openxmlformats.org/drawingml/2006/main" xmlns:r="http://schemas.openxmlformats.org/officeDocument/2006/relationships" xmlns:p="http://schemas.openxmlformats.org/presentationml/2006/main">
+  <p:cSld>
+    <p:spTree>
+      <p:nvGrpSpPr>
+        <p:cNvPr id="1" name=""/>
+        <p:cNvGrpSpPr/>
+        <p:nvPr/>
+      </p:nvGrpSpPr>
+      <p:grpSpPr>
+        <a:xfrm>
+          <a:off x="0" y="0"/>
+          <a:ext cx="0" cy="0"/>
+          <a:chOff x="0" y="0"/>
+          <a:chExt cx="0" cy="0"/>
+        </a:xfrm>
+      </p:grpSpPr>
+      <p:sp>
+        <p:nvSpPr>
+          <p:cNvPr id="2" name="직사각형 1"/>
+          <p:cNvSpPr/>
+          <p:nvPr/>
+        </p:nvSpPr>
+        <p:spPr>
+          <a:xfrm>
+            <a:off x="131501" y="80464"/>
+            <a:ext cx="11905323" cy="96011"/>
+          </a:xfrm>
+          <a:prstGeom prst="rect">
+            <a:avLst/>
+          </a:prstGeom>
+          <a:solidFill>
+            <a:schemeClr val="tx1">
+              <a:lumMod val="85000"/>
+              <a:lumOff val="15000"/>
+            </a:schemeClr>
+          </a:solidFill>
+          <a:ln>
+            <a:noFill/>
+          </a:ln>
+        </p:spPr>
+        <p:style>
+          <a:lnRef idx="2">
+            <a:schemeClr val="accent1">
+              <a:shade val="50000"/>
+            </a:schemeClr>
+          </a:lnRef>
+          <a:fillRef idx="1">
+            <a:schemeClr val="accent1"/>
+          </a:fillRef>
+          <a:effectRef idx="0">
+            <a:schemeClr val="accent1"/>
+          </a:effectRef>
+          <a:fontRef idx="minor">
+            <a:schemeClr val="lt1"/>
+          </a:fontRef>
+        </p:style>
+        <p:txBody>
+          <a:bodyPr rtlCol="0" anchor="ctr"/>
+          <a:lstStyle/>
+          <a:p>
+            <a:pPr algn="ctr"/>
+            <a:endParaRPr lang="ko-KR" altLang="en-US" sz="2400"/>
+          </a:p>
+        </p:txBody>
+      </p:sp>
+      <p:sp>
+        <p:nvSpPr>
+          <p:cNvPr id="3" name="직사각형 2"/>
+          <p:cNvSpPr/>
+          <p:nvPr/>
+        </p:nvSpPr>
+        <p:spPr>
+          <a:xfrm>
+            <a:off x="131501" y="225136"/>
+            <a:ext cx="2496276" cy="431393"/>
+          </a:xfrm>
+          <a:prstGeom prst="rect">
+            <a:avLst/>
+          </a:prstGeom>
+          <a:solidFill>
+            <a:schemeClr val="tx2">
+              <a:lumMod val="50000"/>
+            </a:schemeClr>
+          </a:solidFill>
+          <a:ln>
+            <a:noFill/>
+          </a:ln>
+        </p:spPr>
+        <p:style>
+          <a:lnRef idx="2">
+            <a:schemeClr val="accent1">
+              <a:shade val="50000"/>
+            </a:schemeClr>
+          </a:lnRef>
+          <a:fillRef idx="1">
+            <a:schemeClr val="accent1"/>
+          </a:fillRef>
+          <a:effectRef idx="0">
+            <a:schemeClr val="accent1"/>
+          </a:effectRef>
+          <a:fontRef idx="minor">
+            <a:schemeClr val="lt1"/>
+          </a:fontRef>
+        </p:style>
+        <p:txBody>
+          <a:bodyPr rtlCol="0" anchor="ctr"/>
+          <a:lstStyle/>
+          <a:p>
+            <a:pPr algn="ctr"/>
+            <a:endParaRPr lang="ko-KR" altLang="en-US" sz="2400"/>
+          </a:p>
+        </p:txBody>
+      </p:sp>
+      <p:sp>
+        <p:nvSpPr>
+          <p:cNvPr id="4" name="직각 삼각형 3"/>
+          <p:cNvSpPr/>
+          <p:nvPr/>
+        </p:nvSpPr>
+        <p:spPr>
+          <a:xfrm>
+            <a:off x="2627776" y="225133"/>
+            <a:ext cx="431395" cy="431395"/>
+          </a:xfrm>
+          <a:prstGeom prst="rtTriangle">
+            <a:avLst/>
+          </a:prstGeom>
+          <a:solidFill>
+            <a:schemeClr val="tx2">
+              <a:lumMod val="50000"/>
+            </a:schemeClr>
+          </a:solidFill>
+          <a:ln>
+            <a:noFill/>
+          </a:ln>
+        </p:spPr>
+        <p:style>
+          <a:lnRef idx="2">
+            <a:schemeClr val="accent1">
+              <a:shade val="50000"/>
+            </a:schemeClr>
+          </a:lnRef>
+          <a:fillRef idx="1">
+            <a:schemeClr val="accent1"/>
+          </a:fillRef>
+          <a:effectRef idx="0">
+            <a:schemeClr val="accent1"/>
+          </a:effectRef>
+          <a:fontRef idx="minor">
+            <a:schemeClr val="lt1"/>
+          </a:fontRef>
+        </p:style>
+        <p:txBody>
+          <a:bodyPr rtlCol="0" anchor="ctr"/>
+          <a:lstStyle/>
+          <a:p>
+            <a:pPr algn="ctr"/>
+            <a:endParaRPr lang="ko-KR" altLang="en-US" sz="2400"/>
+          </a:p>
+        </p:txBody>
+      </p:sp>
+      <p:grpSp>
+        <p:nvGrpSpPr>
+          <p:cNvPr id="5" name="그룹 4"/>
+          <p:cNvGrpSpPr/>
+          <p:nvPr/>
+        </p:nvGrpSpPr>
+        <p:grpSpPr>
+          <a:xfrm>
+            <a:off x="2688275" y="225128"/>
+            <a:ext cx="9348549" cy="431397"/>
+            <a:chOff x="2016206" y="168846"/>
+            <a:chExt cx="7011412" cy="323548"/>
+          </a:xfrm>
+        </p:grpSpPr>
+        <p:sp>
+          <p:nvSpPr>
+            <p:cNvPr id="6" name="직사각형 5"/>
+            <p:cNvSpPr/>
+            <p:nvPr/>
+          </p:nvSpPr>
+          <p:spPr>
+            <a:xfrm flipH="1" flipV="1">
+              <a:off x="2339752" y="168846"/>
+              <a:ext cx="6687866" cy="323545"/>
+            </a:xfrm>
+            <a:prstGeom prst="rect">
+              <a:avLst/>
+            </a:prstGeom>
+            <a:solidFill>
+              <a:schemeClr val="bg1">
+                <a:lumMod val="75000"/>
+              </a:schemeClr>
+            </a:solidFill>
+            <a:ln>
+              <a:noFill/>
+            </a:ln>
+          </p:spPr>
+          <p:style>
+            <a:lnRef idx="2">
+              <a:schemeClr val="accent1">
+                <a:shade val="50000"/>
+              </a:schemeClr>
+            </a:lnRef>
+            <a:fillRef idx="1">
+              <a:schemeClr val="accent1"/>
+            </a:fillRef>
+            <a:effectRef idx="0">
+              <a:schemeClr val="accent1"/>
+            </a:effectRef>
+            <a:fontRef idx="minor">
+              <a:schemeClr val="lt1"/>
+            </a:fontRef>
+          </p:style>
+          <p:txBody>
+            <a:bodyPr rtlCol="0" anchor="ctr"/>
+            <a:lstStyle/>
+            <a:p>
+              <a:pPr algn="ctr"/>
+              <a:endParaRPr lang="ko-KR" altLang="en-US" sz="2400"/>
+            </a:p>
+          </p:txBody>
+        </p:sp>
+        <p:sp>
+          <p:nvSpPr>
+            <p:cNvPr id="7" name="직각 삼각형 6"/>
+            <p:cNvSpPr/>
+            <p:nvPr/>
+          </p:nvSpPr>
+          <p:spPr>
+            <a:xfrm flipH="1" flipV="1">
+              <a:off x="2016206" y="168848"/>
+              <a:ext cx="323546" cy="323546"/>
+            </a:xfrm>
+            <a:prstGeom prst="rtTriangle">
+              <a:avLst/>
+            </a:prstGeom>
+            <a:solidFill>
+              <a:schemeClr val="bg1">
+                <a:lumMod val="75000"/>
+              </a:schemeClr>
+            </a:solidFill>
+            <a:ln>
+              <a:noFill/>
+            </a:ln>
+          </p:spPr>
+          <p:style>
+            <a:lnRef idx="2">
+              <a:schemeClr val="accent1">
+                <a:shade val="50000"/>
+              </a:schemeClr>
+            </a:lnRef>
+            <a:fillRef idx="1">
+              <a:schemeClr val="accent1"/>
+            </a:fillRef>
+            <a:effectRef idx="0">
+              <a:schemeClr val="accent1"/>
+            </a:effectRef>
+            <a:fontRef idx="minor">
+              <a:schemeClr val="lt1"/>
+            </a:fontRef>
+          </p:style>
+          <p:txBody>
+            <a:bodyPr rtlCol="0" anchor="ctr"/>
+            <a:lstStyle/>
+            <a:p>
+              <a:pPr algn="ctr"/>
+              <a:endParaRPr lang="ko-KR" altLang="en-US" sz="2400" dirty="0"/>
+            </a:p>
+          </p:txBody>
+        </p:sp>
+      </p:grpSp>
+      <p:sp>
+        <p:nvSpPr>
+          <p:cNvPr id="8" name="TextBox 7"/>
+          <p:cNvSpPr txBox="1"/>
+          <p:nvPr/>
+        </p:nvSpPr>
+        <p:spPr>
+          <a:xfrm>
+            <a:off x="251187" y="275359"/>
+            <a:ext cx="1824203" cy="338554"/>
+          </a:xfrm>
+          <a:prstGeom prst="rect">
+            <a:avLst/>
+          </a:prstGeom>
+          <a:noFill/>
+        </p:spPr>
+        <p:txBody>
+          <a:bodyPr wrap="square" rtlCol="0">
+            <a:spAutoFit/>
+          </a:bodyPr>
+          <a:lstStyle/>
+          <a:p>
+            <a:r>
+              <a:rPr lang="en-US" altLang="ko-KR" sz="1600" dirty="0">
+                <a:ln>
+                  <a:solidFill>
+                    <a:schemeClr val="bg1">
+                      <a:lumMod val="95000"/>
+                      <a:alpha val="10000"/>
+                    </a:schemeClr>
+                  </a:solidFill>
+                </a:ln>
+                <a:solidFill>
+                  <a:schemeClr val="bg1">
+                    <a:lumMod val="95000"/>
+                  </a:schemeClr>
+                </a:solidFill>
+                <a:latin typeface="-윤고딕330" pitchFamily="18" charset="-127"/>
+                <a:ea typeface="-윤고딕330" pitchFamily="18" charset="-127"/>
+              </a:rPr>
+              <a:t>R Package</a:t>
+            </a:r>
+          </a:p>
+        </p:txBody>
+      </p:sp>
+      <p:sp>
+        <p:nvSpPr>
+          <p:cNvPr id="10" name="직사각형 9"/>
+          <p:cNvSpPr/>
+          <p:nvPr/>
+        </p:nvSpPr>
+        <p:spPr>
+          <a:xfrm>
+            <a:off x="213903" y="264017"/>
+            <a:ext cx="67143" cy="340487"/>
+          </a:xfrm>
+          <a:prstGeom prst="rect">
+            <a:avLst/>
+          </a:prstGeom>
+          <a:solidFill>
+            <a:schemeClr val="accent1">
+              <a:lumMod val="20000"/>
+              <a:lumOff val="80000"/>
+            </a:schemeClr>
+          </a:solidFill>
+          <a:ln>
+            <a:noFill/>
+          </a:ln>
+        </p:spPr>
+        <p:style>
+          <a:lnRef idx="2">
+            <a:schemeClr val="accent1">
+              <a:shade val="50000"/>
+            </a:schemeClr>
+          </a:lnRef>
+          <a:fillRef idx="1">
+            <a:schemeClr val="accent1"/>
+          </a:fillRef>
+          <a:effectRef idx="0">
+            <a:schemeClr val="accent1"/>
+          </a:effectRef>
+          <a:fontRef idx="minor">
+            <a:schemeClr val="lt1"/>
+          </a:fontRef>
+        </p:style>
+        <p:txBody>
+          <a:bodyPr rtlCol="0" anchor="ctr"/>
+          <a:lstStyle/>
+          <a:p>
+            <a:pPr algn="ctr"/>
+            <a:endParaRPr lang="ko-KR" altLang="en-US" sz="2400"/>
+          </a:p>
+        </p:txBody>
+      </p:sp>
+      <p:sp>
+        <p:nvSpPr>
+          <p:cNvPr id="14" name="TextBox 13">
+            <a:extLst>
+              <a:ext uri="{FF2B5EF4-FFF2-40B4-BE49-F238E27FC236}">
+                <a16:creationId xmlns:a16="http://schemas.microsoft.com/office/drawing/2014/main" id="{876DB399-8879-4421-8CA8-FD74AEBD157F}"/>
+              </a:ext>
+            </a:extLst>
+          </p:cNvPr>
+          <p:cNvSpPr txBox="1"/>
+          <p:nvPr/>
+        </p:nvSpPr>
+        <p:spPr>
+          <a:xfrm>
+            <a:off x="992976" y="800657"/>
+            <a:ext cx="10191580" cy="1521955"/>
+          </a:xfrm>
+          <a:prstGeom prst="rect">
+            <a:avLst/>
+          </a:prstGeom>
+          <a:noFill/>
+        </p:spPr>
+        <p:txBody>
+          <a:bodyPr wrap="square">
+            <a:spAutoFit/>
+          </a:bodyPr>
+          <a:lstStyle/>
+          <a:p>
+            <a:pPr>
+              <a:lnSpc>
+                <a:spcPct val="150000"/>
+              </a:lnSpc>
+            </a:pPr>
+            <a:r>
+              <a:rPr lang="en-US" altLang="ko-KR" sz="2400" b="1" dirty="0">
+                <a:ln>
+                  <a:solidFill>
+                    <a:schemeClr val="tx1">
+                      <a:lumMod val="85000"/>
+                      <a:lumOff val="15000"/>
+                      <a:alpha val="0"/>
+                    </a:schemeClr>
+                  </a:solidFill>
+                </a:ln>
+                <a:solidFill>
+                  <a:schemeClr val="tx1">
+                    <a:lumMod val="85000"/>
+                    <a:lumOff val="15000"/>
+                  </a:schemeClr>
+                </a:solidFill>
+                <a:latin typeface="12롯데마트드림Medium"/>
+                <a:ea typeface="-윤고딕340" panose="02030504000101010101" pitchFamily="18" charset="-127"/>
+              </a:rPr>
+              <a:t>02 Univariate Normal</a:t>
+            </a:r>
+          </a:p>
+          <a:p>
+            <a:pPr>
+              <a:lnSpc>
+                <a:spcPct val="150000"/>
+              </a:lnSpc>
+            </a:pPr>
+            <a:r>
+              <a:rPr lang="en-US" altLang="ko-KR" sz="2000" dirty="0">
+                <a:ln>
+                  <a:solidFill>
+                    <a:schemeClr val="tx1">
+                      <a:lumMod val="85000"/>
+                      <a:lumOff val="15000"/>
+                      <a:alpha val="0"/>
+                    </a:schemeClr>
+                  </a:solidFill>
+                </a:ln>
+                <a:solidFill>
+                  <a:schemeClr val="tx1">
+                    <a:lumMod val="85000"/>
+                    <a:lumOff val="15000"/>
+                  </a:schemeClr>
+                </a:solidFill>
+                <a:latin typeface="12롯데마트드림Medium"/>
+                <a:ea typeface="-윤고딕340" panose="02030504000101010101" pitchFamily="18" charset="-127"/>
+              </a:rPr>
+              <a:t>    : p0=0.8</a:t>
+            </a:r>
+          </a:p>
+          <a:p>
+            <a:pPr>
+              <a:lnSpc>
+                <a:spcPct val="150000"/>
+              </a:lnSpc>
+            </a:pPr>
+            <a:r>
+              <a:rPr lang="en-US" altLang="ko-KR" sz="2000" dirty="0">
+                <a:ln>
+                  <a:solidFill>
+                    <a:schemeClr val="tx1">
+                      <a:lumMod val="85000"/>
+                      <a:lumOff val="15000"/>
+                      <a:alpha val="0"/>
+                    </a:schemeClr>
+                  </a:solidFill>
+                </a:ln>
+                <a:solidFill>
+                  <a:schemeClr val="tx1">
+                    <a:lumMod val="85000"/>
+                    <a:lumOff val="15000"/>
+                  </a:schemeClr>
+                </a:solidFill>
+                <a:latin typeface="12롯데마트드림Medium"/>
+                <a:ea typeface="-윤고딕340" panose="02030504000101010101" pitchFamily="18" charset="-127"/>
+              </a:rPr>
+              <a:t>     </a:t>
+            </a:r>
+          </a:p>
+        </p:txBody>
+      </p:sp>
+      <p:pic>
+        <p:nvPicPr>
           <p:cNvPr id="12" name="그림 11">
             <a:extLst>
               <a:ext uri="{FF2B5EF4-FFF2-40B4-BE49-F238E27FC236}">
@@ -11785,6 +16528,100 @@
           </a:prstGeom>
         </p:spPr>
       </p:pic>
+      <p:sp>
+        <p:nvSpPr>
+          <p:cNvPr id="13" name="TextBox 12">
+            <a:extLst>
+              <a:ext uri="{FF2B5EF4-FFF2-40B4-BE49-F238E27FC236}">
+                <a16:creationId xmlns:a16="http://schemas.microsoft.com/office/drawing/2014/main" id="{203BE361-33AD-44A8-8578-430E13B58DDC}"/>
+              </a:ext>
+            </a:extLst>
+          </p:cNvPr>
+          <p:cNvSpPr txBox="1"/>
+          <p:nvPr/>
+        </p:nvSpPr>
+        <p:spPr>
+          <a:xfrm>
+            <a:off x="9266554" y="272486"/>
+            <a:ext cx="3262161" cy="307777"/>
+          </a:xfrm>
+          <a:prstGeom prst="rect">
+            <a:avLst/>
+          </a:prstGeom>
+          <a:noFill/>
+        </p:spPr>
+        <p:txBody>
+          <a:bodyPr wrap="square" rtlCol="0">
+            <a:spAutoFit/>
+          </a:bodyPr>
+          <a:lstStyle/>
+          <a:p>
+            <a:r>
+              <a:rPr lang="en-US" altLang="ko-KR" sz="1400" dirty="0">
+                <a:ln>
+                  <a:solidFill>
+                    <a:schemeClr val="tx1">
+                      <a:lumMod val="75000"/>
+                      <a:lumOff val="25000"/>
+                      <a:alpha val="10000"/>
+                    </a:schemeClr>
+                  </a:solidFill>
+                </a:ln>
+                <a:solidFill>
+                  <a:schemeClr val="tx1">
+                    <a:lumMod val="75000"/>
+                    <a:lumOff val="25000"/>
+                  </a:schemeClr>
+                </a:solidFill>
+                <a:latin typeface="-윤고딕340" pitchFamily="18" charset="-127"/>
+                <a:ea typeface="-윤고딕340" pitchFamily="18" charset="-127"/>
+              </a:rPr>
+              <a:t>02. </a:t>
+            </a:r>
+            <a:r>
+              <a:rPr lang="en-US" altLang="ko-KR" sz="1400" dirty="0">
+                <a:ln>
+                  <a:solidFill>
+                    <a:schemeClr val="tx1">
+                      <a:lumMod val="85000"/>
+                      <a:lumOff val="15000"/>
+                      <a:alpha val="0"/>
+                    </a:schemeClr>
+                  </a:solidFill>
+                </a:ln>
+                <a:solidFill>
+                  <a:schemeClr val="tx1">
+                    <a:lumMod val="85000"/>
+                    <a:lumOff val="15000"/>
+                  </a:schemeClr>
+                </a:solidFill>
+                <a:latin typeface="-윤고딕340" panose="02030504000101010101" pitchFamily="18" charset="-127"/>
+                <a:ea typeface="-윤고딕340" panose="02030504000101010101" pitchFamily="18" charset="-127"/>
+              </a:rPr>
+              <a:t>Test Case</a:t>
+            </a:r>
+            <a:endParaRPr lang="ko-KR" altLang="en-US" sz="1400" dirty="0">
+              <a:ln>
+                <a:solidFill>
+                  <a:schemeClr val="tx1">
+                    <a:lumMod val="65000"/>
+                    <a:lumOff val="35000"/>
+                    <a:alpha val="10000"/>
+                  </a:schemeClr>
+                </a:solidFill>
+              </a:ln>
+              <a:solidFill>
+                <a:schemeClr val="tx1">
+                  <a:lumMod val="65000"/>
+                  <a:lumOff val="35000"/>
+                </a:schemeClr>
+              </a:solidFill>
+              <a:latin typeface="-윤고딕330" panose="02030504000101010101" pitchFamily="18" charset="-127"/>
+              <a:ea typeface="-윤고딕330" panose="02030504000101010101" pitchFamily="18" charset="-127"/>
+            </a:endParaRPr>
+          </a:p>
+        </p:txBody>
+      </p:sp>
     </p:spTree>
     <p:extLst>
       <p:ext uri="{BB962C8B-B14F-4D97-AF65-F5344CB8AC3E}">
@@ -11795,13 +16632,13 @@
   <p:clrMapOvr>
     <a:masterClrMapping/>
   </p:clrMapOvr>
-  <mc:AlternateContent xmlns:mc="http://schemas.openxmlformats.org/markup-compatibility/2006">
-    <mc:Choice xmlns:p14="http://schemas.microsoft.com/office/powerpoint/2010/main" Requires="p14">
+  <mc:AlternateContent xmlns:mc="http://schemas.openxmlformats.org/markup-compatibility/2006" xmlns:p14="http://schemas.microsoft.com/office/powerpoint/2010/main">
+    <mc:Choice Requires="p14">
       <p:transition spd="med" p14:dur="700">
         <p:fade/>
       </p:transition>
     </mc:Choice>
-    <mc:Fallback>
+    <mc:Fallback xmlns="">
       <p:transition spd="med">
         <p:fade/>
       </p:transition>
